--- a/lessons/class3/Class3B_tidy sentiment.pptx
+++ b/lessons/class3/Class3B_tidy sentiment.pptx
@@ -5,24 +5,21 @@
     <p:sldMasterId id="2147483660" r:id="rId1"/>
   </p:sldMasterIdLst>
   <p:notesMasterIdLst>
-    <p:notesMasterId r:id="rId17"/>
+    <p:notesMasterId r:id="rId14"/>
   </p:notesMasterIdLst>
   <p:sldIdLst>
     <p:sldId id="738" r:id="rId2"/>
-    <p:sldId id="833" r:id="rId3"/>
-    <p:sldId id="835" r:id="rId4"/>
-    <p:sldId id="834" r:id="rId5"/>
-    <p:sldId id="831" r:id="rId6"/>
-    <p:sldId id="739" r:id="rId7"/>
-    <p:sldId id="832" r:id="rId8"/>
-    <p:sldId id="820" r:id="rId9"/>
-    <p:sldId id="819" r:id="rId10"/>
-    <p:sldId id="821" r:id="rId11"/>
-    <p:sldId id="740" r:id="rId12"/>
-    <p:sldId id="822" r:id="rId13"/>
-    <p:sldId id="823" r:id="rId14"/>
-    <p:sldId id="824" r:id="rId15"/>
-    <p:sldId id="828" r:id="rId16"/>
+    <p:sldId id="831" r:id="rId3"/>
+    <p:sldId id="739" r:id="rId4"/>
+    <p:sldId id="832" r:id="rId5"/>
+    <p:sldId id="820" r:id="rId6"/>
+    <p:sldId id="819" r:id="rId7"/>
+    <p:sldId id="821" r:id="rId8"/>
+    <p:sldId id="740" r:id="rId9"/>
+    <p:sldId id="822" r:id="rId10"/>
+    <p:sldId id="823" r:id="rId11"/>
+    <p:sldId id="824" r:id="rId12"/>
+    <p:sldId id="828" r:id="rId13"/>
   </p:sldIdLst>
   <p:sldSz cx="9144000" cy="6858000" type="screen4x3"/>
   <p:notesSz cx="6858000" cy="9144000"/>
@@ -228,7 +225,7 @@
           <a:p>
             <a:fld id="{B0C0A60C-850A-4EA4-9C14-A8FE98B94505}" type="datetimeFigureOut">
               <a:rPr lang="en-US" smtClean="0"/>
-              <a:t>3/1/21</a:t>
+              <a:t>1/19/22</a:t>
             </a:fld>
             <a:endParaRPr lang="en-US"/>
           </a:p>
@@ -560,7 +557,7 @@
           <a:p>
             <a:fld id="{24E9AA13-E3FC-4BB6-B68D-5F0F5803D716}" type="slidenum">
               <a:rPr lang="en-US" smtClean="0"/>
-              <a:t>15</a:t>
+              <a:t>12</a:t>
             </a:fld>
             <a:endParaRPr lang="en-US"/>
           </a:p>
@@ -711,7 +708,7 @@
           <a:p>
             <a:fld id="{5738B90E-0779-4C36-915C-6F05FCD89456}" type="datetime1">
               <a:rPr lang="en-US" smtClean="0"/>
-              <a:t>3/1/21</a:t>
+              <a:t>1/19/22</a:t>
             </a:fld>
             <a:endParaRPr lang="en-US"/>
           </a:p>
@@ -908,7 +905,7 @@
           <a:p>
             <a:fld id="{7B9EA29D-D431-42FE-B7B6-AAE4454C77D3}" type="datetime1">
               <a:rPr lang="en-US" smtClean="0"/>
-              <a:t>3/1/21</a:t>
+              <a:t>1/19/22</a:t>
             </a:fld>
             <a:endParaRPr lang="en-US"/>
           </a:p>
@@ -1263,7 +1260,7 @@
           <a:p>
             <a:fld id="{690D8A1E-EA8F-46C1-B891-AE0C00D9C314}" type="datetime1">
               <a:rPr lang="en-US" smtClean="0"/>
-              <a:t>3/1/21</a:t>
+              <a:t>1/19/22</a:t>
             </a:fld>
             <a:endParaRPr lang="en-US"/>
           </a:p>
@@ -1571,7 +1568,7 @@
           <a:p>
             <a:fld id="{D753EFC8-4232-4598-94F6-94C0EBAFC469}" type="datetime1">
               <a:rPr lang="en-US" smtClean="0"/>
-              <a:t>3/1/21</a:t>
+              <a:t>1/19/22</a:t>
             </a:fld>
             <a:endParaRPr lang="en-US"/>
           </a:p>
@@ -1900,7 +1897,7 @@
           <a:p>
             <a:fld id="{F3161074-1C18-4AE7-957D-F18524378C85}" type="datetime1">
               <a:rPr lang="en-US" smtClean="0"/>
-              <a:t>3/1/21</a:t>
+              <a:t>1/19/22</a:t>
             </a:fld>
             <a:endParaRPr lang="en-US"/>
           </a:p>
@@ -2153,7 +2150,7 @@
           <a:p>
             <a:fld id="{69BE256C-8D9A-4404-B47D-41A1AE514425}" type="datetime1">
               <a:rPr lang="en-US" smtClean="0"/>
-              <a:t>3/1/21</a:t>
+              <a:t>1/19/22</a:t>
             </a:fld>
             <a:endParaRPr lang="en-US"/>
           </a:p>
@@ -2601,7 +2598,7 @@
           <a:p>
             <a:fld id="{66CB2154-9035-4012-8189-BAAB61C5A5EE}" type="datetime1">
               <a:rPr lang="en-US" smtClean="0"/>
-              <a:t>3/1/21</a:t>
+              <a:t>1/19/22</a:t>
             </a:fld>
             <a:endParaRPr lang="en-US"/>
           </a:p>
@@ -2789,7 +2786,7 @@
           <a:p>
             <a:fld id="{6700A58B-DD98-43D0-B791-721480A02982}" type="datetime1">
               <a:rPr lang="en-US" smtClean="0"/>
-              <a:t>3/1/21</a:t>
+              <a:t>1/19/22</a:t>
             </a:fld>
             <a:endParaRPr lang="en-US"/>
           </a:p>
@@ -2995,7 +2992,7 @@
           <a:p>
             <a:fld id="{7DB6E382-4F61-4E24-BE1A-377EC83D0E3A}" type="datetime1">
               <a:rPr lang="en-US" smtClean="0"/>
-              <a:t>3/1/21</a:t>
+              <a:t>1/19/22</a:t>
             </a:fld>
             <a:endParaRPr lang="en-US"/>
           </a:p>
@@ -3401,7 +3398,7 @@
           <a:p>
             <a:fld id="{4142EED6-FC16-45B9-B8C4-2BC5DBA88325}" type="datetime1">
               <a:rPr lang="en-US" smtClean="0"/>
-              <a:t>3/1/21</a:t>
+              <a:t>1/19/22</a:t>
             </a:fld>
             <a:endParaRPr lang="en-US"/>
           </a:p>
@@ -3733,7 +3730,7 @@
           <a:p>
             <a:fld id="{DF59512B-4F1D-43D7-8819-2F53FEF69650}" type="datetime1">
               <a:rPr lang="en-US" smtClean="0"/>
-              <a:t>3/1/21</a:t>
+              <a:t>1/19/22</a:t>
             </a:fld>
             <a:endParaRPr lang="en-US"/>
           </a:p>
@@ -4023,7 +4020,7 @@
           <a:p>
             <a:fld id="{08437B94-E2BF-44DC-ADC5-B05FC9934E9D}" type="datetime1">
               <a:rPr lang="en-US" smtClean="0"/>
-              <a:t>3/1/21</a:t>
+              <a:t>1/19/22</a:t>
             </a:fld>
             <a:endParaRPr lang="en-US"/>
           </a:p>
@@ -4828,7 +4825,7 @@
           <a:p>
             <a:fld id="{6700A58B-DD98-43D0-B791-721480A02982}" type="datetime1">
               <a:rPr lang="en-US" smtClean="0"/>
-              <a:t>3/1/21</a:t>
+              <a:t>1/19/22</a:t>
             </a:fld>
             <a:endParaRPr lang="en-US"/>
           </a:p>
@@ -4844,19 +4841,14 @@
             <p:ph type="title"/>
           </p:nvPr>
         </p:nvSpPr>
-        <p:spPr>
-          <a:xfrm>
-            <a:off x="0" y="365126"/>
-            <a:ext cx="8515350" cy="591477"/>
-          </a:xfrm>
-        </p:spPr>
+        <p:spPr/>
         <p:txBody>
           <a:bodyPr/>
           <a:lstStyle/>
           <a:p>
             <a:r>
               <a:rPr lang="en-US" dirty="0"/>
-              <a:t>In this exercise we will examine 565 News Articles</a:t>
+              <a:t>Starting with a DTM, its straightforward</a:t>
             </a:r>
           </a:p>
         </p:txBody>
@@ -4903,3714 +4895,6 @@
               <a:rPr lang="en-US" smtClean="0"/>
               <a:pPr/>
               <a:t>10</a:t>
-            </a:fld>
-            <a:endParaRPr lang="en-US" dirty="0"/>
-          </a:p>
-        </p:txBody>
-      </p:sp>
-      <p:cxnSp>
-        <p:nvCxnSpPr>
-          <p:cNvPr id="9" name="Straight Connector 8">
-            <a:extLst>
-              <a:ext uri="{FF2B5EF4-FFF2-40B4-BE49-F238E27FC236}">
-                <a16:creationId xmlns:a16="http://schemas.microsoft.com/office/drawing/2014/main" id="{EDB8A8B8-B746-EF49-AA0A-1EB9AE31C3E7}"/>
-              </a:ext>
-            </a:extLst>
-          </p:cNvPr>
-          <p:cNvCxnSpPr/>
-          <p:nvPr/>
-        </p:nvCxnSpPr>
-        <p:spPr>
-          <a:xfrm>
-            <a:off x="6798363" y="6549885"/>
-            <a:ext cx="0" cy="182880"/>
-          </a:xfrm>
-          <a:prstGeom prst="line">
-            <a:avLst/>
-          </a:prstGeom>
-          <a:ln>
-            <a:solidFill>
-              <a:schemeClr val="bg1">
-                <a:lumMod val="85000"/>
-              </a:schemeClr>
-            </a:solidFill>
-          </a:ln>
-        </p:spPr>
-        <p:style>
-          <a:lnRef idx="1">
-            <a:schemeClr val="accent1"/>
-          </a:lnRef>
-          <a:fillRef idx="0">
-            <a:schemeClr val="accent1"/>
-          </a:fillRef>
-          <a:effectRef idx="0">
-            <a:schemeClr val="accent1"/>
-          </a:effectRef>
-          <a:fontRef idx="minor">
-            <a:schemeClr val="tx1"/>
-          </a:fontRef>
-        </p:style>
-      </p:cxnSp>
-      <p:cxnSp>
-        <p:nvCxnSpPr>
-          <p:cNvPr id="10" name="Straight Connector 9">
-            <a:extLst>
-              <a:ext uri="{FF2B5EF4-FFF2-40B4-BE49-F238E27FC236}">
-                <a16:creationId xmlns:a16="http://schemas.microsoft.com/office/drawing/2014/main" id="{3E861DD3-4CF5-3F4B-96A7-76FFEDD98FCF}"/>
-              </a:ext>
-            </a:extLst>
-          </p:cNvPr>
-          <p:cNvCxnSpPr/>
-          <p:nvPr/>
-        </p:nvCxnSpPr>
-        <p:spPr>
-          <a:xfrm>
-            <a:off x="7076661" y="4664763"/>
-            <a:ext cx="182880" cy="0"/>
-          </a:xfrm>
-          <a:prstGeom prst="line">
-            <a:avLst/>
-          </a:prstGeom>
-          <a:ln>
-            <a:solidFill>
-              <a:schemeClr val="bg1">
-                <a:lumMod val="85000"/>
-              </a:schemeClr>
-            </a:solidFill>
-          </a:ln>
-        </p:spPr>
-        <p:style>
-          <a:lnRef idx="1">
-            <a:schemeClr val="accent1"/>
-          </a:lnRef>
-          <a:fillRef idx="0">
-            <a:schemeClr val="accent1"/>
-          </a:fillRef>
-          <a:effectRef idx="0">
-            <a:schemeClr val="accent1"/>
-          </a:effectRef>
-          <a:fontRef idx="minor">
-            <a:schemeClr val="tx1"/>
-          </a:fontRef>
-        </p:style>
-      </p:cxnSp>
-      <p:pic>
-        <p:nvPicPr>
-          <p:cNvPr id="3074" name="Picture 2" descr="Will Ferrell's Best: 'Anchorman,' 'Step Brothers,' 'Elf'… or 'Casa De Mi  Padre'? | IndieWire">
-            <a:extLst>
-              <a:ext uri="{FF2B5EF4-FFF2-40B4-BE49-F238E27FC236}">
-                <a16:creationId xmlns:a16="http://schemas.microsoft.com/office/drawing/2014/main" id="{633C72E0-72EB-4C46-BE58-D38673B35676}"/>
-              </a:ext>
-            </a:extLst>
-          </p:cNvPr>
-          <p:cNvPicPr>
-            <a:picLocks noChangeAspect="1" noChangeArrowheads="1"/>
-          </p:cNvPicPr>
-          <p:nvPr/>
-        </p:nvPicPr>
-        <p:blipFill>
-          <a:blip r:embed="rId2">
-            <a:extLst>
-              <a:ext uri="{28A0092B-C50C-407E-A947-70E740481C1C}">
-                <a14:useLocalDpi xmlns:a14="http://schemas.microsoft.com/office/drawing/2010/main" val="0"/>
-              </a:ext>
-            </a:extLst>
-          </a:blip>
-          <a:srcRect/>
-          <a:stretch>
-            <a:fillRect/>
-          </a:stretch>
-        </p:blipFill>
-        <p:spPr bwMode="auto">
-          <a:xfrm>
-            <a:off x="3937000" y="1562100"/>
-            <a:ext cx="4978400" cy="3733800"/>
-          </a:xfrm>
-          <a:prstGeom prst="rect">
-            <a:avLst/>
-          </a:prstGeom>
-          <a:noFill/>
-          <a:extLst>
-            <a:ext uri="{909E8E84-426E-40DD-AFC4-6F175D3DCCD1}">
-              <a14:hiddenFill xmlns:a14="http://schemas.microsoft.com/office/drawing/2010/main">
-                <a:solidFill>
-                  <a:srgbClr val="FFFFFF"/>
-                </a:solidFill>
-              </a14:hiddenFill>
-            </a:ext>
-          </a:extLst>
-        </p:spPr>
-      </p:pic>
-      <p:sp>
-        <p:nvSpPr>
-          <p:cNvPr id="7" name="TextBox 6">
-            <a:extLst>
-              <a:ext uri="{FF2B5EF4-FFF2-40B4-BE49-F238E27FC236}">
-                <a16:creationId xmlns:a16="http://schemas.microsoft.com/office/drawing/2014/main" id="{F4C22778-DAFE-2841-A63E-60BE17151D2D}"/>
-              </a:ext>
-            </a:extLst>
-          </p:cNvPr>
-          <p:cNvSpPr txBox="1"/>
-          <p:nvPr/>
-        </p:nvSpPr>
-        <p:spPr>
-          <a:xfrm>
-            <a:off x="434340" y="2551837"/>
-            <a:ext cx="3502660" cy="1754326"/>
-          </a:xfrm>
-          <a:prstGeom prst="rect">
-            <a:avLst/>
-          </a:prstGeom>
-          <a:noFill/>
-        </p:spPr>
-        <p:txBody>
-          <a:bodyPr wrap="square" rtlCol="0">
-            <a:spAutoFit/>
-          </a:bodyPr>
-          <a:lstStyle/>
-          <a:p>
-            <a:r>
-              <a:rPr lang="en-US" dirty="0"/>
-              <a:t>Not by news channel but </a:t>
-            </a:r>
-            <a:r>
-              <a:rPr lang="en-US" i="1" dirty="0"/>
-              <a:t>overall</a:t>
-            </a:r>
-            <a:r>
-              <a:rPr lang="en-US" dirty="0"/>
-              <a:t> how can we measure emotional words.  You could perform this analysis by news channel looking for biases in subjects but its not the point of our script.</a:t>
-            </a:r>
-          </a:p>
-        </p:txBody>
-      </p:sp>
-    </p:spTree>
-    <p:extLst>
-      <p:ext uri="{BB962C8B-B14F-4D97-AF65-F5344CB8AC3E}">
-        <p14:creationId xmlns:p14="http://schemas.microsoft.com/office/powerpoint/2010/main" val="2412190367"/>
-      </p:ext>
-    </p:extLst>
-  </p:cSld>
-  <p:clrMapOvr>
-    <a:masterClrMapping/>
-  </p:clrMapOvr>
-</p:sld>
-</file>
-
-<file path=ppt/slides/slide11.xml><?xml version="1.0" encoding="utf-8"?>
-<p:sld xmlns:a="http://schemas.openxmlformats.org/drawingml/2006/main" xmlns:r="http://schemas.openxmlformats.org/officeDocument/2006/relationships" xmlns:p="http://schemas.openxmlformats.org/presentationml/2006/main">
-  <p:cSld>
-    <p:spTree>
-      <p:nvGrpSpPr>
-        <p:cNvPr id="1" name=""/>
-        <p:cNvGrpSpPr/>
-        <p:nvPr/>
-      </p:nvGrpSpPr>
-      <p:grpSpPr>
-        <a:xfrm>
-          <a:off x="0" y="0"/>
-          <a:ext cx="0" cy="0"/>
-          <a:chOff x="0" y="0"/>
-          <a:chExt cx="0" cy="0"/>
-        </a:xfrm>
-      </p:grpSpPr>
-      <p:sp>
-        <p:nvSpPr>
-          <p:cNvPr id="2" name="Date Placeholder 1">
-            <a:extLst>
-              <a:ext uri="{FF2B5EF4-FFF2-40B4-BE49-F238E27FC236}">
-                <a16:creationId xmlns:a16="http://schemas.microsoft.com/office/drawing/2014/main" id="{1C96ADC6-A8AF-4177-80C3-00592755C6E2}"/>
-              </a:ext>
-            </a:extLst>
-          </p:cNvPr>
-          <p:cNvSpPr>
-            <a:spLocks noGrp="1"/>
-          </p:cNvSpPr>
-          <p:nvPr>
-            <p:ph type="dt" sz="half" idx="10"/>
-          </p:nvPr>
-        </p:nvSpPr>
-        <p:spPr/>
-        <p:txBody>
-          <a:bodyPr/>
-          <a:lstStyle/>
-          <a:p>
-            <a:fld id="{6700A58B-DD98-43D0-B791-721480A02982}" type="datetime1">
-              <a:rPr lang="en-US" smtClean="0"/>
-              <a:pPr/>
-              <a:t>3/1/21</a:t>
-            </a:fld>
-            <a:endParaRPr lang="en-US"/>
-          </a:p>
-        </p:txBody>
-      </p:sp>
-      <p:sp>
-        <p:nvSpPr>
-          <p:cNvPr id="3" name="Title 2">
-            <a:extLst>
-              <a:ext uri="{FF2B5EF4-FFF2-40B4-BE49-F238E27FC236}">
-                <a16:creationId xmlns:a16="http://schemas.microsoft.com/office/drawing/2014/main" id="{4F6055C4-6C20-45AD-A381-AF38F6DD4455}"/>
-              </a:ext>
-            </a:extLst>
-          </p:cNvPr>
-          <p:cNvSpPr>
-            <a:spLocks noGrp="1"/>
-          </p:cNvSpPr>
-          <p:nvPr>
-            <p:ph type="title"/>
-          </p:nvPr>
-        </p:nvSpPr>
-        <p:spPr>
-          <a:xfrm>
-            <a:off x="220717" y="365126"/>
-            <a:ext cx="8623738" cy="591477"/>
-          </a:xfrm>
-        </p:spPr>
-        <p:txBody>
-          <a:bodyPr/>
-          <a:lstStyle/>
-          <a:p>
-            <a:r>
-              <a:rPr lang="en-US" sz="2800" dirty="0"/>
-              <a:t>Sentiment the Tidy Way uses joins with existing lexicons</a:t>
-            </a:r>
-          </a:p>
-        </p:txBody>
-      </p:sp>
-      <p:sp>
-        <p:nvSpPr>
-          <p:cNvPr id="9" name="Footer Placeholder 5">
-            <a:extLst>
-              <a:ext uri="{FF2B5EF4-FFF2-40B4-BE49-F238E27FC236}">
-                <a16:creationId xmlns:a16="http://schemas.microsoft.com/office/drawing/2014/main" id="{743436D9-66D6-480D-8753-218AB2841401}"/>
-              </a:ext>
-            </a:extLst>
-          </p:cNvPr>
-          <p:cNvSpPr>
-            <a:spLocks noGrp="1"/>
-          </p:cNvSpPr>
-          <p:nvPr>
-            <p:ph type="ftr" sz="quarter" idx="3"/>
-          </p:nvPr>
-        </p:nvSpPr>
-        <p:spPr/>
-        <p:txBody>
-          <a:bodyPr/>
-          <a:lstStyle/>
-          <a:p>
-            <a:r>
-              <a:rPr lang="en-US"/>
-              <a:t>Kwartler CSCI -96</a:t>
-            </a:r>
-            <a:endParaRPr lang="en-US" dirty="0"/>
-          </a:p>
-        </p:txBody>
-      </p:sp>
-      <p:sp>
-        <p:nvSpPr>
-          <p:cNvPr id="4" name="Slide Number Placeholder 3">
-            <a:extLst>
-              <a:ext uri="{FF2B5EF4-FFF2-40B4-BE49-F238E27FC236}">
-                <a16:creationId xmlns:a16="http://schemas.microsoft.com/office/drawing/2014/main" id="{70A44E92-3086-4AF5-BE02-6B5834CCC318}"/>
-              </a:ext>
-            </a:extLst>
-          </p:cNvPr>
-          <p:cNvSpPr>
-            <a:spLocks noGrp="1"/>
-          </p:cNvSpPr>
-          <p:nvPr>
-            <p:ph type="sldNum" sz="quarter" idx="4"/>
-          </p:nvPr>
-        </p:nvSpPr>
-        <p:spPr/>
-        <p:txBody>
-          <a:bodyPr/>
-          <a:lstStyle/>
-          <a:p>
-            <a:fld id="{37290FF7-652B-4475-AEAB-8B1A5D23AE09}" type="slidenum">
-              <a:rPr lang="en-US" smtClean="0"/>
-              <a:pPr/>
-              <a:t>11</a:t>
-            </a:fld>
-            <a:endParaRPr lang="en-US"/>
-          </a:p>
-        </p:txBody>
-      </p:sp>
-      <p:cxnSp>
-        <p:nvCxnSpPr>
-          <p:cNvPr id="12" name="Straight Connector 11">
-            <a:extLst>
-              <a:ext uri="{FF2B5EF4-FFF2-40B4-BE49-F238E27FC236}">
-                <a16:creationId xmlns:a16="http://schemas.microsoft.com/office/drawing/2014/main" id="{33840748-A370-1D4A-98B6-ED80AB54163A}"/>
-              </a:ext>
-            </a:extLst>
-          </p:cNvPr>
-          <p:cNvCxnSpPr/>
-          <p:nvPr/>
-        </p:nvCxnSpPr>
-        <p:spPr>
-          <a:xfrm>
-            <a:off x="6798363" y="6549885"/>
-            <a:ext cx="0" cy="182880"/>
-          </a:xfrm>
-          <a:prstGeom prst="line">
-            <a:avLst/>
-          </a:prstGeom>
-          <a:ln>
-            <a:solidFill>
-              <a:schemeClr val="bg1">
-                <a:lumMod val="85000"/>
-              </a:schemeClr>
-            </a:solidFill>
-          </a:ln>
-        </p:spPr>
-        <p:style>
-          <a:lnRef idx="1">
-            <a:schemeClr val="accent1"/>
-          </a:lnRef>
-          <a:fillRef idx="0">
-            <a:schemeClr val="accent1"/>
-          </a:fillRef>
-          <a:effectRef idx="0">
-            <a:schemeClr val="accent1"/>
-          </a:effectRef>
-          <a:fontRef idx="minor">
-            <a:schemeClr val="tx1"/>
-          </a:fontRef>
-        </p:style>
-      </p:cxnSp>
-      <p:cxnSp>
-        <p:nvCxnSpPr>
-          <p:cNvPr id="13" name="Straight Connector 12">
-            <a:extLst>
-              <a:ext uri="{FF2B5EF4-FFF2-40B4-BE49-F238E27FC236}">
-                <a16:creationId xmlns:a16="http://schemas.microsoft.com/office/drawing/2014/main" id="{E405A55E-4150-BB40-9C65-8A5E00B89CEA}"/>
-              </a:ext>
-            </a:extLst>
-          </p:cNvPr>
-          <p:cNvCxnSpPr/>
-          <p:nvPr/>
-        </p:nvCxnSpPr>
-        <p:spPr>
-          <a:xfrm>
-            <a:off x="7076661" y="4664763"/>
-            <a:ext cx="182880" cy="0"/>
-          </a:xfrm>
-          <a:prstGeom prst="line">
-            <a:avLst/>
-          </a:prstGeom>
-          <a:ln>
-            <a:solidFill>
-              <a:schemeClr val="bg1">
-                <a:lumMod val="85000"/>
-              </a:schemeClr>
-            </a:solidFill>
-          </a:ln>
-        </p:spPr>
-        <p:style>
-          <a:lnRef idx="1">
-            <a:schemeClr val="accent1"/>
-          </a:lnRef>
-          <a:fillRef idx="0">
-            <a:schemeClr val="accent1"/>
-          </a:fillRef>
-          <a:effectRef idx="0">
-            <a:schemeClr val="accent1"/>
-          </a:effectRef>
-          <a:fontRef idx="minor">
-            <a:schemeClr val="tx1"/>
-          </a:fontRef>
-        </p:style>
-      </p:cxnSp>
-      <p:pic>
-        <p:nvPicPr>
-          <p:cNvPr id="15" name="Picture 14" descr="A screenshot of a cell phone&#10;&#10;Description automatically generated">
-            <a:extLst>
-              <a:ext uri="{FF2B5EF4-FFF2-40B4-BE49-F238E27FC236}">
-                <a16:creationId xmlns:a16="http://schemas.microsoft.com/office/drawing/2014/main" id="{41D6E390-18F6-A246-88BD-A9E4B309D7E2}"/>
-              </a:ext>
-            </a:extLst>
-          </p:cNvPr>
-          <p:cNvPicPr>
-            <a:picLocks noChangeAspect="1"/>
-          </p:cNvPicPr>
-          <p:nvPr/>
-        </p:nvPicPr>
-        <p:blipFill>
-          <a:blip r:embed="rId2">
-            <a:extLst>
-              <a:ext uri="{28A0092B-C50C-407E-A947-70E740481C1C}">
-                <a14:useLocalDpi xmlns:a14="http://schemas.microsoft.com/office/drawing/2010/main" val="0"/>
-              </a:ext>
-            </a:extLst>
-          </a:blip>
-          <a:stretch>
-            <a:fillRect/>
-          </a:stretch>
-        </p:blipFill>
-        <p:spPr>
-          <a:xfrm>
-            <a:off x="257865" y="1461052"/>
-            <a:ext cx="3982830" cy="2259351"/>
-          </a:xfrm>
-          <a:prstGeom prst="rect">
-            <a:avLst/>
-          </a:prstGeom>
-          <a:ln>
-            <a:solidFill>
-              <a:schemeClr val="tx1"/>
-            </a:solidFill>
-          </a:ln>
-        </p:spPr>
-      </p:pic>
-      <p:sp>
-        <p:nvSpPr>
-          <p:cNvPr id="18" name="TextBox 17">
-            <a:extLst>
-              <a:ext uri="{FF2B5EF4-FFF2-40B4-BE49-F238E27FC236}">
-                <a16:creationId xmlns:a16="http://schemas.microsoft.com/office/drawing/2014/main" id="{7C35328F-AF7E-0541-9110-C18A28A41A99}"/>
-              </a:ext>
-            </a:extLst>
-          </p:cNvPr>
-          <p:cNvSpPr txBox="1"/>
-          <p:nvPr/>
-        </p:nvSpPr>
-        <p:spPr>
-          <a:xfrm>
-            <a:off x="159026" y="1113183"/>
-            <a:ext cx="1311578" cy="369332"/>
-          </a:xfrm>
-          <a:prstGeom prst="rect">
-            <a:avLst/>
-          </a:prstGeom>
-          <a:noFill/>
-        </p:spPr>
-        <p:txBody>
-          <a:bodyPr wrap="none" rtlCol="0">
-            <a:spAutoFit/>
-          </a:bodyPr>
-          <a:lstStyle/>
-          <a:p>
-            <a:r>
-              <a:rPr lang="en-US" dirty="0"/>
-              <a:t>6782 Words</a:t>
-            </a:r>
-          </a:p>
-        </p:txBody>
-      </p:sp>
-      <p:sp>
-        <p:nvSpPr>
-          <p:cNvPr id="20" name="TextBox 19">
-            <a:extLst>
-              <a:ext uri="{FF2B5EF4-FFF2-40B4-BE49-F238E27FC236}">
-                <a16:creationId xmlns:a16="http://schemas.microsoft.com/office/drawing/2014/main" id="{029F1A01-EF4E-D54D-B2C9-8019EF4175BD}"/>
-              </a:ext>
-            </a:extLst>
-          </p:cNvPr>
-          <p:cNvSpPr txBox="1"/>
-          <p:nvPr/>
-        </p:nvSpPr>
-        <p:spPr>
-          <a:xfrm>
-            <a:off x="4287078" y="1133062"/>
-            <a:ext cx="1311578" cy="369332"/>
-          </a:xfrm>
-          <a:prstGeom prst="rect">
-            <a:avLst/>
-          </a:prstGeom>
-          <a:noFill/>
-        </p:spPr>
-        <p:txBody>
-          <a:bodyPr wrap="none" rtlCol="0">
-            <a:spAutoFit/>
-          </a:bodyPr>
-          <a:lstStyle/>
-          <a:p>
-            <a:r>
-              <a:rPr lang="en-US" dirty="0"/>
-              <a:t>2477 Words</a:t>
-            </a:r>
-          </a:p>
-        </p:txBody>
-      </p:sp>
-      <p:sp>
-        <p:nvSpPr>
-          <p:cNvPr id="23" name="TextBox 22">
-            <a:extLst>
-              <a:ext uri="{FF2B5EF4-FFF2-40B4-BE49-F238E27FC236}">
-                <a16:creationId xmlns:a16="http://schemas.microsoft.com/office/drawing/2014/main" id="{3A20560B-4DD8-A74F-9054-1901BAABD543}"/>
-              </a:ext>
-            </a:extLst>
-          </p:cNvPr>
-          <p:cNvSpPr txBox="1"/>
-          <p:nvPr/>
-        </p:nvSpPr>
-        <p:spPr>
-          <a:xfrm>
-            <a:off x="165652" y="3796748"/>
-            <a:ext cx="1311578" cy="369332"/>
-          </a:xfrm>
-          <a:prstGeom prst="rect">
-            <a:avLst/>
-          </a:prstGeom>
-          <a:noFill/>
-        </p:spPr>
-        <p:txBody>
-          <a:bodyPr wrap="none" rtlCol="0">
-            <a:spAutoFit/>
-          </a:bodyPr>
-          <a:lstStyle/>
-          <a:p>
-            <a:r>
-              <a:rPr lang="en-US" dirty="0"/>
-              <a:t>4463 Words</a:t>
-            </a:r>
-          </a:p>
-        </p:txBody>
-      </p:sp>
-      <p:pic>
-        <p:nvPicPr>
-          <p:cNvPr id="25" name="Picture 24" descr="A screenshot of a cell phone&#10;&#10;Description automatically generated">
-            <a:extLst>
-              <a:ext uri="{FF2B5EF4-FFF2-40B4-BE49-F238E27FC236}">
-                <a16:creationId xmlns:a16="http://schemas.microsoft.com/office/drawing/2014/main" id="{C7F973D3-26B1-E943-97B5-013D927EC93F}"/>
-              </a:ext>
-            </a:extLst>
-          </p:cNvPr>
-          <p:cNvPicPr>
-            <a:picLocks noChangeAspect="1"/>
-          </p:cNvPicPr>
-          <p:nvPr/>
-        </p:nvPicPr>
-        <p:blipFill>
-          <a:blip r:embed="rId3">
-            <a:extLst>
-              <a:ext uri="{28A0092B-C50C-407E-A947-70E740481C1C}">
-                <a14:useLocalDpi xmlns:a14="http://schemas.microsoft.com/office/drawing/2010/main" val="0"/>
-              </a:ext>
-            </a:extLst>
-          </a:blip>
-          <a:stretch>
-            <a:fillRect/>
-          </a:stretch>
-        </p:blipFill>
-        <p:spPr>
-          <a:xfrm>
-            <a:off x="271118" y="4114800"/>
-            <a:ext cx="3280465" cy="1979275"/>
-          </a:xfrm>
-          <a:prstGeom prst="rect">
-            <a:avLst/>
-          </a:prstGeom>
-          <a:ln>
-            <a:solidFill>
-              <a:schemeClr val="tx1"/>
-            </a:solidFill>
-          </a:ln>
-        </p:spPr>
-      </p:pic>
-      <p:pic>
-        <p:nvPicPr>
-          <p:cNvPr id="27" name="Picture 26" descr="A screenshot of a cell phone&#10;&#10;Description automatically generated">
-            <a:extLst>
-              <a:ext uri="{FF2B5EF4-FFF2-40B4-BE49-F238E27FC236}">
-                <a16:creationId xmlns:a16="http://schemas.microsoft.com/office/drawing/2014/main" id="{BAE8646C-C76C-974A-B2E7-8CB3819C5C6D}"/>
-              </a:ext>
-            </a:extLst>
-          </p:cNvPr>
-          <p:cNvPicPr>
-            <a:picLocks noChangeAspect="1"/>
-          </p:cNvPicPr>
-          <p:nvPr/>
-        </p:nvPicPr>
-        <p:blipFill>
-          <a:blip r:embed="rId4">
-            <a:extLst>
-              <a:ext uri="{28A0092B-C50C-407E-A947-70E740481C1C}">
-                <a14:useLocalDpi xmlns:a14="http://schemas.microsoft.com/office/drawing/2010/main" val="0"/>
-              </a:ext>
-            </a:extLst>
-          </a:blip>
-          <a:stretch>
-            <a:fillRect/>
-          </a:stretch>
-        </p:blipFill>
-        <p:spPr>
-          <a:xfrm>
-            <a:off x="4359855" y="1475961"/>
-            <a:ext cx="3479634" cy="1969604"/>
-          </a:xfrm>
-          <a:prstGeom prst="rect">
-            <a:avLst/>
-          </a:prstGeom>
-          <a:ln>
-            <a:solidFill>
-              <a:schemeClr val="tx1"/>
-            </a:solidFill>
-          </a:ln>
-        </p:spPr>
-      </p:pic>
-      <p:pic>
-        <p:nvPicPr>
-          <p:cNvPr id="5" name="Picture 4">
-            <a:extLst>
-              <a:ext uri="{FF2B5EF4-FFF2-40B4-BE49-F238E27FC236}">
-                <a16:creationId xmlns:a16="http://schemas.microsoft.com/office/drawing/2014/main" id="{DB725BA3-6CD7-A046-8472-78CF1DD28A4A}"/>
-              </a:ext>
-            </a:extLst>
-          </p:cNvPr>
-          <p:cNvPicPr>
-            <a:picLocks noChangeAspect="1"/>
-          </p:cNvPicPr>
-          <p:nvPr/>
-        </p:nvPicPr>
-        <p:blipFill>
-          <a:blip r:embed="rId5"/>
-          <a:stretch>
-            <a:fillRect/>
-          </a:stretch>
-        </p:blipFill>
-        <p:spPr>
-          <a:xfrm>
-            <a:off x="4359855" y="4090280"/>
-            <a:ext cx="3630716" cy="1969604"/>
-          </a:xfrm>
-          <a:prstGeom prst="rect">
-            <a:avLst/>
-          </a:prstGeom>
-          <a:ln>
-            <a:solidFill>
-              <a:schemeClr val="tx1"/>
-            </a:solidFill>
-          </a:ln>
-        </p:spPr>
-      </p:pic>
-      <p:sp>
-        <p:nvSpPr>
-          <p:cNvPr id="16" name="TextBox 15">
-            <a:extLst>
-              <a:ext uri="{FF2B5EF4-FFF2-40B4-BE49-F238E27FC236}">
-                <a16:creationId xmlns:a16="http://schemas.microsoft.com/office/drawing/2014/main" id="{EA8FEEBB-E88C-B543-8EE4-9B6D04308524}"/>
-              </a:ext>
-            </a:extLst>
-          </p:cNvPr>
-          <p:cNvSpPr txBox="1"/>
-          <p:nvPr/>
-        </p:nvSpPr>
-        <p:spPr>
-          <a:xfrm>
-            <a:off x="4359855" y="3757381"/>
-            <a:ext cx="1311578" cy="369332"/>
-          </a:xfrm>
-          <a:prstGeom prst="rect">
-            <a:avLst/>
-          </a:prstGeom>
-          <a:noFill/>
-        </p:spPr>
-        <p:txBody>
-          <a:bodyPr wrap="none" rtlCol="0">
-            <a:spAutoFit/>
-          </a:bodyPr>
-          <a:lstStyle/>
-          <a:p>
-            <a:r>
-              <a:rPr lang="en-US" dirty="0"/>
-              <a:t>1519 Words</a:t>
-            </a:r>
-          </a:p>
-        </p:txBody>
-      </p:sp>
-    </p:spTree>
-    <p:extLst>
-      <p:ext uri="{BB962C8B-B14F-4D97-AF65-F5344CB8AC3E}">
-        <p14:creationId xmlns:p14="http://schemas.microsoft.com/office/powerpoint/2010/main" val="175621166"/>
-      </p:ext>
-    </p:extLst>
-  </p:cSld>
-  <p:clrMapOvr>
-    <a:masterClrMapping/>
-  </p:clrMapOvr>
-  <p:timing>
-    <p:tnLst>
-      <p:par>
-        <p:cTn id="1" dur="indefinite" restart="never" nodeType="tmRoot">
-          <p:childTnLst>
-            <p:seq concurrent="1" nextAc="seek">
-              <p:cTn id="2" dur="indefinite" nodeType="mainSeq">
-                <p:childTnLst>
-                  <p:par>
-                    <p:cTn id="3" fill="hold">
-                      <p:stCondLst>
-                        <p:cond delay="indefinite"/>
-                      </p:stCondLst>
-                      <p:childTnLst>
-                        <p:par>
-                          <p:cTn id="4" fill="hold">
-                            <p:stCondLst>
-                              <p:cond delay="0"/>
-                            </p:stCondLst>
-                            <p:childTnLst>
-                              <p:par>
-                                <p:cTn id="5" presetID="1" presetClass="entr" presetSubtype="0" fill="hold" nodeType="clickEffect">
-                                  <p:stCondLst>
-                                    <p:cond delay="0"/>
-                                  </p:stCondLst>
-                                  <p:childTnLst>
-                                    <p:set>
-                                      <p:cBhvr>
-                                        <p:cTn id="6" dur="1" fill="hold">
-                                          <p:stCondLst>
-                                            <p:cond delay="0"/>
-                                          </p:stCondLst>
-                                        </p:cTn>
-                                        <p:tgtEl>
-                                          <p:spTgt spid="15"/>
-                                        </p:tgtEl>
-                                        <p:attrNameLst>
-                                          <p:attrName>style.visibility</p:attrName>
-                                        </p:attrNameLst>
-                                      </p:cBhvr>
-                                      <p:to>
-                                        <p:strVal val="visible"/>
-                                      </p:to>
-                                    </p:set>
-                                  </p:childTnLst>
-                                </p:cTn>
-                              </p:par>
-                              <p:par>
-                                <p:cTn id="7" presetID="1" presetClass="entr" presetSubtype="0" fill="hold" grpId="0" nodeType="withEffect">
-                                  <p:stCondLst>
-                                    <p:cond delay="0"/>
-                                  </p:stCondLst>
-                                  <p:childTnLst>
-                                    <p:set>
-                                      <p:cBhvr>
-                                        <p:cTn id="8" dur="1" fill="hold">
-                                          <p:stCondLst>
-                                            <p:cond delay="0"/>
-                                          </p:stCondLst>
-                                        </p:cTn>
-                                        <p:tgtEl>
-                                          <p:spTgt spid="18"/>
-                                        </p:tgtEl>
-                                        <p:attrNameLst>
-                                          <p:attrName>style.visibility</p:attrName>
-                                        </p:attrNameLst>
-                                      </p:cBhvr>
-                                      <p:to>
-                                        <p:strVal val="visible"/>
-                                      </p:to>
-                                    </p:set>
-                                  </p:childTnLst>
-                                </p:cTn>
-                              </p:par>
-                            </p:childTnLst>
-                          </p:cTn>
-                        </p:par>
-                      </p:childTnLst>
-                    </p:cTn>
-                  </p:par>
-                  <p:par>
-                    <p:cTn id="9" fill="hold">
-                      <p:stCondLst>
-                        <p:cond delay="indefinite"/>
-                      </p:stCondLst>
-                      <p:childTnLst>
-                        <p:par>
-                          <p:cTn id="10" fill="hold">
-                            <p:stCondLst>
-                              <p:cond delay="0"/>
-                            </p:stCondLst>
-                            <p:childTnLst>
-                              <p:par>
-                                <p:cTn id="11" presetID="1" presetClass="entr" presetSubtype="0" fill="hold" nodeType="clickEffect">
-                                  <p:stCondLst>
-                                    <p:cond delay="0"/>
-                                  </p:stCondLst>
-                                  <p:childTnLst>
-                                    <p:set>
-                                      <p:cBhvr>
-                                        <p:cTn id="12" dur="1" fill="hold">
-                                          <p:stCondLst>
-                                            <p:cond delay="0"/>
-                                          </p:stCondLst>
-                                        </p:cTn>
-                                        <p:tgtEl>
-                                          <p:spTgt spid="27"/>
-                                        </p:tgtEl>
-                                        <p:attrNameLst>
-                                          <p:attrName>style.visibility</p:attrName>
-                                        </p:attrNameLst>
-                                      </p:cBhvr>
-                                      <p:to>
-                                        <p:strVal val="visible"/>
-                                      </p:to>
-                                    </p:set>
-                                  </p:childTnLst>
-                                </p:cTn>
-                              </p:par>
-                              <p:par>
-                                <p:cTn id="13" presetID="1" presetClass="entr" presetSubtype="0" fill="hold" grpId="0" nodeType="withEffect">
-                                  <p:stCondLst>
-                                    <p:cond delay="0"/>
-                                  </p:stCondLst>
-                                  <p:childTnLst>
-                                    <p:set>
-                                      <p:cBhvr>
-                                        <p:cTn id="14" dur="1" fill="hold">
-                                          <p:stCondLst>
-                                            <p:cond delay="0"/>
-                                          </p:stCondLst>
-                                        </p:cTn>
-                                        <p:tgtEl>
-                                          <p:spTgt spid="20"/>
-                                        </p:tgtEl>
-                                        <p:attrNameLst>
-                                          <p:attrName>style.visibility</p:attrName>
-                                        </p:attrNameLst>
-                                      </p:cBhvr>
-                                      <p:to>
-                                        <p:strVal val="visible"/>
-                                      </p:to>
-                                    </p:set>
-                                  </p:childTnLst>
-                                </p:cTn>
-                              </p:par>
-                            </p:childTnLst>
-                          </p:cTn>
-                        </p:par>
-                      </p:childTnLst>
-                    </p:cTn>
-                  </p:par>
-                  <p:par>
-                    <p:cTn id="15" fill="hold">
-                      <p:stCondLst>
-                        <p:cond delay="indefinite"/>
-                      </p:stCondLst>
-                      <p:childTnLst>
-                        <p:par>
-                          <p:cTn id="16" fill="hold">
-                            <p:stCondLst>
-                              <p:cond delay="0"/>
-                            </p:stCondLst>
-                            <p:childTnLst>
-                              <p:par>
-                                <p:cTn id="17" presetID="1" presetClass="entr" presetSubtype="0" fill="hold" grpId="0" nodeType="clickEffect">
-                                  <p:stCondLst>
-                                    <p:cond delay="0"/>
-                                  </p:stCondLst>
-                                  <p:childTnLst>
-                                    <p:set>
-                                      <p:cBhvr>
-                                        <p:cTn id="18" dur="1" fill="hold">
-                                          <p:stCondLst>
-                                            <p:cond delay="0"/>
-                                          </p:stCondLst>
-                                        </p:cTn>
-                                        <p:tgtEl>
-                                          <p:spTgt spid="23"/>
-                                        </p:tgtEl>
-                                        <p:attrNameLst>
-                                          <p:attrName>style.visibility</p:attrName>
-                                        </p:attrNameLst>
-                                      </p:cBhvr>
-                                      <p:to>
-                                        <p:strVal val="visible"/>
-                                      </p:to>
-                                    </p:set>
-                                  </p:childTnLst>
-                                </p:cTn>
-                              </p:par>
-                              <p:par>
-                                <p:cTn id="19" presetID="1" presetClass="entr" presetSubtype="0" fill="hold" nodeType="withEffect">
-                                  <p:stCondLst>
-                                    <p:cond delay="0"/>
-                                  </p:stCondLst>
-                                  <p:childTnLst>
-                                    <p:set>
-                                      <p:cBhvr>
-                                        <p:cTn id="20" dur="1" fill="hold">
-                                          <p:stCondLst>
-                                            <p:cond delay="0"/>
-                                          </p:stCondLst>
-                                        </p:cTn>
-                                        <p:tgtEl>
-                                          <p:spTgt spid="25"/>
-                                        </p:tgtEl>
-                                        <p:attrNameLst>
-                                          <p:attrName>style.visibility</p:attrName>
-                                        </p:attrNameLst>
-                                      </p:cBhvr>
-                                      <p:to>
-                                        <p:strVal val="visible"/>
-                                      </p:to>
-                                    </p:set>
-                                  </p:childTnLst>
-                                </p:cTn>
-                              </p:par>
-                            </p:childTnLst>
-                          </p:cTn>
-                        </p:par>
-                      </p:childTnLst>
-                    </p:cTn>
-                  </p:par>
-                  <p:par>
-                    <p:cTn id="21" fill="hold">
-                      <p:stCondLst>
-                        <p:cond delay="indefinite"/>
-                      </p:stCondLst>
-                      <p:childTnLst>
-                        <p:par>
-                          <p:cTn id="22" fill="hold">
-                            <p:stCondLst>
-                              <p:cond delay="0"/>
-                            </p:stCondLst>
-                            <p:childTnLst>
-                              <p:par>
-                                <p:cTn id="23" presetID="1" presetClass="entr" presetSubtype="0" fill="hold" grpId="0" nodeType="clickEffect">
-                                  <p:stCondLst>
-                                    <p:cond delay="0"/>
-                                  </p:stCondLst>
-                                  <p:childTnLst>
-                                    <p:set>
-                                      <p:cBhvr>
-                                        <p:cTn id="24" dur="1" fill="hold">
-                                          <p:stCondLst>
-                                            <p:cond delay="0"/>
-                                          </p:stCondLst>
-                                        </p:cTn>
-                                        <p:tgtEl>
-                                          <p:spTgt spid="16"/>
-                                        </p:tgtEl>
-                                        <p:attrNameLst>
-                                          <p:attrName>style.visibility</p:attrName>
-                                        </p:attrNameLst>
-                                      </p:cBhvr>
-                                      <p:to>
-                                        <p:strVal val="visible"/>
-                                      </p:to>
-                                    </p:set>
-                                  </p:childTnLst>
-                                </p:cTn>
-                              </p:par>
-                              <p:par>
-                                <p:cTn id="25" presetID="1" presetClass="entr" presetSubtype="0" fill="hold" nodeType="withEffect">
-                                  <p:stCondLst>
-                                    <p:cond delay="0"/>
-                                  </p:stCondLst>
-                                  <p:childTnLst>
-                                    <p:set>
-                                      <p:cBhvr>
-                                        <p:cTn id="26" dur="1" fill="hold">
-                                          <p:stCondLst>
-                                            <p:cond delay="0"/>
-                                          </p:stCondLst>
-                                        </p:cTn>
-                                        <p:tgtEl>
-                                          <p:spTgt spid="5"/>
-                                        </p:tgtEl>
-                                        <p:attrNameLst>
-                                          <p:attrName>style.visibility</p:attrName>
-                                        </p:attrNameLst>
-                                      </p:cBhvr>
-                                      <p:to>
-                                        <p:strVal val="visible"/>
-                                      </p:to>
-                                    </p:set>
-                                  </p:childTnLst>
-                                </p:cTn>
-                              </p:par>
-                            </p:childTnLst>
-                          </p:cTn>
-                        </p:par>
-                      </p:childTnLst>
-                    </p:cTn>
-                  </p:par>
-                </p:childTnLst>
-              </p:cTn>
-              <p:prevCondLst>
-                <p:cond evt="onPrev" delay="0">
-                  <p:tgtEl>
-                    <p:sldTgt/>
-                  </p:tgtEl>
-                </p:cond>
-              </p:prevCondLst>
-              <p:nextCondLst>
-                <p:cond evt="onNext" delay="0">
-                  <p:tgtEl>
-                    <p:sldTgt/>
-                  </p:tgtEl>
-                </p:cond>
-              </p:nextCondLst>
-            </p:seq>
-          </p:childTnLst>
-        </p:cTn>
-      </p:par>
-    </p:tnLst>
-    <p:bldLst>
-      <p:bldP spid="18" grpId="0"/>
-      <p:bldP spid="20" grpId="0"/>
-      <p:bldP spid="23" grpId="0"/>
-      <p:bldP spid="16" grpId="0"/>
-    </p:bldLst>
-  </p:timing>
-</p:sld>
-</file>
-
-<file path=ppt/slides/slide12.xml><?xml version="1.0" encoding="utf-8"?>
-<p:sld xmlns:a="http://schemas.openxmlformats.org/drawingml/2006/main" xmlns:r="http://schemas.openxmlformats.org/officeDocument/2006/relationships" xmlns:p="http://schemas.openxmlformats.org/presentationml/2006/main">
-  <p:cSld>
-    <p:spTree>
-      <p:nvGrpSpPr>
-        <p:cNvPr id="1" name=""/>
-        <p:cNvGrpSpPr/>
-        <p:nvPr/>
-      </p:nvGrpSpPr>
-      <p:grpSpPr>
-        <a:xfrm>
-          <a:off x="0" y="0"/>
-          <a:ext cx="0" cy="0"/>
-          <a:chOff x="0" y="0"/>
-          <a:chExt cx="0" cy="0"/>
-        </a:xfrm>
-      </p:grpSpPr>
-      <p:sp>
-        <p:nvSpPr>
-          <p:cNvPr id="2" name="Date Placeholder 1"/>
-          <p:cNvSpPr>
-            <a:spLocks noGrp="1"/>
-          </p:cNvSpPr>
-          <p:nvPr>
-            <p:ph type="dt" sz="half" idx="10"/>
-          </p:nvPr>
-        </p:nvSpPr>
-        <p:spPr/>
-        <p:txBody>
-          <a:bodyPr/>
-          <a:lstStyle/>
-          <a:p>
-            <a:fld id="{6700A58B-DD98-43D0-B791-721480A02982}" type="datetime1">
-              <a:rPr lang="en-US" smtClean="0"/>
-              <a:t>3/1/21</a:t>
-            </a:fld>
-            <a:endParaRPr lang="en-US"/>
-          </a:p>
-        </p:txBody>
-      </p:sp>
-      <p:sp>
-        <p:nvSpPr>
-          <p:cNvPr id="3" name="Title 2"/>
-          <p:cNvSpPr>
-            <a:spLocks noGrp="1"/>
-          </p:cNvSpPr>
-          <p:nvPr>
-            <p:ph type="title"/>
-          </p:nvPr>
-        </p:nvSpPr>
-        <p:spPr>
-          <a:xfrm>
-            <a:off x="236483" y="365126"/>
-            <a:ext cx="8278867" cy="591477"/>
-          </a:xfrm>
-        </p:spPr>
-        <p:txBody>
-          <a:bodyPr/>
-          <a:lstStyle/>
-          <a:p>
-            <a:r>
-              <a:rPr lang="en-US" dirty="0"/>
-              <a:t>Tidy can seem complicated but not impossible.</a:t>
-            </a:r>
-          </a:p>
-        </p:txBody>
-      </p:sp>
-      <p:sp>
-        <p:nvSpPr>
-          <p:cNvPr id="4" name="Footer Placeholder 3"/>
-          <p:cNvSpPr>
-            <a:spLocks noGrp="1"/>
-          </p:cNvSpPr>
-          <p:nvPr>
-            <p:ph type="ftr" sz="quarter" idx="3"/>
-          </p:nvPr>
-        </p:nvSpPr>
-        <p:spPr/>
-        <p:txBody>
-          <a:bodyPr/>
-          <a:lstStyle/>
-          <a:p>
-            <a:r>
-              <a:rPr lang="en-US"/>
-              <a:t>Kwartler</a:t>
-            </a:r>
-            <a:endParaRPr lang="en-US" dirty="0"/>
-          </a:p>
-        </p:txBody>
-      </p:sp>
-      <p:sp>
-        <p:nvSpPr>
-          <p:cNvPr id="5" name="Slide Number Placeholder 4"/>
-          <p:cNvSpPr>
-            <a:spLocks noGrp="1"/>
-          </p:cNvSpPr>
-          <p:nvPr>
-            <p:ph type="sldNum" sz="quarter" idx="4"/>
-          </p:nvPr>
-        </p:nvSpPr>
-        <p:spPr/>
-        <p:txBody>
-          <a:bodyPr/>
-          <a:lstStyle/>
-          <a:p>
-            <a:fld id="{37290FF7-652B-4475-AEAB-8B1A5D23AE09}" type="slidenum">
-              <a:rPr lang="en-US" smtClean="0"/>
-              <a:pPr/>
-              <a:t>12</a:t>
-            </a:fld>
-            <a:endParaRPr lang="en-US" dirty="0"/>
-          </a:p>
-        </p:txBody>
-      </p:sp>
-      <p:sp>
-        <p:nvSpPr>
-          <p:cNvPr id="7" name="Rectangle 6">
-            <a:extLst>
-              <a:ext uri="{FF2B5EF4-FFF2-40B4-BE49-F238E27FC236}">
-                <a16:creationId xmlns:a16="http://schemas.microsoft.com/office/drawing/2014/main" id="{6FBB0477-481A-4E1A-8DDD-E4574ACCF9CE}"/>
-              </a:ext>
-            </a:extLst>
-          </p:cNvPr>
-          <p:cNvSpPr/>
-          <p:nvPr/>
-        </p:nvSpPr>
-        <p:spPr>
-          <a:xfrm>
-            <a:off x="301491" y="2754501"/>
-            <a:ext cx="3381375" cy="584775"/>
-          </a:xfrm>
-          <a:prstGeom prst="rect">
-            <a:avLst/>
-          </a:prstGeom>
-          <a:solidFill>
-            <a:schemeClr val="bg1">
-              <a:lumMod val="85000"/>
-            </a:schemeClr>
-          </a:solidFill>
-        </p:spPr>
-        <p:txBody>
-          <a:bodyPr wrap="square">
-            <a:spAutoFit/>
-          </a:bodyPr>
-          <a:lstStyle/>
-          <a:p>
-            <a:pPr defTabSz="457200"/>
-            <a:r>
-              <a:rPr lang="en-US" sz="1600" kern="1200" dirty="0" err="1">
-                <a:solidFill>
-                  <a:prstClr val="black"/>
-                </a:solidFill>
-                <a:latin typeface="Consolas" panose="020B0609020204030204" pitchFamily="49" charset="0"/>
-                <a:ea typeface="Arial Unicode MS" panose="020B0604020202020204" pitchFamily="34" charset="-128"/>
-                <a:cs typeface="Consolas" panose="020B0609020204030204" pitchFamily="49" charset="0"/>
-              </a:rPr>
-              <a:t>all.tidy</a:t>
-            </a:r>
-            <a:r>
-              <a:rPr lang="en-US" sz="1600" kern="1200" dirty="0">
-                <a:solidFill>
-                  <a:prstClr val="black"/>
-                </a:solidFill>
-                <a:latin typeface="Consolas" panose="020B0609020204030204" pitchFamily="49" charset="0"/>
-                <a:ea typeface="Arial Unicode MS" panose="020B0604020202020204" pitchFamily="34" charset="-128"/>
-                <a:cs typeface="Consolas" panose="020B0609020204030204" pitchFamily="49" charset="0"/>
-              </a:rPr>
-              <a:t> &lt;- </a:t>
-            </a:r>
-            <a:r>
-              <a:rPr lang="en-US" sz="1600" kern="1200" dirty="0" err="1">
-                <a:solidFill>
-                  <a:prstClr val="black"/>
-                </a:solidFill>
-                <a:latin typeface="Consolas" panose="020B0609020204030204" pitchFamily="49" charset="0"/>
-                <a:ea typeface="Arial Unicode MS" panose="020B0604020202020204" pitchFamily="34" charset="-128"/>
-                <a:cs typeface="Consolas" panose="020B0609020204030204" pitchFamily="49" charset="0"/>
-              </a:rPr>
-              <a:t>all.tidy</a:t>
-            </a:r>
-            <a:r>
-              <a:rPr lang="en-US" sz="1600" kern="1200" dirty="0">
-                <a:solidFill>
-                  <a:prstClr val="black"/>
-                </a:solidFill>
-                <a:latin typeface="Consolas" panose="020B0609020204030204" pitchFamily="49" charset="0"/>
-                <a:ea typeface="Arial Unicode MS" panose="020B0604020202020204" pitchFamily="34" charset="-128"/>
-                <a:cs typeface="Consolas" panose="020B0609020204030204" pitchFamily="49" charset="0"/>
-              </a:rPr>
-              <a:t> %&gt;%</a:t>
-            </a:r>
-          </a:p>
-          <a:p>
-            <a:pPr defTabSz="457200"/>
-            <a:r>
-              <a:rPr lang="en-US" sz="1600" kern="1200" dirty="0">
-                <a:solidFill>
-                  <a:prstClr val="black"/>
-                </a:solidFill>
-                <a:latin typeface="Consolas" panose="020B0609020204030204" pitchFamily="49" charset="0"/>
-                <a:ea typeface="Arial Unicode MS" panose="020B0604020202020204" pitchFamily="34" charset="-128"/>
-                <a:cs typeface="Consolas" panose="020B0609020204030204" pitchFamily="49" charset="0"/>
-              </a:rPr>
-              <a:t>  </a:t>
-            </a:r>
-            <a:r>
-              <a:rPr lang="en-US" sz="1600" u="sng" kern="1200" dirty="0" err="1">
-                <a:solidFill>
-                  <a:prstClr val="black"/>
-                </a:solidFill>
-                <a:latin typeface="Consolas" panose="020B0609020204030204" pitchFamily="49" charset="0"/>
-                <a:ea typeface="Arial Unicode MS" panose="020B0604020202020204" pitchFamily="34" charset="-128"/>
-                <a:cs typeface="Consolas" panose="020B0609020204030204" pitchFamily="49" charset="0"/>
-              </a:rPr>
-              <a:t>anti_join</a:t>
-            </a:r>
-            <a:r>
-              <a:rPr lang="en-US" sz="1600" kern="1200" dirty="0">
-                <a:solidFill>
-                  <a:prstClr val="black"/>
-                </a:solidFill>
-                <a:latin typeface="Consolas" panose="020B0609020204030204" pitchFamily="49" charset="0"/>
-                <a:ea typeface="Arial Unicode MS" panose="020B0604020202020204" pitchFamily="34" charset="-128"/>
-                <a:cs typeface="Consolas" panose="020B0609020204030204" pitchFamily="49" charset="0"/>
-              </a:rPr>
-              <a:t>(</a:t>
-            </a:r>
-            <a:r>
-              <a:rPr lang="en-US" sz="1600" kern="1200" dirty="0" err="1">
-                <a:solidFill>
-                  <a:prstClr val="black"/>
-                </a:solidFill>
-                <a:latin typeface="Consolas" panose="020B0609020204030204" pitchFamily="49" charset="0"/>
-                <a:ea typeface="Arial Unicode MS" panose="020B0604020202020204" pitchFamily="34" charset="-128"/>
-                <a:cs typeface="Consolas" panose="020B0609020204030204" pitchFamily="49" charset="0"/>
-              </a:rPr>
-              <a:t>stop_words</a:t>
-            </a:r>
-            <a:r>
-              <a:rPr lang="en-US" sz="1600" kern="1200" dirty="0">
-                <a:solidFill>
-                  <a:prstClr val="black"/>
-                </a:solidFill>
-                <a:latin typeface="Consolas" panose="020B0609020204030204" pitchFamily="49" charset="0"/>
-                <a:ea typeface="Arial Unicode MS" panose="020B0604020202020204" pitchFamily="34" charset="-128"/>
-                <a:cs typeface="Consolas" panose="020B0609020204030204" pitchFamily="49" charset="0"/>
-              </a:rPr>
-              <a:t>)</a:t>
-            </a:r>
-          </a:p>
-        </p:txBody>
-      </p:sp>
-      <p:sp>
-        <p:nvSpPr>
-          <p:cNvPr id="8" name="Rectangle 7">
-            <a:extLst>
-              <a:ext uri="{FF2B5EF4-FFF2-40B4-BE49-F238E27FC236}">
-                <a16:creationId xmlns:a16="http://schemas.microsoft.com/office/drawing/2014/main" id="{6C120070-75FA-4473-A705-9C1211F5314E}"/>
-              </a:ext>
-            </a:extLst>
-          </p:cNvPr>
-          <p:cNvSpPr/>
-          <p:nvPr/>
-        </p:nvSpPr>
-        <p:spPr>
-          <a:xfrm>
-            <a:off x="4888847" y="3748414"/>
-            <a:ext cx="1197764" cy="369332"/>
-          </a:xfrm>
-          <a:prstGeom prst="rect">
-            <a:avLst/>
-          </a:prstGeom>
-          <a:solidFill>
-            <a:srgbClr val="FFC000"/>
-          </a:solidFill>
-        </p:spPr>
-        <p:txBody>
-          <a:bodyPr wrap="none">
-            <a:spAutoFit/>
-          </a:bodyPr>
-          <a:lstStyle/>
-          <a:p>
-            <a:pPr defTabSz="457200"/>
-            <a:r>
-              <a:rPr lang="en-US" sz="1800" kern="1200" dirty="0" err="1">
-                <a:solidFill>
-                  <a:prstClr val="black"/>
-                </a:solidFill>
-                <a:latin typeface="Arial Unicode MS" panose="020B0604020202020204" pitchFamily="34" charset="-128"/>
-                <a:ea typeface="Arial Unicode MS" panose="020B0604020202020204" pitchFamily="34" charset="-128"/>
-                <a:cs typeface="Arial Unicode MS" panose="020B0604020202020204" pitchFamily="34" charset="-128"/>
-              </a:rPr>
-              <a:t>anti_join</a:t>
-            </a:r>
-            <a:r>
-              <a:rPr lang="en-US" sz="1800" kern="1200" dirty="0">
-                <a:solidFill>
-                  <a:prstClr val="black"/>
-                </a:solidFill>
-                <a:latin typeface="Arial Unicode MS" panose="020B0604020202020204" pitchFamily="34" charset="-128"/>
-                <a:ea typeface="Arial Unicode MS" panose="020B0604020202020204" pitchFamily="34" charset="-128"/>
-                <a:cs typeface="Arial Unicode MS" panose="020B0604020202020204" pitchFamily="34" charset="-128"/>
-              </a:rPr>
-              <a:t>()</a:t>
-            </a:r>
-          </a:p>
-        </p:txBody>
-      </p:sp>
-      <p:sp>
-        <p:nvSpPr>
-          <p:cNvPr id="9" name="TextBox 8">
-            <a:extLst>
-              <a:ext uri="{FF2B5EF4-FFF2-40B4-BE49-F238E27FC236}">
-                <a16:creationId xmlns:a16="http://schemas.microsoft.com/office/drawing/2014/main" id="{FA542AAA-A766-4392-B476-74EB6B4DC922}"/>
-              </a:ext>
-            </a:extLst>
-          </p:cNvPr>
-          <p:cNvSpPr txBox="1"/>
-          <p:nvPr/>
-        </p:nvSpPr>
-        <p:spPr>
-          <a:xfrm rot="19379462">
-            <a:off x="4381282" y="2747573"/>
-            <a:ext cx="582211" cy="307777"/>
-          </a:xfrm>
-          <a:prstGeom prst="rect">
-            <a:avLst/>
-          </a:prstGeom>
-          <a:noFill/>
-        </p:spPr>
-        <p:txBody>
-          <a:bodyPr wrap="none" rtlCol="0">
-            <a:spAutoFit/>
-          </a:bodyPr>
-          <a:lstStyle/>
-          <a:p>
-            <a:pPr defTabSz="457200"/>
-            <a:r>
-              <a:rPr lang="en-US" sz="1400" kern="1200" dirty="0">
-                <a:solidFill>
-                  <a:prstClr val="black"/>
-                </a:solidFill>
-                <a:latin typeface="Arial Unicode MS" panose="020B0604020202020204" pitchFamily="34" charset="-128"/>
-                <a:ea typeface="Arial Unicode MS" panose="020B0604020202020204" pitchFamily="34" charset="-128"/>
-                <a:cs typeface="Arial Unicode MS" panose="020B0604020202020204" pitchFamily="34" charset="-128"/>
-              </a:rPr>
-              <a:t> </a:t>
-            </a:r>
-            <a:r>
-              <a:rPr lang="en-US" sz="1400" dirty="0">
-                <a:solidFill>
-                  <a:prstClr val="black"/>
-                </a:solidFill>
-                <a:latin typeface="Arial Unicode MS" panose="020B0604020202020204" pitchFamily="34" charset="-128"/>
-                <a:ea typeface="Arial Unicode MS" panose="020B0604020202020204" pitchFamily="34" charset="-128"/>
-                <a:cs typeface="Arial Unicode MS" panose="020B0604020202020204" pitchFamily="34" charset="-128"/>
-              </a:rPr>
-              <a:t>T</a:t>
-            </a:r>
-            <a:r>
-              <a:rPr lang="en-US" sz="1400" kern="1200" dirty="0">
-                <a:solidFill>
-                  <a:prstClr val="black"/>
-                </a:solidFill>
-                <a:latin typeface="Arial Unicode MS" panose="020B0604020202020204" pitchFamily="34" charset="-128"/>
-                <a:ea typeface="Arial Unicode MS" panose="020B0604020202020204" pitchFamily="34" charset="-128"/>
-                <a:cs typeface="Arial Unicode MS" panose="020B0604020202020204" pitchFamily="34" charset="-128"/>
-              </a:rPr>
-              <a:t>ext</a:t>
-            </a:r>
-          </a:p>
-        </p:txBody>
-      </p:sp>
-      <p:sp>
-        <p:nvSpPr>
-          <p:cNvPr id="10" name="TextBox 9">
-            <a:extLst>
-              <a:ext uri="{FF2B5EF4-FFF2-40B4-BE49-F238E27FC236}">
-                <a16:creationId xmlns:a16="http://schemas.microsoft.com/office/drawing/2014/main" id="{6073C3AD-587F-44E8-BCBE-1A94597CE751}"/>
-              </a:ext>
-            </a:extLst>
-          </p:cNvPr>
-          <p:cNvSpPr txBox="1"/>
-          <p:nvPr/>
-        </p:nvSpPr>
-        <p:spPr>
-          <a:xfrm rot="2373993">
-            <a:off x="5821512" y="2714241"/>
-            <a:ext cx="1080745" cy="307777"/>
-          </a:xfrm>
-          <a:prstGeom prst="rect">
-            <a:avLst/>
-          </a:prstGeom>
-          <a:noFill/>
-        </p:spPr>
-        <p:txBody>
-          <a:bodyPr wrap="none" rtlCol="0">
-            <a:spAutoFit/>
-          </a:bodyPr>
-          <a:lstStyle/>
-          <a:p>
-            <a:pPr defTabSz="457200"/>
-            <a:r>
-              <a:rPr lang="en-US" sz="1400" kern="1200" dirty="0">
-                <a:solidFill>
-                  <a:prstClr val="black"/>
-                </a:solidFill>
-                <a:latin typeface="Arial Unicode MS" panose="020B0604020202020204" pitchFamily="34" charset="-128"/>
-                <a:ea typeface="Arial Unicode MS" panose="020B0604020202020204" pitchFamily="34" charset="-128"/>
-                <a:cs typeface="Arial Unicode MS" panose="020B0604020202020204" pitchFamily="34" charset="-128"/>
-              </a:rPr>
-              <a:t>Stop words</a:t>
-            </a:r>
-          </a:p>
-        </p:txBody>
-      </p:sp>
-      <p:sp>
-        <p:nvSpPr>
-          <p:cNvPr id="11" name="Rectangle 10">
-            <a:extLst>
-              <a:ext uri="{FF2B5EF4-FFF2-40B4-BE49-F238E27FC236}">
-                <a16:creationId xmlns:a16="http://schemas.microsoft.com/office/drawing/2014/main" id="{07C73059-F476-45F0-B504-D60AD0F87643}"/>
-              </a:ext>
-            </a:extLst>
-          </p:cNvPr>
-          <p:cNvSpPr/>
-          <p:nvPr/>
-        </p:nvSpPr>
-        <p:spPr>
-          <a:xfrm>
-            <a:off x="94797" y="4486727"/>
-            <a:ext cx="3696958" cy="1077218"/>
-          </a:xfrm>
-          <a:prstGeom prst="rect">
-            <a:avLst/>
-          </a:prstGeom>
-          <a:solidFill>
-            <a:schemeClr val="bg1">
-              <a:lumMod val="85000"/>
-            </a:schemeClr>
-          </a:solidFill>
-        </p:spPr>
-        <p:txBody>
-          <a:bodyPr wrap="square">
-            <a:spAutoFit/>
-          </a:bodyPr>
-          <a:lstStyle/>
-          <a:p>
-            <a:pPr defTabSz="457200"/>
-            <a:r>
-              <a:rPr lang="en-US" sz="1600" kern="1200" dirty="0" err="1">
-                <a:solidFill>
-                  <a:prstClr val="black"/>
-                </a:solidFill>
-                <a:latin typeface="Consolas" panose="020B0609020204030204" pitchFamily="49" charset="0"/>
-                <a:ea typeface="Arial Unicode MS" panose="020B0604020202020204" pitchFamily="34" charset="-128"/>
-                <a:cs typeface="Consolas" panose="020B0609020204030204" pitchFamily="49" charset="0"/>
-              </a:rPr>
-              <a:t>all.sentiment</a:t>
-            </a:r>
-            <a:r>
-              <a:rPr lang="en-US" sz="1600" kern="1200" dirty="0">
-                <a:solidFill>
-                  <a:prstClr val="black"/>
-                </a:solidFill>
-                <a:latin typeface="Consolas" panose="020B0609020204030204" pitchFamily="49" charset="0"/>
-                <a:ea typeface="Arial Unicode MS" panose="020B0604020202020204" pitchFamily="34" charset="-128"/>
-                <a:cs typeface="Consolas" panose="020B0609020204030204" pitchFamily="49" charset="0"/>
-              </a:rPr>
-              <a:t> &lt;- </a:t>
-            </a:r>
-            <a:r>
-              <a:rPr lang="en-US" sz="1600" kern="1200" dirty="0" err="1">
-                <a:solidFill>
-                  <a:prstClr val="black"/>
-                </a:solidFill>
-                <a:latin typeface="Consolas" panose="020B0609020204030204" pitchFamily="49" charset="0"/>
-                <a:ea typeface="Arial Unicode MS" panose="020B0604020202020204" pitchFamily="34" charset="-128"/>
-                <a:cs typeface="Consolas" panose="020B0609020204030204" pitchFamily="49" charset="0"/>
-              </a:rPr>
-              <a:t>all.tidy</a:t>
-            </a:r>
-            <a:r>
-              <a:rPr lang="en-US" sz="1600" kern="1200" dirty="0">
-                <a:solidFill>
-                  <a:prstClr val="black"/>
-                </a:solidFill>
-                <a:latin typeface="Consolas" panose="020B0609020204030204" pitchFamily="49" charset="0"/>
-                <a:ea typeface="Arial Unicode MS" panose="020B0604020202020204" pitchFamily="34" charset="-128"/>
-                <a:cs typeface="Consolas" panose="020B0609020204030204" pitchFamily="49" charset="0"/>
-              </a:rPr>
-              <a:t> %&gt;%</a:t>
-            </a:r>
-          </a:p>
-          <a:p>
-            <a:pPr defTabSz="457200"/>
-            <a:r>
-              <a:rPr lang="en-US" sz="1600" kern="1200" dirty="0">
-                <a:solidFill>
-                  <a:prstClr val="black"/>
-                </a:solidFill>
-                <a:latin typeface="Consolas" panose="020B0609020204030204" pitchFamily="49" charset="0"/>
-                <a:ea typeface="Arial Unicode MS" panose="020B0604020202020204" pitchFamily="34" charset="-128"/>
-                <a:cs typeface="Consolas" panose="020B0609020204030204" pitchFamily="49" charset="0"/>
-              </a:rPr>
-              <a:t>  </a:t>
-            </a:r>
-            <a:r>
-              <a:rPr lang="en-US" sz="1600" u="sng" kern="1200" dirty="0" err="1">
-                <a:solidFill>
-                  <a:prstClr val="black"/>
-                </a:solidFill>
-                <a:latin typeface="Consolas" panose="020B0609020204030204" pitchFamily="49" charset="0"/>
-                <a:ea typeface="Arial Unicode MS" panose="020B0604020202020204" pitchFamily="34" charset="-128"/>
-                <a:cs typeface="Consolas" panose="020B0609020204030204" pitchFamily="49" charset="0"/>
-              </a:rPr>
-              <a:t>inner_join</a:t>
-            </a:r>
-            <a:r>
-              <a:rPr lang="en-US" sz="1600" kern="1200" dirty="0">
-                <a:solidFill>
-                  <a:prstClr val="black"/>
-                </a:solidFill>
-                <a:latin typeface="Consolas" panose="020B0609020204030204" pitchFamily="49" charset="0"/>
-                <a:ea typeface="Arial Unicode MS" panose="020B0604020202020204" pitchFamily="34" charset="-128"/>
-                <a:cs typeface="Consolas" panose="020B0609020204030204" pitchFamily="49" charset="0"/>
-              </a:rPr>
-              <a:t>(</a:t>
-            </a:r>
-            <a:r>
-              <a:rPr lang="en-US" sz="1600" kern="1200" dirty="0" err="1">
-                <a:solidFill>
-                  <a:prstClr val="black"/>
-                </a:solidFill>
-                <a:latin typeface="Consolas" panose="020B0609020204030204" pitchFamily="49" charset="0"/>
-                <a:ea typeface="Arial Unicode MS" panose="020B0604020202020204" pitchFamily="34" charset="-128"/>
-                <a:cs typeface="Consolas" panose="020B0609020204030204" pitchFamily="49" charset="0"/>
-              </a:rPr>
-              <a:t>nrc.lexicon</a:t>
-            </a:r>
-            <a:r>
-              <a:rPr lang="en-US" sz="1600" kern="1200" dirty="0">
-                <a:solidFill>
-                  <a:prstClr val="black"/>
-                </a:solidFill>
-                <a:latin typeface="Consolas" panose="020B0609020204030204" pitchFamily="49" charset="0"/>
-                <a:ea typeface="Arial Unicode MS" panose="020B0604020202020204" pitchFamily="34" charset="-128"/>
-                <a:cs typeface="Consolas" panose="020B0609020204030204" pitchFamily="49" charset="0"/>
-              </a:rPr>
-              <a:t>) %&gt;%  </a:t>
-            </a:r>
-          </a:p>
-          <a:p>
-            <a:pPr defTabSz="457200"/>
-            <a:r>
-              <a:rPr lang="en-US" sz="1600" kern="1200" dirty="0">
-                <a:solidFill>
-                  <a:prstClr val="black"/>
-                </a:solidFill>
-                <a:latin typeface="Consolas" panose="020B0609020204030204" pitchFamily="49" charset="0"/>
-                <a:ea typeface="Arial Unicode MS" panose="020B0604020202020204" pitchFamily="34" charset="-128"/>
-                <a:cs typeface="Consolas" panose="020B0609020204030204" pitchFamily="49" charset="0"/>
-              </a:rPr>
-              <a:t>  count(</a:t>
-            </a:r>
-            <a:r>
-              <a:rPr lang="en-US" sz="1600" kern="1200" dirty="0" err="1">
-                <a:solidFill>
-                  <a:prstClr val="black"/>
-                </a:solidFill>
-                <a:latin typeface="Consolas" panose="020B0609020204030204" pitchFamily="49" charset="0"/>
-                <a:ea typeface="Arial Unicode MS" panose="020B0604020202020204" pitchFamily="34" charset="-128"/>
-                <a:cs typeface="Consolas" panose="020B0609020204030204" pitchFamily="49" charset="0"/>
-              </a:rPr>
-              <a:t>tweet,sentiment</a:t>
-            </a:r>
-            <a:r>
-              <a:rPr lang="en-US" sz="1600" kern="1200" dirty="0">
-                <a:solidFill>
-                  <a:prstClr val="black"/>
-                </a:solidFill>
-                <a:latin typeface="Consolas" panose="020B0609020204030204" pitchFamily="49" charset="0"/>
-                <a:ea typeface="Arial Unicode MS" panose="020B0604020202020204" pitchFamily="34" charset="-128"/>
-                <a:cs typeface="Consolas" panose="020B0609020204030204" pitchFamily="49" charset="0"/>
-              </a:rPr>
-              <a:t>) %&gt;%</a:t>
-            </a:r>
-          </a:p>
-          <a:p>
-            <a:pPr defTabSz="457200"/>
-            <a:r>
-              <a:rPr lang="en-US" sz="1600" kern="1200" dirty="0">
-                <a:solidFill>
-                  <a:prstClr val="black"/>
-                </a:solidFill>
-                <a:latin typeface="Consolas" panose="020B0609020204030204" pitchFamily="49" charset="0"/>
-                <a:ea typeface="Arial Unicode MS" panose="020B0604020202020204" pitchFamily="34" charset="-128"/>
-                <a:cs typeface="Consolas" panose="020B0609020204030204" pitchFamily="49" charset="0"/>
-              </a:rPr>
-              <a:t>  spread(tweet, n, fill = 0)</a:t>
-            </a:r>
-          </a:p>
-        </p:txBody>
-      </p:sp>
-      <p:sp>
-        <p:nvSpPr>
-          <p:cNvPr id="12" name="TextBox 11">
-            <a:extLst>
-              <a:ext uri="{FF2B5EF4-FFF2-40B4-BE49-F238E27FC236}">
-                <a16:creationId xmlns:a16="http://schemas.microsoft.com/office/drawing/2014/main" id="{4010DD0B-33D8-4C8D-A840-908EF79D276F}"/>
-              </a:ext>
-            </a:extLst>
-          </p:cNvPr>
-          <p:cNvSpPr txBox="1"/>
-          <p:nvPr/>
-        </p:nvSpPr>
-        <p:spPr>
-          <a:xfrm>
-            <a:off x="3816048" y="1505792"/>
-            <a:ext cx="3364553" cy="584775"/>
-          </a:xfrm>
-          <a:prstGeom prst="rect">
-            <a:avLst/>
-          </a:prstGeom>
-          <a:noFill/>
-        </p:spPr>
-        <p:txBody>
-          <a:bodyPr wrap="square" rtlCol="0">
-            <a:spAutoFit/>
-          </a:bodyPr>
-          <a:lstStyle/>
-          <a:p>
-            <a:pPr algn="ctr" defTabSz="457200"/>
-            <a:r>
-              <a:rPr lang="en-US" sz="1600" kern="1200" dirty="0">
-                <a:solidFill>
-                  <a:prstClr val="black"/>
-                </a:solidFill>
-                <a:latin typeface="Arial Unicode MS" panose="020B0604020202020204" pitchFamily="34" charset="-128"/>
-                <a:ea typeface="Arial Unicode MS" panose="020B0604020202020204" pitchFamily="34" charset="-128"/>
-                <a:cs typeface="Arial Unicode MS" panose="020B0604020202020204" pitchFamily="34" charset="-128"/>
-              </a:rPr>
-              <a:t>Forwards an object so the code is easy to understand &amp; concise.</a:t>
-            </a:r>
-          </a:p>
-        </p:txBody>
-      </p:sp>
-      <p:grpSp>
-        <p:nvGrpSpPr>
-          <p:cNvPr id="13" name="Group 12">
-            <a:extLst>
-              <a:ext uri="{FF2B5EF4-FFF2-40B4-BE49-F238E27FC236}">
-                <a16:creationId xmlns:a16="http://schemas.microsoft.com/office/drawing/2014/main" id="{FDD1E614-E5A0-4976-A922-39D0CCEB472C}"/>
-              </a:ext>
-            </a:extLst>
-          </p:cNvPr>
-          <p:cNvGrpSpPr/>
-          <p:nvPr/>
-        </p:nvGrpSpPr>
-        <p:grpSpPr>
-          <a:xfrm>
-            <a:off x="689158" y="1125414"/>
-            <a:ext cx="1803699" cy="1065581"/>
-            <a:chOff x="1073466" y="914400"/>
-            <a:chExt cx="1803699" cy="1065581"/>
-          </a:xfrm>
-        </p:grpSpPr>
-        <p:sp>
-          <p:nvSpPr>
-            <p:cNvPr id="14" name="Rectangle 13">
-              <a:extLst>
-                <a:ext uri="{FF2B5EF4-FFF2-40B4-BE49-F238E27FC236}">
-                  <a16:creationId xmlns:a16="http://schemas.microsoft.com/office/drawing/2014/main" id="{E8F8D37B-9C5B-4339-845C-B43F17889106}"/>
-                </a:ext>
-              </a:extLst>
-            </p:cNvPr>
-            <p:cNvSpPr/>
-            <p:nvPr/>
-          </p:nvSpPr>
-          <p:spPr>
-            <a:xfrm>
-              <a:off x="1149128" y="1333650"/>
-              <a:ext cx="1720215" cy="646331"/>
-            </a:xfrm>
-            <a:prstGeom prst="rect">
-              <a:avLst/>
-            </a:prstGeom>
-            <a:solidFill>
-              <a:schemeClr val="bg1">
-                <a:lumMod val="85000"/>
-              </a:schemeClr>
-            </a:solidFill>
-          </p:spPr>
-          <p:txBody>
-            <a:bodyPr wrap="square">
-              <a:spAutoFit/>
-            </a:bodyPr>
-            <a:lstStyle/>
-            <a:p>
-              <a:pPr algn="ctr" defTabSz="457200"/>
-              <a:r>
-                <a:rPr lang="en-US" sz="3600" kern="1200" dirty="0">
-                  <a:solidFill>
-                    <a:prstClr val="black"/>
-                  </a:solidFill>
-                  <a:latin typeface="Consolas" panose="020B0609020204030204" pitchFamily="49" charset="0"/>
-                  <a:ea typeface="Arial Unicode MS" panose="020B0604020202020204" pitchFamily="34" charset="-128"/>
-                  <a:cs typeface="Consolas" panose="020B0609020204030204" pitchFamily="49" charset="0"/>
-                </a:rPr>
-                <a:t>%&gt;%</a:t>
-              </a:r>
-            </a:p>
-          </p:txBody>
-        </p:sp>
-        <p:sp>
-          <p:nvSpPr>
-            <p:cNvPr id="15" name="TextBox 14">
-              <a:extLst>
-                <a:ext uri="{FF2B5EF4-FFF2-40B4-BE49-F238E27FC236}">
-                  <a16:creationId xmlns:a16="http://schemas.microsoft.com/office/drawing/2014/main" id="{A640CA88-04CE-4868-B38D-157A5E346B60}"/>
-                </a:ext>
-              </a:extLst>
-            </p:cNvPr>
-            <p:cNvSpPr txBox="1"/>
-            <p:nvPr/>
-          </p:nvSpPr>
-          <p:spPr>
-            <a:xfrm>
-              <a:off x="1073466" y="914400"/>
-              <a:ext cx="1803699" cy="338554"/>
-            </a:xfrm>
-            <a:prstGeom prst="rect">
-              <a:avLst/>
-            </a:prstGeom>
-            <a:noFill/>
-          </p:spPr>
-          <p:txBody>
-            <a:bodyPr wrap="none" rtlCol="0">
-              <a:spAutoFit/>
-            </a:bodyPr>
-            <a:lstStyle/>
-            <a:p>
-              <a:pPr defTabSz="457200"/>
-              <a:r>
-                <a:rPr lang="en-US" sz="1600" kern="1200" dirty="0">
-                  <a:solidFill>
-                    <a:prstClr val="black"/>
-                  </a:solidFill>
-                  <a:latin typeface="Arial Unicode MS" panose="020B0604020202020204" pitchFamily="34" charset="-128"/>
-                  <a:ea typeface="Arial Unicode MS" panose="020B0604020202020204" pitchFamily="34" charset="-128"/>
-                  <a:cs typeface="Arial Unicode MS" panose="020B0604020202020204" pitchFamily="34" charset="-128"/>
-                </a:rPr>
-                <a:t>The pipe operator</a:t>
-              </a:r>
-            </a:p>
-          </p:txBody>
-        </p:sp>
-      </p:grpSp>
-      <p:cxnSp>
-        <p:nvCxnSpPr>
-          <p:cNvPr id="16" name="Straight Connector 15">
-            <a:extLst>
-              <a:ext uri="{FF2B5EF4-FFF2-40B4-BE49-F238E27FC236}">
-                <a16:creationId xmlns:a16="http://schemas.microsoft.com/office/drawing/2014/main" id="{BA5A6061-B638-4C5C-AA8C-9BC9C6119623}"/>
-              </a:ext>
-            </a:extLst>
-          </p:cNvPr>
-          <p:cNvCxnSpPr/>
-          <p:nvPr/>
-        </p:nvCxnSpPr>
-        <p:spPr>
-          <a:xfrm>
-            <a:off x="1535932" y="2331056"/>
-            <a:ext cx="5303520" cy="0"/>
-          </a:xfrm>
-          <a:prstGeom prst="line">
-            <a:avLst/>
-          </a:prstGeom>
-          <a:effectLst/>
-        </p:spPr>
-        <p:style>
-          <a:lnRef idx="2">
-            <a:schemeClr val="accent1"/>
-          </a:lnRef>
-          <a:fillRef idx="0">
-            <a:schemeClr val="accent1"/>
-          </a:fillRef>
-          <a:effectRef idx="1">
-            <a:schemeClr val="accent1"/>
-          </a:effectRef>
-          <a:fontRef idx="minor">
-            <a:schemeClr val="tx1"/>
-          </a:fontRef>
-        </p:style>
-      </p:cxnSp>
-      <p:cxnSp>
-        <p:nvCxnSpPr>
-          <p:cNvPr id="17" name="Straight Connector 16">
-            <a:extLst>
-              <a:ext uri="{FF2B5EF4-FFF2-40B4-BE49-F238E27FC236}">
-                <a16:creationId xmlns:a16="http://schemas.microsoft.com/office/drawing/2014/main" id="{3CA0F96C-7C39-4931-BE9D-E3A7EDB06FEF}"/>
-              </a:ext>
-            </a:extLst>
-          </p:cNvPr>
-          <p:cNvCxnSpPr/>
-          <p:nvPr/>
-        </p:nvCxnSpPr>
-        <p:spPr>
-          <a:xfrm>
-            <a:off x="1535932" y="4289168"/>
-            <a:ext cx="5303520" cy="0"/>
-          </a:xfrm>
-          <a:prstGeom prst="line">
-            <a:avLst/>
-          </a:prstGeom>
-          <a:effectLst/>
-        </p:spPr>
-        <p:style>
-          <a:lnRef idx="2">
-            <a:schemeClr val="accent1"/>
-          </a:lnRef>
-          <a:fillRef idx="0">
-            <a:schemeClr val="accent1"/>
-          </a:fillRef>
-          <a:effectRef idx="1">
-            <a:schemeClr val="accent1"/>
-          </a:effectRef>
-          <a:fontRef idx="minor">
-            <a:schemeClr val="tx1"/>
-          </a:fontRef>
-        </p:style>
-      </p:cxnSp>
-      <p:grpSp>
-        <p:nvGrpSpPr>
-          <p:cNvPr id="18" name="Group 17">
-            <a:extLst>
-              <a:ext uri="{FF2B5EF4-FFF2-40B4-BE49-F238E27FC236}">
-                <a16:creationId xmlns:a16="http://schemas.microsoft.com/office/drawing/2014/main" id="{5FBD77FD-884E-41B8-9DDB-2990E7786254}"/>
-              </a:ext>
-            </a:extLst>
-          </p:cNvPr>
-          <p:cNvGrpSpPr/>
-          <p:nvPr/>
-        </p:nvGrpSpPr>
-        <p:grpSpPr>
-          <a:xfrm>
-            <a:off x="4759923" y="4876800"/>
-            <a:ext cx="1467580" cy="976313"/>
-            <a:chOff x="6515101" y="2824163"/>
-            <a:chExt cx="1123950" cy="747712"/>
-          </a:xfrm>
-        </p:grpSpPr>
-        <p:sp>
-          <p:nvSpPr>
-            <p:cNvPr id="19" name="Freeform 27">
-              <a:extLst>
-                <a:ext uri="{FF2B5EF4-FFF2-40B4-BE49-F238E27FC236}">
-                  <a16:creationId xmlns:a16="http://schemas.microsoft.com/office/drawing/2014/main" id="{09C72037-1D2C-433E-A839-1634A7FAAB7D}"/>
-                </a:ext>
-              </a:extLst>
-            </p:cNvPr>
-            <p:cNvSpPr/>
-            <p:nvPr/>
-          </p:nvSpPr>
-          <p:spPr>
-            <a:xfrm>
-              <a:off x="6896101" y="2880653"/>
-              <a:ext cx="361950" cy="634732"/>
-            </a:xfrm>
-            <a:custGeom>
-              <a:avLst/>
-              <a:gdLst>
-                <a:gd name="connsiteX0" fmla="*/ 176588 w 361950"/>
-                <a:gd name="connsiteY0" fmla="*/ 0 h 634732"/>
-                <a:gd name="connsiteX1" fmla="*/ 198170 w 361950"/>
-                <a:gd name="connsiteY1" fmla="*/ 11714 h 634732"/>
-                <a:gd name="connsiteX2" fmla="*/ 361950 w 361950"/>
-                <a:gd name="connsiteY2" fmla="*/ 319747 h 634732"/>
-                <a:gd name="connsiteX3" fmla="*/ 198170 w 361950"/>
-                <a:gd name="connsiteY3" fmla="*/ 627780 h 634732"/>
-                <a:gd name="connsiteX4" fmla="*/ 185362 w 361950"/>
-                <a:gd name="connsiteY4" fmla="*/ 634732 h 634732"/>
-                <a:gd name="connsiteX5" fmla="*/ 163780 w 361950"/>
-                <a:gd name="connsiteY5" fmla="*/ 623018 h 634732"/>
-                <a:gd name="connsiteX6" fmla="*/ 0 w 361950"/>
-                <a:gd name="connsiteY6" fmla="*/ 314985 h 634732"/>
-                <a:gd name="connsiteX7" fmla="*/ 163780 w 361950"/>
-                <a:gd name="connsiteY7" fmla="*/ 6952 h 634732"/>
-                <a:gd name="connsiteX8" fmla="*/ 176588 w 361950"/>
-                <a:gd name="connsiteY8" fmla="*/ 0 h 634732"/>
-              </a:gdLst>
-              <a:ahLst/>
-              <a:cxnLst>
-                <a:cxn ang="0">
-                  <a:pos x="connsiteX0" y="connsiteY0"/>
-                </a:cxn>
-                <a:cxn ang="0">
-                  <a:pos x="connsiteX1" y="connsiteY1"/>
-                </a:cxn>
-                <a:cxn ang="0">
-                  <a:pos x="connsiteX2" y="connsiteY2"/>
-                </a:cxn>
-                <a:cxn ang="0">
-                  <a:pos x="connsiteX3" y="connsiteY3"/>
-                </a:cxn>
-                <a:cxn ang="0">
-                  <a:pos x="connsiteX4" y="connsiteY4"/>
-                </a:cxn>
-                <a:cxn ang="0">
-                  <a:pos x="connsiteX5" y="connsiteY5"/>
-                </a:cxn>
-                <a:cxn ang="0">
-                  <a:pos x="connsiteX6" y="connsiteY6"/>
-                </a:cxn>
-                <a:cxn ang="0">
-                  <a:pos x="connsiteX7" y="connsiteY7"/>
-                </a:cxn>
-                <a:cxn ang="0">
-                  <a:pos x="connsiteX8" y="connsiteY8"/>
-                </a:cxn>
-              </a:cxnLst>
-              <a:rect l="l" t="t" r="r" b="b"/>
-              <a:pathLst>
-                <a:path w="361950" h="634732">
-                  <a:moveTo>
-                    <a:pt x="176588" y="0"/>
-                  </a:moveTo>
-                  <a:lnTo>
-                    <a:pt x="198170" y="11714"/>
-                  </a:lnTo>
-                  <a:cubicBezTo>
-                    <a:pt x="296983" y="78471"/>
-                    <a:pt x="361950" y="191522"/>
-                    <a:pt x="361950" y="319747"/>
-                  </a:cubicBezTo>
-                  <a:cubicBezTo>
-                    <a:pt x="361950" y="447972"/>
-                    <a:pt x="296983" y="561023"/>
-                    <a:pt x="198170" y="627780"/>
-                  </a:cubicBezTo>
-                  <a:lnTo>
-                    <a:pt x="185362" y="634732"/>
-                  </a:lnTo>
-                  <a:lnTo>
-                    <a:pt x="163780" y="623018"/>
-                  </a:lnTo>
-                  <a:cubicBezTo>
-                    <a:pt x="64967" y="556261"/>
-                    <a:pt x="0" y="443210"/>
-                    <a:pt x="0" y="314985"/>
-                  </a:cubicBezTo>
-                  <a:cubicBezTo>
-                    <a:pt x="0" y="186760"/>
-                    <a:pt x="64967" y="73709"/>
-                    <a:pt x="163780" y="6952"/>
-                  </a:cubicBezTo>
-                  <a:lnTo>
-                    <a:pt x="176588" y="0"/>
-                  </a:lnTo>
-                  <a:close/>
-                </a:path>
-              </a:pathLst>
-            </a:custGeom>
-          </p:spPr>
-          <p:style>
-            <a:lnRef idx="2">
-              <a:schemeClr val="accent1">
-                <a:shade val="50000"/>
-              </a:schemeClr>
-            </a:lnRef>
-            <a:fillRef idx="1">
-              <a:schemeClr val="accent1"/>
-            </a:fillRef>
-            <a:effectRef idx="0">
-              <a:schemeClr val="accent1"/>
-            </a:effectRef>
-            <a:fontRef idx="minor">
-              <a:schemeClr val="lt1"/>
-            </a:fontRef>
-          </p:style>
-          <p:txBody>
-            <a:bodyPr wrap="square" rtlCol="0" anchor="ctr">
-              <a:noAutofit/>
-            </a:bodyPr>
-            <a:lstStyle/>
-            <a:p>
-              <a:pPr algn="ctr" defTabSz="457200"/>
-              <a:endParaRPr lang="en-US" sz="1800" kern="1200" dirty="0">
-                <a:solidFill>
-                  <a:prstClr val="white"/>
-                </a:solidFill>
-                <a:latin typeface="Arial Unicode MS" panose="020B0604020202020204" pitchFamily="34" charset="-128"/>
-              </a:endParaRPr>
-            </a:p>
-          </p:txBody>
-        </p:sp>
-        <p:sp>
-          <p:nvSpPr>
-            <p:cNvPr id="20" name="Freeform 28">
-              <a:extLst>
-                <a:ext uri="{FF2B5EF4-FFF2-40B4-BE49-F238E27FC236}">
-                  <a16:creationId xmlns:a16="http://schemas.microsoft.com/office/drawing/2014/main" id="{B26589AD-8E45-4BC9-99F5-7130148FBE31}"/>
-                </a:ext>
-              </a:extLst>
-            </p:cNvPr>
-            <p:cNvSpPr/>
-            <p:nvPr/>
-          </p:nvSpPr>
-          <p:spPr>
-            <a:xfrm>
-              <a:off x="7072689" y="2824163"/>
-              <a:ext cx="566362" cy="742950"/>
-            </a:xfrm>
-            <a:custGeom>
-              <a:avLst/>
-              <a:gdLst>
-                <a:gd name="connsiteX0" fmla="*/ 194887 w 566362"/>
-                <a:gd name="connsiteY0" fmla="*/ 0 h 742950"/>
-                <a:gd name="connsiteX1" fmla="*/ 566362 w 566362"/>
-                <a:gd name="connsiteY1" fmla="*/ 371475 h 742950"/>
-                <a:gd name="connsiteX2" fmla="*/ 194887 w 566362"/>
-                <a:gd name="connsiteY2" fmla="*/ 742950 h 742950"/>
-                <a:gd name="connsiteX3" fmla="*/ 50292 w 566362"/>
-                <a:gd name="connsiteY3" fmla="*/ 713758 h 742950"/>
-                <a:gd name="connsiteX4" fmla="*/ 8774 w 566362"/>
-                <a:gd name="connsiteY4" fmla="*/ 691222 h 742950"/>
-                <a:gd name="connsiteX5" fmla="*/ 21582 w 566362"/>
-                <a:gd name="connsiteY5" fmla="*/ 684270 h 742950"/>
-                <a:gd name="connsiteX6" fmla="*/ 185362 w 566362"/>
-                <a:gd name="connsiteY6" fmla="*/ 376237 h 742950"/>
-                <a:gd name="connsiteX7" fmla="*/ 21582 w 566362"/>
-                <a:gd name="connsiteY7" fmla="*/ 68204 h 742950"/>
-                <a:gd name="connsiteX8" fmla="*/ 0 w 566362"/>
-                <a:gd name="connsiteY8" fmla="*/ 56490 h 742950"/>
-                <a:gd name="connsiteX9" fmla="*/ 50292 w 566362"/>
-                <a:gd name="connsiteY9" fmla="*/ 29192 h 742950"/>
-                <a:gd name="connsiteX10" fmla="*/ 194887 w 566362"/>
-                <a:gd name="connsiteY10" fmla="*/ 0 h 742950"/>
-              </a:gdLst>
-              <a:ahLst/>
-              <a:cxnLst>
-                <a:cxn ang="0">
-                  <a:pos x="connsiteX0" y="connsiteY0"/>
-                </a:cxn>
-                <a:cxn ang="0">
-                  <a:pos x="connsiteX1" y="connsiteY1"/>
-                </a:cxn>
-                <a:cxn ang="0">
-                  <a:pos x="connsiteX2" y="connsiteY2"/>
-                </a:cxn>
-                <a:cxn ang="0">
-                  <a:pos x="connsiteX3" y="connsiteY3"/>
-                </a:cxn>
-                <a:cxn ang="0">
-                  <a:pos x="connsiteX4" y="connsiteY4"/>
-                </a:cxn>
-                <a:cxn ang="0">
-                  <a:pos x="connsiteX5" y="connsiteY5"/>
-                </a:cxn>
-                <a:cxn ang="0">
-                  <a:pos x="connsiteX6" y="connsiteY6"/>
-                </a:cxn>
-                <a:cxn ang="0">
-                  <a:pos x="connsiteX7" y="connsiteY7"/>
-                </a:cxn>
-                <a:cxn ang="0">
-                  <a:pos x="connsiteX8" y="connsiteY8"/>
-                </a:cxn>
-                <a:cxn ang="0">
-                  <a:pos x="connsiteX9" y="connsiteY9"/>
-                </a:cxn>
-                <a:cxn ang="0">
-                  <a:pos x="connsiteX10" y="connsiteY10"/>
-                </a:cxn>
-              </a:cxnLst>
-              <a:rect l="l" t="t" r="r" b="b"/>
-              <a:pathLst>
-                <a:path w="566362" h="742950">
-                  <a:moveTo>
-                    <a:pt x="194887" y="0"/>
-                  </a:moveTo>
-                  <a:cubicBezTo>
-                    <a:pt x="400047" y="0"/>
-                    <a:pt x="566362" y="166315"/>
-                    <a:pt x="566362" y="371475"/>
-                  </a:cubicBezTo>
-                  <a:cubicBezTo>
-                    <a:pt x="566362" y="576635"/>
-                    <a:pt x="400047" y="742950"/>
-                    <a:pt x="194887" y="742950"/>
-                  </a:cubicBezTo>
-                  <a:cubicBezTo>
-                    <a:pt x="143597" y="742950"/>
-                    <a:pt x="94735" y="732555"/>
-                    <a:pt x="50292" y="713758"/>
-                  </a:cubicBezTo>
-                  <a:lnTo>
-                    <a:pt x="8774" y="691222"/>
-                  </a:lnTo>
-                  <a:lnTo>
-                    <a:pt x="21582" y="684270"/>
-                  </a:lnTo>
-                  <a:cubicBezTo>
-                    <a:pt x="120395" y="617513"/>
-                    <a:pt x="185362" y="504462"/>
-                    <a:pt x="185362" y="376237"/>
-                  </a:cubicBezTo>
-                  <a:cubicBezTo>
-                    <a:pt x="185362" y="248012"/>
-                    <a:pt x="120395" y="134961"/>
-                    <a:pt x="21582" y="68204"/>
-                  </a:cubicBezTo>
-                  <a:lnTo>
-                    <a:pt x="0" y="56490"/>
-                  </a:lnTo>
-                  <a:lnTo>
-                    <a:pt x="50292" y="29192"/>
-                  </a:lnTo>
-                  <a:cubicBezTo>
-                    <a:pt x="94735" y="10395"/>
-                    <a:pt x="143597" y="0"/>
-                    <a:pt x="194887" y="0"/>
-                  </a:cubicBezTo>
-                  <a:close/>
-                </a:path>
-              </a:pathLst>
-            </a:custGeom>
-            <a:noFill/>
-          </p:spPr>
-          <p:style>
-            <a:lnRef idx="2">
-              <a:schemeClr val="accent1">
-                <a:shade val="50000"/>
-              </a:schemeClr>
-            </a:lnRef>
-            <a:fillRef idx="1">
-              <a:schemeClr val="accent1"/>
-            </a:fillRef>
-            <a:effectRef idx="0">
-              <a:schemeClr val="accent1"/>
-            </a:effectRef>
-            <a:fontRef idx="minor">
-              <a:schemeClr val="lt1"/>
-            </a:fontRef>
-          </p:style>
-          <p:txBody>
-            <a:bodyPr wrap="square" rtlCol="0" anchor="ctr">
-              <a:noAutofit/>
-            </a:bodyPr>
-            <a:lstStyle/>
-            <a:p>
-              <a:pPr algn="ctr" defTabSz="457200"/>
-              <a:endParaRPr lang="en-US" sz="1800" kern="1200" dirty="0">
-                <a:solidFill>
-                  <a:prstClr val="white"/>
-                </a:solidFill>
-                <a:latin typeface="Arial Unicode MS" panose="020B0604020202020204" pitchFamily="34" charset="-128"/>
-              </a:endParaRPr>
-            </a:p>
-          </p:txBody>
-        </p:sp>
-        <p:sp>
-          <p:nvSpPr>
-            <p:cNvPr id="21" name="Freeform 29">
-              <a:extLst>
-                <a:ext uri="{FF2B5EF4-FFF2-40B4-BE49-F238E27FC236}">
-                  <a16:creationId xmlns:a16="http://schemas.microsoft.com/office/drawing/2014/main" id="{F5539E4B-6AEB-4978-B485-8F3BBCC4AFD3}"/>
-                </a:ext>
-              </a:extLst>
-            </p:cNvPr>
-            <p:cNvSpPr/>
-            <p:nvPr/>
-          </p:nvSpPr>
-          <p:spPr>
-            <a:xfrm>
-              <a:off x="6515101" y="2828925"/>
-              <a:ext cx="566362" cy="742950"/>
-            </a:xfrm>
-            <a:custGeom>
-              <a:avLst/>
-              <a:gdLst>
-                <a:gd name="connsiteX0" fmla="*/ 371475 w 566362"/>
-                <a:gd name="connsiteY0" fmla="*/ 0 h 742950"/>
-                <a:gd name="connsiteX1" fmla="*/ 516070 w 566362"/>
-                <a:gd name="connsiteY1" fmla="*/ 29192 h 742950"/>
-                <a:gd name="connsiteX2" fmla="*/ 557588 w 566362"/>
-                <a:gd name="connsiteY2" fmla="*/ 51728 h 742950"/>
-                <a:gd name="connsiteX3" fmla="*/ 544780 w 566362"/>
-                <a:gd name="connsiteY3" fmla="*/ 58680 h 742950"/>
-                <a:gd name="connsiteX4" fmla="*/ 381000 w 566362"/>
-                <a:gd name="connsiteY4" fmla="*/ 366713 h 742950"/>
-                <a:gd name="connsiteX5" fmla="*/ 544780 w 566362"/>
-                <a:gd name="connsiteY5" fmla="*/ 674746 h 742950"/>
-                <a:gd name="connsiteX6" fmla="*/ 566362 w 566362"/>
-                <a:gd name="connsiteY6" fmla="*/ 686460 h 742950"/>
-                <a:gd name="connsiteX7" fmla="*/ 516070 w 566362"/>
-                <a:gd name="connsiteY7" fmla="*/ 713758 h 742950"/>
-                <a:gd name="connsiteX8" fmla="*/ 371475 w 566362"/>
-                <a:gd name="connsiteY8" fmla="*/ 742950 h 742950"/>
-                <a:gd name="connsiteX9" fmla="*/ 0 w 566362"/>
-                <a:gd name="connsiteY9" fmla="*/ 371475 h 742950"/>
-                <a:gd name="connsiteX10" fmla="*/ 371475 w 566362"/>
-                <a:gd name="connsiteY10" fmla="*/ 0 h 742950"/>
-              </a:gdLst>
-              <a:ahLst/>
-              <a:cxnLst>
-                <a:cxn ang="0">
-                  <a:pos x="connsiteX0" y="connsiteY0"/>
-                </a:cxn>
-                <a:cxn ang="0">
-                  <a:pos x="connsiteX1" y="connsiteY1"/>
-                </a:cxn>
-                <a:cxn ang="0">
-                  <a:pos x="connsiteX2" y="connsiteY2"/>
-                </a:cxn>
-                <a:cxn ang="0">
-                  <a:pos x="connsiteX3" y="connsiteY3"/>
-                </a:cxn>
-                <a:cxn ang="0">
-                  <a:pos x="connsiteX4" y="connsiteY4"/>
-                </a:cxn>
-                <a:cxn ang="0">
-                  <a:pos x="connsiteX5" y="connsiteY5"/>
-                </a:cxn>
-                <a:cxn ang="0">
-                  <a:pos x="connsiteX6" y="connsiteY6"/>
-                </a:cxn>
-                <a:cxn ang="0">
-                  <a:pos x="connsiteX7" y="connsiteY7"/>
-                </a:cxn>
-                <a:cxn ang="0">
-                  <a:pos x="connsiteX8" y="connsiteY8"/>
-                </a:cxn>
-                <a:cxn ang="0">
-                  <a:pos x="connsiteX9" y="connsiteY9"/>
-                </a:cxn>
-                <a:cxn ang="0">
-                  <a:pos x="connsiteX10" y="connsiteY10"/>
-                </a:cxn>
-              </a:cxnLst>
-              <a:rect l="l" t="t" r="r" b="b"/>
-              <a:pathLst>
-                <a:path w="566362" h="742950">
-                  <a:moveTo>
-                    <a:pt x="371475" y="0"/>
-                  </a:moveTo>
-                  <a:cubicBezTo>
-                    <a:pt x="422765" y="0"/>
-                    <a:pt x="471627" y="10395"/>
-                    <a:pt x="516070" y="29192"/>
-                  </a:cubicBezTo>
-                  <a:lnTo>
-                    <a:pt x="557588" y="51728"/>
-                  </a:lnTo>
-                  <a:lnTo>
-                    <a:pt x="544780" y="58680"/>
-                  </a:lnTo>
-                  <a:cubicBezTo>
-                    <a:pt x="445967" y="125437"/>
-                    <a:pt x="381000" y="238488"/>
-                    <a:pt x="381000" y="366713"/>
-                  </a:cubicBezTo>
-                  <a:cubicBezTo>
-                    <a:pt x="381000" y="494938"/>
-                    <a:pt x="445967" y="607989"/>
-                    <a:pt x="544780" y="674746"/>
-                  </a:cubicBezTo>
-                  <a:lnTo>
-                    <a:pt x="566362" y="686460"/>
-                  </a:lnTo>
-                  <a:lnTo>
-                    <a:pt x="516070" y="713758"/>
-                  </a:lnTo>
-                  <a:cubicBezTo>
-                    <a:pt x="471627" y="732555"/>
-                    <a:pt x="422765" y="742950"/>
-                    <a:pt x="371475" y="742950"/>
-                  </a:cubicBezTo>
-                  <a:cubicBezTo>
-                    <a:pt x="166315" y="742950"/>
-                    <a:pt x="0" y="576635"/>
-                    <a:pt x="0" y="371475"/>
-                  </a:cubicBezTo>
-                  <a:cubicBezTo>
-                    <a:pt x="0" y="166315"/>
-                    <a:pt x="166315" y="0"/>
-                    <a:pt x="371475" y="0"/>
-                  </a:cubicBezTo>
-                  <a:close/>
-                </a:path>
-              </a:pathLst>
-            </a:custGeom>
-            <a:noFill/>
-          </p:spPr>
-          <p:style>
-            <a:lnRef idx="2">
-              <a:schemeClr val="accent1">
-                <a:shade val="50000"/>
-              </a:schemeClr>
-            </a:lnRef>
-            <a:fillRef idx="1">
-              <a:schemeClr val="accent1"/>
-            </a:fillRef>
-            <a:effectRef idx="0">
-              <a:schemeClr val="accent1"/>
-            </a:effectRef>
-            <a:fontRef idx="minor">
-              <a:schemeClr val="lt1"/>
-            </a:fontRef>
-          </p:style>
-          <p:txBody>
-            <a:bodyPr wrap="square" rtlCol="0" anchor="ctr">
-              <a:noAutofit/>
-            </a:bodyPr>
-            <a:lstStyle/>
-            <a:p>
-              <a:pPr algn="ctr" defTabSz="457200"/>
-              <a:endParaRPr lang="en-US" sz="1800" kern="1200" dirty="0">
-                <a:solidFill>
-                  <a:prstClr val="white"/>
-                </a:solidFill>
-                <a:latin typeface="Arial Unicode MS" panose="020B0604020202020204" pitchFamily="34" charset="-128"/>
-              </a:endParaRPr>
-            </a:p>
-          </p:txBody>
-        </p:sp>
-      </p:grpSp>
-      <p:sp>
-        <p:nvSpPr>
-          <p:cNvPr id="22" name="Rectangle 21">
-            <a:extLst>
-              <a:ext uri="{FF2B5EF4-FFF2-40B4-BE49-F238E27FC236}">
-                <a16:creationId xmlns:a16="http://schemas.microsoft.com/office/drawing/2014/main" id="{F8FF7FC7-4798-4302-B168-8AC6B76F07FE}"/>
-              </a:ext>
-            </a:extLst>
-          </p:cNvPr>
-          <p:cNvSpPr/>
-          <p:nvPr/>
-        </p:nvSpPr>
-        <p:spPr>
-          <a:xfrm>
-            <a:off x="4765306" y="5896041"/>
-            <a:ext cx="1338828" cy="369332"/>
-          </a:xfrm>
-          <a:prstGeom prst="rect">
-            <a:avLst/>
-          </a:prstGeom>
-          <a:solidFill>
-            <a:srgbClr val="FFC000"/>
-          </a:solidFill>
-        </p:spPr>
-        <p:txBody>
-          <a:bodyPr wrap="none">
-            <a:spAutoFit/>
-          </a:bodyPr>
-          <a:lstStyle/>
-          <a:p>
-            <a:pPr defTabSz="457200"/>
-            <a:r>
-              <a:rPr lang="en-US" sz="1800" kern="1200" dirty="0" err="1">
-                <a:solidFill>
-                  <a:prstClr val="black"/>
-                </a:solidFill>
-                <a:latin typeface="Arial Unicode MS" panose="020B0604020202020204" pitchFamily="34" charset="-128"/>
-                <a:ea typeface="Arial Unicode MS" panose="020B0604020202020204" pitchFamily="34" charset="-128"/>
-                <a:cs typeface="Arial Unicode MS" panose="020B0604020202020204" pitchFamily="34" charset="-128"/>
-              </a:rPr>
-              <a:t>inner_join</a:t>
-            </a:r>
-            <a:r>
-              <a:rPr lang="en-US" sz="1800" kern="1200" dirty="0">
-                <a:solidFill>
-                  <a:prstClr val="black"/>
-                </a:solidFill>
-                <a:latin typeface="Arial Unicode MS" panose="020B0604020202020204" pitchFamily="34" charset="-128"/>
-                <a:ea typeface="Arial Unicode MS" panose="020B0604020202020204" pitchFamily="34" charset="-128"/>
-                <a:cs typeface="Arial Unicode MS" panose="020B0604020202020204" pitchFamily="34" charset="-128"/>
-              </a:rPr>
-              <a:t>()</a:t>
-            </a:r>
-          </a:p>
-        </p:txBody>
-      </p:sp>
-      <p:grpSp>
-        <p:nvGrpSpPr>
-          <p:cNvPr id="23" name="Group 22">
-            <a:extLst>
-              <a:ext uri="{FF2B5EF4-FFF2-40B4-BE49-F238E27FC236}">
-                <a16:creationId xmlns:a16="http://schemas.microsoft.com/office/drawing/2014/main" id="{1F73726C-90A0-4F59-912F-94AACD7BE772}"/>
-              </a:ext>
-            </a:extLst>
-          </p:cNvPr>
-          <p:cNvGrpSpPr/>
-          <p:nvPr/>
-        </p:nvGrpSpPr>
-        <p:grpSpPr>
-          <a:xfrm>
-            <a:off x="4759923" y="2754501"/>
-            <a:ext cx="1467580" cy="976313"/>
-            <a:chOff x="6515101" y="2824163"/>
-            <a:chExt cx="1123950" cy="747712"/>
-          </a:xfrm>
-        </p:grpSpPr>
-        <p:sp>
-          <p:nvSpPr>
-            <p:cNvPr id="24" name="Freeform 31">
-              <a:extLst>
-                <a:ext uri="{FF2B5EF4-FFF2-40B4-BE49-F238E27FC236}">
-                  <a16:creationId xmlns:a16="http://schemas.microsoft.com/office/drawing/2014/main" id="{C6CDC418-D840-42FE-BA6A-A1DF69A731D6}"/>
-                </a:ext>
-              </a:extLst>
-            </p:cNvPr>
-            <p:cNvSpPr/>
-            <p:nvPr/>
-          </p:nvSpPr>
-          <p:spPr>
-            <a:xfrm>
-              <a:off x="6896101" y="2880653"/>
-              <a:ext cx="361950" cy="634732"/>
-            </a:xfrm>
-            <a:custGeom>
-              <a:avLst/>
-              <a:gdLst>
-                <a:gd name="connsiteX0" fmla="*/ 176588 w 361950"/>
-                <a:gd name="connsiteY0" fmla="*/ 0 h 634732"/>
-                <a:gd name="connsiteX1" fmla="*/ 198170 w 361950"/>
-                <a:gd name="connsiteY1" fmla="*/ 11714 h 634732"/>
-                <a:gd name="connsiteX2" fmla="*/ 361950 w 361950"/>
-                <a:gd name="connsiteY2" fmla="*/ 319747 h 634732"/>
-                <a:gd name="connsiteX3" fmla="*/ 198170 w 361950"/>
-                <a:gd name="connsiteY3" fmla="*/ 627780 h 634732"/>
-                <a:gd name="connsiteX4" fmla="*/ 185362 w 361950"/>
-                <a:gd name="connsiteY4" fmla="*/ 634732 h 634732"/>
-                <a:gd name="connsiteX5" fmla="*/ 163780 w 361950"/>
-                <a:gd name="connsiteY5" fmla="*/ 623018 h 634732"/>
-                <a:gd name="connsiteX6" fmla="*/ 0 w 361950"/>
-                <a:gd name="connsiteY6" fmla="*/ 314985 h 634732"/>
-                <a:gd name="connsiteX7" fmla="*/ 163780 w 361950"/>
-                <a:gd name="connsiteY7" fmla="*/ 6952 h 634732"/>
-                <a:gd name="connsiteX8" fmla="*/ 176588 w 361950"/>
-                <a:gd name="connsiteY8" fmla="*/ 0 h 634732"/>
-              </a:gdLst>
-              <a:ahLst/>
-              <a:cxnLst>
-                <a:cxn ang="0">
-                  <a:pos x="connsiteX0" y="connsiteY0"/>
-                </a:cxn>
-                <a:cxn ang="0">
-                  <a:pos x="connsiteX1" y="connsiteY1"/>
-                </a:cxn>
-                <a:cxn ang="0">
-                  <a:pos x="connsiteX2" y="connsiteY2"/>
-                </a:cxn>
-                <a:cxn ang="0">
-                  <a:pos x="connsiteX3" y="connsiteY3"/>
-                </a:cxn>
-                <a:cxn ang="0">
-                  <a:pos x="connsiteX4" y="connsiteY4"/>
-                </a:cxn>
-                <a:cxn ang="0">
-                  <a:pos x="connsiteX5" y="connsiteY5"/>
-                </a:cxn>
-                <a:cxn ang="0">
-                  <a:pos x="connsiteX6" y="connsiteY6"/>
-                </a:cxn>
-                <a:cxn ang="0">
-                  <a:pos x="connsiteX7" y="connsiteY7"/>
-                </a:cxn>
-                <a:cxn ang="0">
-                  <a:pos x="connsiteX8" y="connsiteY8"/>
-                </a:cxn>
-              </a:cxnLst>
-              <a:rect l="l" t="t" r="r" b="b"/>
-              <a:pathLst>
-                <a:path w="361950" h="634732">
-                  <a:moveTo>
-                    <a:pt x="176588" y="0"/>
-                  </a:moveTo>
-                  <a:lnTo>
-                    <a:pt x="198170" y="11714"/>
-                  </a:lnTo>
-                  <a:cubicBezTo>
-                    <a:pt x="296983" y="78471"/>
-                    <a:pt x="361950" y="191522"/>
-                    <a:pt x="361950" y="319747"/>
-                  </a:cubicBezTo>
-                  <a:cubicBezTo>
-                    <a:pt x="361950" y="447972"/>
-                    <a:pt x="296983" y="561023"/>
-                    <a:pt x="198170" y="627780"/>
-                  </a:cubicBezTo>
-                  <a:lnTo>
-                    <a:pt x="185362" y="634732"/>
-                  </a:lnTo>
-                  <a:lnTo>
-                    <a:pt x="163780" y="623018"/>
-                  </a:lnTo>
-                  <a:cubicBezTo>
-                    <a:pt x="64967" y="556261"/>
-                    <a:pt x="0" y="443210"/>
-                    <a:pt x="0" y="314985"/>
-                  </a:cubicBezTo>
-                  <a:cubicBezTo>
-                    <a:pt x="0" y="186760"/>
-                    <a:pt x="64967" y="73709"/>
-                    <a:pt x="163780" y="6952"/>
-                  </a:cubicBezTo>
-                  <a:lnTo>
-                    <a:pt x="176588" y="0"/>
-                  </a:lnTo>
-                  <a:close/>
-                </a:path>
-              </a:pathLst>
-            </a:custGeom>
-            <a:noFill/>
-          </p:spPr>
-          <p:style>
-            <a:lnRef idx="2">
-              <a:schemeClr val="accent1">
-                <a:shade val="50000"/>
-              </a:schemeClr>
-            </a:lnRef>
-            <a:fillRef idx="1">
-              <a:schemeClr val="accent1"/>
-            </a:fillRef>
-            <a:effectRef idx="0">
-              <a:schemeClr val="accent1"/>
-            </a:effectRef>
-            <a:fontRef idx="minor">
-              <a:schemeClr val="lt1"/>
-            </a:fontRef>
-          </p:style>
-          <p:txBody>
-            <a:bodyPr wrap="square" rtlCol="0" anchor="ctr">
-              <a:noAutofit/>
-            </a:bodyPr>
-            <a:lstStyle/>
-            <a:p>
-              <a:pPr algn="ctr" defTabSz="457200"/>
-              <a:endParaRPr lang="en-US" sz="1800" kern="1200" dirty="0">
-                <a:solidFill>
-                  <a:prstClr val="white"/>
-                </a:solidFill>
-                <a:latin typeface="Arial Unicode MS" panose="020B0604020202020204" pitchFamily="34" charset="-128"/>
-              </a:endParaRPr>
-            </a:p>
-          </p:txBody>
-        </p:sp>
-        <p:sp>
-          <p:nvSpPr>
-            <p:cNvPr id="25" name="Freeform 32">
-              <a:extLst>
-                <a:ext uri="{FF2B5EF4-FFF2-40B4-BE49-F238E27FC236}">
-                  <a16:creationId xmlns:a16="http://schemas.microsoft.com/office/drawing/2014/main" id="{218B948C-D2C8-4717-9BF4-78B82EFF8873}"/>
-                </a:ext>
-              </a:extLst>
-            </p:cNvPr>
-            <p:cNvSpPr/>
-            <p:nvPr/>
-          </p:nvSpPr>
-          <p:spPr>
-            <a:xfrm>
-              <a:off x="7072689" y="2824163"/>
-              <a:ext cx="566362" cy="742950"/>
-            </a:xfrm>
-            <a:custGeom>
-              <a:avLst/>
-              <a:gdLst>
-                <a:gd name="connsiteX0" fmla="*/ 194887 w 566362"/>
-                <a:gd name="connsiteY0" fmla="*/ 0 h 742950"/>
-                <a:gd name="connsiteX1" fmla="*/ 566362 w 566362"/>
-                <a:gd name="connsiteY1" fmla="*/ 371475 h 742950"/>
-                <a:gd name="connsiteX2" fmla="*/ 194887 w 566362"/>
-                <a:gd name="connsiteY2" fmla="*/ 742950 h 742950"/>
-                <a:gd name="connsiteX3" fmla="*/ 50292 w 566362"/>
-                <a:gd name="connsiteY3" fmla="*/ 713758 h 742950"/>
-                <a:gd name="connsiteX4" fmla="*/ 8774 w 566362"/>
-                <a:gd name="connsiteY4" fmla="*/ 691222 h 742950"/>
-                <a:gd name="connsiteX5" fmla="*/ 21582 w 566362"/>
-                <a:gd name="connsiteY5" fmla="*/ 684270 h 742950"/>
-                <a:gd name="connsiteX6" fmla="*/ 185362 w 566362"/>
-                <a:gd name="connsiteY6" fmla="*/ 376237 h 742950"/>
-                <a:gd name="connsiteX7" fmla="*/ 21582 w 566362"/>
-                <a:gd name="connsiteY7" fmla="*/ 68204 h 742950"/>
-                <a:gd name="connsiteX8" fmla="*/ 0 w 566362"/>
-                <a:gd name="connsiteY8" fmla="*/ 56490 h 742950"/>
-                <a:gd name="connsiteX9" fmla="*/ 50292 w 566362"/>
-                <a:gd name="connsiteY9" fmla="*/ 29192 h 742950"/>
-                <a:gd name="connsiteX10" fmla="*/ 194887 w 566362"/>
-                <a:gd name="connsiteY10" fmla="*/ 0 h 742950"/>
-              </a:gdLst>
-              <a:ahLst/>
-              <a:cxnLst>
-                <a:cxn ang="0">
-                  <a:pos x="connsiteX0" y="connsiteY0"/>
-                </a:cxn>
-                <a:cxn ang="0">
-                  <a:pos x="connsiteX1" y="connsiteY1"/>
-                </a:cxn>
-                <a:cxn ang="0">
-                  <a:pos x="connsiteX2" y="connsiteY2"/>
-                </a:cxn>
-                <a:cxn ang="0">
-                  <a:pos x="connsiteX3" y="connsiteY3"/>
-                </a:cxn>
-                <a:cxn ang="0">
-                  <a:pos x="connsiteX4" y="connsiteY4"/>
-                </a:cxn>
-                <a:cxn ang="0">
-                  <a:pos x="connsiteX5" y="connsiteY5"/>
-                </a:cxn>
-                <a:cxn ang="0">
-                  <a:pos x="connsiteX6" y="connsiteY6"/>
-                </a:cxn>
-                <a:cxn ang="0">
-                  <a:pos x="connsiteX7" y="connsiteY7"/>
-                </a:cxn>
-                <a:cxn ang="0">
-                  <a:pos x="connsiteX8" y="connsiteY8"/>
-                </a:cxn>
-                <a:cxn ang="0">
-                  <a:pos x="connsiteX9" y="connsiteY9"/>
-                </a:cxn>
-                <a:cxn ang="0">
-                  <a:pos x="connsiteX10" y="connsiteY10"/>
-                </a:cxn>
-              </a:cxnLst>
-              <a:rect l="l" t="t" r="r" b="b"/>
-              <a:pathLst>
-                <a:path w="566362" h="742950">
-                  <a:moveTo>
-                    <a:pt x="194887" y="0"/>
-                  </a:moveTo>
-                  <a:cubicBezTo>
-                    <a:pt x="400047" y="0"/>
-                    <a:pt x="566362" y="166315"/>
-                    <a:pt x="566362" y="371475"/>
-                  </a:cubicBezTo>
-                  <a:cubicBezTo>
-                    <a:pt x="566362" y="576635"/>
-                    <a:pt x="400047" y="742950"/>
-                    <a:pt x="194887" y="742950"/>
-                  </a:cubicBezTo>
-                  <a:cubicBezTo>
-                    <a:pt x="143597" y="742950"/>
-                    <a:pt x="94735" y="732555"/>
-                    <a:pt x="50292" y="713758"/>
-                  </a:cubicBezTo>
-                  <a:lnTo>
-                    <a:pt x="8774" y="691222"/>
-                  </a:lnTo>
-                  <a:lnTo>
-                    <a:pt x="21582" y="684270"/>
-                  </a:lnTo>
-                  <a:cubicBezTo>
-                    <a:pt x="120395" y="617513"/>
-                    <a:pt x="185362" y="504462"/>
-                    <a:pt x="185362" y="376237"/>
-                  </a:cubicBezTo>
-                  <a:cubicBezTo>
-                    <a:pt x="185362" y="248012"/>
-                    <a:pt x="120395" y="134961"/>
-                    <a:pt x="21582" y="68204"/>
-                  </a:cubicBezTo>
-                  <a:lnTo>
-                    <a:pt x="0" y="56490"/>
-                  </a:lnTo>
-                  <a:lnTo>
-                    <a:pt x="50292" y="29192"/>
-                  </a:lnTo>
-                  <a:cubicBezTo>
-                    <a:pt x="94735" y="10395"/>
-                    <a:pt x="143597" y="0"/>
-                    <a:pt x="194887" y="0"/>
-                  </a:cubicBezTo>
-                  <a:close/>
-                </a:path>
-              </a:pathLst>
-            </a:custGeom>
-            <a:noFill/>
-          </p:spPr>
-          <p:style>
-            <a:lnRef idx="2">
-              <a:schemeClr val="accent1">
-                <a:shade val="50000"/>
-              </a:schemeClr>
-            </a:lnRef>
-            <a:fillRef idx="1">
-              <a:schemeClr val="accent1"/>
-            </a:fillRef>
-            <a:effectRef idx="0">
-              <a:schemeClr val="accent1"/>
-            </a:effectRef>
-            <a:fontRef idx="minor">
-              <a:schemeClr val="lt1"/>
-            </a:fontRef>
-          </p:style>
-          <p:txBody>
-            <a:bodyPr wrap="square" rtlCol="0" anchor="ctr">
-              <a:noAutofit/>
-            </a:bodyPr>
-            <a:lstStyle/>
-            <a:p>
-              <a:pPr algn="ctr" defTabSz="457200"/>
-              <a:endParaRPr lang="en-US" sz="1800" kern="1200" dirty="0">
-                <a:solidFill>
-                  <a:prstClr val="white"/>
-                </a:solidFill>
-                <a:latin typeface="Arial Unicode MS" panose="020B0604020202020204" pitchFamily="34" charset="-128"/>
-              </a:endParaRPr>
-            </a:p>
-          </p:txBody>
-        </p:sp>
-        <p:sp>
-          <p:nvSpPr>
-            <p:cNvPr id="26" name="Freeform 33">
-              <a:extLst>
-                <a:ext uri="{FF2B5EF4-FFF2-40B4-BE49-F238E27FC236}">
-                  <a16:creationId xmlns:a16="http://schemas.microsoft.com/office/drawing/2014/main" id="{CC6EB1EB-6974-4FF5-AFB8-15D28118E7D8}"/>
-                </a:ext>
-              </a:extLst>
-            </p:cNvPr>
-            <p:cNvSpPr/>
-            <p:nvPr/>
-          </p:nvSpPr>
-          <p:spPr>
-            <a:xfrm>
-              <a:off x="6515101" y="2828925"/>
-              <a:ext cx="566362" cy="742950"/>
-            </a:xfrm>
-            <a:custGeom>
-              <a:avLst/>
-              <a:gdLst>
-                <a:gd name="connsiteX0" fmla="*/ 371475 w 566362"/>
-                <a:gd name="connsiteY0" fmla="*/ 0 h 742950"/>
-                <a:gd name="connsiteX1" fmla="*/ 516070 w 566362"/>
-                <a:gd name="connsiteY1" fmla="*/ 29192 h 742950"/>
-                <a:gd name="connsiteX2" fmla="*/ 557588 w 566362"/>
-                <a:gd name="connsiteY2" fmla="*/ 51728 h 742950"/>
-                <a:gd name="connsiteX3" fmla="*/ 544780 w 566362"/>
-                <a:gd name="connsiteY3" fmla="*/ 58680 h 742950"/>
-                <a:gd name="connsiteX4" fmla="*/ 381000 w 566362"/>
-                <a:gd name="connsiteY4" fmla="*/ 366713 h 742950"/>
-                <a:gd name="connsiteX5" fmla="*/ 544780 w 566362"/>
-                <a:gd name="connsiteY5" fmla="*/ 674746 h 742950"/>
-                <a:gd name="connsiteX6" fmla="*/ 566362 w 566362"/>
-                <a:gd name="connsiteY6" fmla="*/ 686460 h 742950"/>
-                <a:gd name="connsiteX7" fmla="*/ 516070 w 566362"/>
-                <a:gd name="connsiteY7" fmla="*/ 713758 h 742950"/>
-                <a:gd name="connsiteX8" fmla="*/ 371475 w 566362"/>
-                <a:gd name="connsiteY8" fmla="*/ 742950 h 742950"/>
-                <a:gd name="connsiteX9" fmla="*/ 0 w 566362"/>
-                <a:gd name="connsiteY9" fmla="*/ 371475 h 742950"/>
-                <a:gd name="connsiteX10" fmla="*/ 371475 w 566362"/>
-                <a:gd name="connsiteY10" fmla="*/ 0 h 742950"/>
-              </a:gdLst>
-              <a:ahLst/>
-              <a:cxnLst>
-                <a:cxn ang="0">
-                  <a:pos x="connsiteX0" y="connsiteY0"/>
-                </a:cxn>
-                <a:cxn ang="0">
-                  <a:pos x="connsiteX1" y="connsiteY1"/>
-                </a:cxn>
-                <a:cxn ang="0">
-                  <a:pos x="connsiteX2" y="connsiteY2"/>
-                </a:cxn>
-                <a:cxn ang="0">
-                  <a:pos x="connsiteX3" y="connsiteY3"/>
-                </a:cxn>
-                <a:cxn ang="0">
-                  <a:pos x="connsiteX4" y="connsiteY4"/>
-                </a:cxn>
-                <a:cxn ang="0">
-                  <a:pos x="connsiteX5" y="connsiteY5"/>
-                </a:cxn>
-                <a:cxn ang="0">
-                  <a:pos x="connsiteX6" y="connsiteY6"/>
-                </a:cxn>
-                <a:cxn ang="0">
-                  <a:pos x="connsiteX7" y="connsiteY7"/>
-                </a:cxn>
-                <a:cxn ang="0">
-                  <a:pos x="connsiteX8" y="connsiteY8"/>
-                </a:cxn>
-                <a:cxn ang="0">
-                  <a:pos x="connsiteX9" y="connsiteY9"/>
-                </a:cxn>
-                <a:cxn ang="0">
-                  <a:pos x="connsiteX10" y="connsiteY10"/>
-                </a:cxn>
-              </a:cxnLst>
-              <a:rect l="l" t="t" r="r" b="b"/>
-              <a:pathLst>
-                <a:path w="566362" h="742950">
-                  <a:moveTo>
-                    <a:pt x="371475" y="0"/>
-                  </a:moveTo>
-                  <a:cubicBezTo>
-                    <a:pt x="422765" y="0"/>
-                    <a:pt x="471627" y="10395"/>
-                    <a:pt x="516070" y="29192"/>
-                  </a:cubicBezTo>
-                  <a:lnTo>
-                    <a:pt x="557588" y="51728"/>
-                  </a:lnTo>
-                  <a:lnTo>
-                    <a:pt x="544780" y="58680"/>
-                  </a:lnTo>
-                  <a:cubicBezTo>
-                    <a:pt x="445967" y="125437"/>
-                    <a:pt x="381000" y="238488"/>
-                    <a:pt x="381000" y="366713"/>
-                  </a:cubicBezTo>
-                  <a:cubicBezTo>
-                    <a:pt x="381000" y="494938"/>
-                    <a:pt x="445967" y="607989"/>
-                    <a:pt x="544780" y="674746"/>
-                  </a:cubicBezTo>
-                  <a:lnTo>
-                    <a:pt x="566362" y="686460"/>
-                  </a:lnTo>
-                  <a:lnTo>
-                    <a:pt x="516070" y="713758"/>
-                  </a:lnTo>
-                  <a:cubicBezTo>
-                    <a:pt x="471627" y="732555"/>
-                    <a:pt x="422765" y="742950"/>
-                    <a:pt x="371475" y="742950"/>
-                  </a:cubicBezTo>
-                  <a:cubicBezTo>
-                    <a:pt x="166315" y="742950"/>
-                    <a:pt x="0" y="576635"/>
-                    <a:pt x="0" y="371475"/>
-                  </a:cubicBezTo>
-                  <a:cubicBezTo>
-                    <a:pt x="0" y="166315"/>
-                    <a:pt x="166315" y="0"/>
-                    <a:pt x="371475" y="0"/>
-                  </a:cubicBezTo>
-                  <a:close/>
-                </a:path>
-              </a:pathLst>
-            </a:custGeom>
-            <a:solidFill>
-              <a:schemeClr val="accent1"/>
-            </a:solidFill>
-          </p:spPr>
-          <p:style>
-            <a:lnRef idx="2">
-              <a:schemeClr val="accent1">
-                <a:shade val="50000"/>
-              </a:schemeClr>
-            </a:lnRef>
-            <a:fillRef idx="1">
-              <a:schemeClr val="accent1"/>
-            </a:fillRef>
-            <a:effectRef idx="0">
-              <a:schemeClr val="accent1"/>
-            </a:effectRef>
-            <a:fontRef idx="minor">
-              <a:schemeClr val="lt1"/>
-            </a:fontRef>
-          </p:style>
-          <p:txBody>
-            <a:bodyPr wrap="square" rtlCol="0" anchor="ctr">
-              <a:noAutofit/>
-            </a:bodyPr>
-            <a:lstStyle/>
-            <a:p>
-              <a:pPr algn="ctr" defTabSz="457200"/>
-              <a:endParaRPr lang="en-US" sz="1800" kern="1200" dirty="0">
-                <a:solidFill>
-                  <a:prstClr val="white"/>
-                </a:solidFill>
-                <a:latin typeface="Arial Unicode MS" panose="020B0604020202020204" pitchFamily="34" charset="-128"/>
-              </a:endParaRPr>
-            </a:p>
-          </p:txBody>
-        </p:sp>
-      </p:grpSp>
-      <p:sp>
-        <p:nvSpPr>
-          <p:cNvPr id="27" name="TextBox 26">
-            <a:extLst>
-              <a:ext uri="{FF2B5EF4-FFF2-40B4-BE49-F238E27FC236}">
-                <a16:creationId xmlns:a16="http://schemas.microsoft.com/office/drawing/2014/main" id="{EA4888E1-ED60-4A19-A199-9F95694F7409}"/>
-              </a:ext>
-            </a:extLst>
-          </p:cNvPr>
-          <p:cNvSpPr txBox="1"/>
-          <p:nvPr/>
-        </p:nvSpPr>
-        <p:spPr>
-          <a:xfrm rot="19379462">
-            <a:off x="4491438" y="4839820"/>
-            <a:ext cx="532518" cy="307777"/>
-          </a:xfrm>
-          <a:prstGeom prst="rect">
-            <a:avLst/>
-          </a:prstGeom>
-          <a:noFill/>
-        </p:spPr>
-        <p:txBody>
-          <a:bodyPr wrap="none" rtlCol="0">
-            <a:spAutoFit/>
-          </a:bodyPr>
-          <a:lstStyle/>
-          <a:p>
-            <a:pPr defTabSz="457200"/>
-            <a:r>
-              <a:rPr lang="en-US" sz="1400" dirty="0">
-                <a:solidFill>
-                  <a:prstClr val="black"/>
-                </a:solidFill>
-                <a:latin typeface="Arial Unicode MS" panose="020B0604020202020204" pitchFamily="34" charset="-128"/>
-                <a:ea typeface="Arial Unicode MS" panose="020B0604020202020204" pitchFamily="34" charset="-128"/>
-                <a:cs typeface="Arial Unicode MS" panose="020B0604020202020204" pitchFamily="34" charset="-128"/>
-              </a:rPr>
-              <a:t>T</a:t>
-            </a:r>
-            <a:r>
-              <a:rPr lang="en-US" sz="1400" kern="1200" dirty="0">
-                <a:solidFill>
-                  <a:prstClr val="black"/>
-                </a:solidFill>
-                <a:latin typeface="Arial Unicode MS" panose="020B0604020202020204" pitchFamily="34" charset="-128"/>
-                <a:ea typeface="Arial Unicode MS" panose="020B0604020202020204" pitchFamily="34" charset="-128"/>
-                <a:cs typeface="Arial Unicode MS" panose="020B0604020202020204" pitchFamily="34" charset="-128"/>
-              </a:rPr>
-              <a:t>ext</a:t>
-            </a:r>
-          </a:p>
-        </p:txBody>
-      </p:sp>
-      <p:sp>
-        <p:nvSpPr>
-          <p:cNvPr id="28" name="TextBox 27">
-            <a:extLst>
-              <a:ext uri="{FF2B5EF4-FFF2-40B4-BE49-F238E27FC236}">
-                <a16:creationId xmlns:a16="http://schemas.microsoft.com/office/drawing/2014/main" id="{4DF17764-2885-44A3-B581-4ACF181B5058}"/>
-              </a:ext>
-            </a:extLst>
-          </p:cNvPr>
-          <p:cNvSpPr txBox="1"/>
-          <p:nvPr/>
-        </p:nvSpPr>
-        <p:spPr>
-          <a:xfrm rot="2816421">
-            <a:off x="5778230" y="4664530"/>
-            <a:ext cx="1040670" cy="523220"/>
-          </a:xfrm>
-          <a:prstGeom prst="rect">
-            <a:avLst/>
-          </a:prstGeom>
-          <a:noFill/>
-        </p:spPr>
-        <p:txBody>
-          <a:bodyPr wrap="none" rtlCol="0">
-            <a:spAutoFit/>
-          </a:bodyPr>
-          <a:lstStyle/>
-          <a:p>
-            <a:pPr algn="ctr" defTabSz="457200"/>
-            <a:r>
-              <a:rPr lang="en-US" sz="1400" kern="1200" dirty="0">
-                <a:solidFill>
-                  <a:prstClr val="black"/>
-                </a:solidFill>
-                <a:latin typeface="Arial Unicode MS" panose="020B0604020202020204" pitchFamily="34" charset="-128"/>
-                <a:ea typeface="Arial Unicode MS" panose="020B0604020202020204" pitchFamily="34" charset="-128"/>
-                <a:cs typeface="Arial Unicode MS" panose="020B0604020202020204" pitchFamily="34" charset="-128"/>
-              </a:rPr>
-              <a:t>Sentiment </a:t>
-            </a:r>
-          </a:p>
-          <a:p>
-            <a:pPr algn="ctr" defTabSz="457200"/>
-            <a:r>
-              <a:rPr lang="en-US" sz="1400" kern="1200" dirty="0">
-                <a:solidFill>
-                  <a:prstClr val="black"/>
-                </a:solidFill>
-                <a:latin typeface="Arial Unicode MS" panose="020B0604020202020204" pitchFamily="34" charset="-128"/>
-                <a:ea typeface="Arial Unicode MS" panose="020B0604020202020204" pitchFamily="34" charset="-128"/>
-                <a:cs typeface="Arial Unicode MS" panose="020B0604020202020204" pitchFamily="34" charset="-128"/>
-              </a:rPr>
-              <a:t>words</a:t>
-            </a:r>
-          </a:p>
-        </p:txBody>
-      </p:sp>
-      <p:cxnSp>
-        <p:nvCxnSpPr>
-          <p:cNvPr id="31" name="Straight Connector 30">
-            <a:extLst>
-              <a:ext uri="{FF2B5EF4-FFF2-40B4-BE49-F238E27FC236}">
-                <a16:creationId xmlns:a16="http://schemas.microsoft.com/office/drawing/2014/main" id="{449336CA-8127-BF44-A48A-36CC0EE8E705}"/>
-              </a:ext>
-            </a:extLst>
-          </p:cNvPr>
-          <p:cNvCxnSpPr/>
-          <p:nvPr/>
-        </p:nvCxnSpPr>
-        <p:spPr>
-          <a:xfrm>
-            <a:off x="6798363" y="6549885"/>
-            <a:ext cx="0" cy="182880"/>
-          </a:xfrm>
-          <a:prstGeom prst="line">
-            <a:avLst/>
-          </a:prstGeom>
-          <a:ln>
-            <a:solidFill>
-              <a:schemeClr val="bg1">
-                <a:lumMod val="85000"/>
-              </a:schemeClr>
-            </a:solidFill>
-          </a:ln>
-        </p:spPr>
-        <p:style>
-          <a:lnRef idx="1">
-            <a:schemeClr val="accent1"/>
-          </a:lnRef>
-          <a:fillRef idx="0">
-            <a:schemeClr val="accent1"/>
-          </a:fillRef>
-          <a:effectRef idx="0">
-            <a:schemeClr val="accent1"/>
-          </a:effectRef>
-          <a:fontRef idx="minor">
-            <a:schemeClr val="tx1"/>
-          </a:fontRef>
-        </p:style>
-      </p:cxnSp>
-      <p:cxnSp>
-        <p:nvCxnSpPr>
-          <p:cNvPr id="32" name="Straight Connector 31">
-            <a:extLst>
-              <a:ext uri="{FF2B5EF4-FFF2-40B4-BE49-F238E27FC236}">
-                <a16:creationId xmlns:a16="http://schemas.microsoft.com/office/drawing/2014/main" id="{4A47626E-DBB5-4F4C-96C2-634956D78584}"/>
-              </a:ext>
-            </a:extLst>
-          </p:cNvPr>
-          <p:cNvCxnSpPr/>
-          <p:nvPr/>
-        </p:nvCxnSpPr>
-        <p:spPr>
-          <a:xfrm>
-            <a:off x="7076661" y="4664763"/>
-            <a:ext cx="182880" cy="0"/>
-          </a:xfrm>
-          <a:prstGeom prst="line">
-            <a:avLst/>
-          </a:prstGeom>
-          <a:ln>
-            <a:solidFill>
-              <a:schemeClr val="bg1">
-                <a:lumMod val="85000"/>
-              </a:schemeClr>
-            </a:solidFill>
-          </a:ln>
-        </p:spPr>
-        <p:style>
-          <a:lnRef idx="1">
-            <a:schemeClr val="accent1"/>
-          </a:lnRef>
-          <a:fillRef idx="0">
-            <a:schemeClr val="accent1"/>
-          </a:fillRef>
-          <a:effectRef idx="0">
-            <a:schemeClr val="accent1"/>
-          </a:effectRef>
-          <a:fontRef idx="minor">
-            <a:schemeClr val="tx1"/>
-          </a:fontRef>
-        </p:style>
-      </p:cxnSp>
-      <p:sp>
-        <p:nvSpPr>
-          <p:cNvPr id="30" name="Rectangle 29">
-            <a:extLst>
-              <a:ext uri="{FF2B5EF4-FFF2-40B4-BE49-F238E27FC236}">
-                <a16:creationId xmlns:a16="http://schemas.microsoft.com/office/drawing/2014/main" id="{36D64566-AE55-F84C-BB60-7BA931312574}"/>
-              </a:ext>
-            </a:extLst>
-          </p:cNvPr>
-          <p:cNvSpPr/>
-          <p:nvPr/>
-        </p:nvSpPr>
-        <p:spPr>
-          <a:xfrm rot="20303227">
-            <a:off x="6598324" y="3033113"/>
-            <a:ext cx="2084007" cy="553998"/>
-          </a:xfrm>
-          <a:prstGeom prst="rect">
-            <a:avLst/>
-          </a:prstGeom>
-          <a:solidFill>
-            <a:schemeClr val="accent6"/>
-          </a:solidFill>
-        </p:spPr>
-        <p:txBody>
-          <a:bodyPr wrap="square">
-            <a:spAutoFit/>
-          </a:bodyPr>
-          <a:lstStyle/>
-          <a:p>
-            <a:pPr defTabSz="457200"/>
-            <a:r>
-              <a:rPr lang="en-US" sz="1000" kern="1200" dirty="0">
-                <a:solidFill>
-                  <a:prstClr val="black"/>
-                </a:solidFill>
-                <a:latin typeface="Consolas" panose="020B0609020204030204" pitchFamily="49" charset="0"/>
-                <a:ea typeface="Arial Unicode MS" panose="020B0604020202020204" pitchFamily="34" charset="-128"/>
-                <a:cs typeface="Consolas" panose="020B0609020204030204" pitchFamily="49" charset="0"/>
-              </a:rPr>
-              <a:t>We use </a:t>
-            </a:r>
-            <a:r>
-              <a:rPr lang="en-US" sz="1000" kern="1200" dirty="0" err="1">
-                <a:solidFill>
-                  <a:prstClr val="black"/>
-                </a:solidFill>
-                <a:latin typeface="Consolas" panose="020B0609020204030204" pitchFamily="49" charset="0"/>
-                <a:ea typeface="Arial Unicode MS" panose="020B0604020202020204" pitchFamily="34" charset="-128"/>
-                <a:cs typeface="Consolas" panose="020B0609020204030204" pitchFamily="49" charset="0"/>
-              </a:rPr>
-              <a:t>cleanCorpus</a:t>
-            </a:r>
-            <a:r>
-              <a:rPr lang="en-US" sz="1000" kern="1200" dirty="0">
-                <a:solidFill>
-                  <a:prstClr val="black"/>
-                </a:solidFill>
-                <a:latin typeface="Consolas" panose="020B0609020204030204" pitchFamily="49" charset="0"/>
-                <a:ea typeface="Arial Unicode MS" panose="020B0604020202020204" pitchFamily="34" charset="-128"/>
-                <a:cs typeface="Consolas" panose="020B0609020204030204" pitchFamily="49" charset="0"/>
-              </a:rPr>
-              <a:t> instead but this is another type of join example.</a:t>
-            </a:r>
-          </a:p>
-        </p:txBody>
-      </p:sp>
-    </p:spTree>
-    <p:extLst>
-      <p:ext uri="{BB962C8B-B14F-4D97-AF65-F5344CB8AC3E}">
-        <p14:creationId xmlns:p14="http://schemas.microsoft.com/office/powerpoint/2010/main" val="1659513833"/>
-      </p:ext>
-    </p:extLst>
-  </p:cSld>
-  <p:clrMapOvr>
-    <a:masterClrMapping/>
-  </p:clrMapOvr>
-  <p:timing>
-    <p:tnLst>
-      <p:par>
-        <p:cTn id="1" dur="indefinite" restart="never" nodeType="tmRoot">
-          <p:childTnLst>
-            <p:seq concurrent="1" nextAc="seek">
-              <p:cTn id="2" dur="indefinite" nodeType="mainSeq">
-                <p:childTnLst>
-                  <p:par>
-                    <p:cTn id="3" fill="hold">
-                      <p:stCondLst>
-                        <p:cond delay="indefinite"/>
-                      </p:stCondLst>
-                      <p:childTnLst>
-                        <p:par>
-                          <p:cTn id="4" fill="hold">
-                            <p:stCondLst>
-                              <p:cond delay="0"/>
-                            </p:stCondLst>
-                            <p:childTnLst>
-                              <p:par>
-                                <p:cTn id="5" presetID="1" presetClass="entr" presetSubtype="0" fill="hold" grpId="0" nodeType="clickEffect">
-                                  <p:stCondLst>
-                                    <p:cond delay="0"/>
-                                  </p:stCondLst>
-                                  <p:childTnLst>
-                                    <p:set>
-                                      <p:cBhvr>
-                                        <p:cTn id="6" dur="1" fill="hold">
-                                          <p:stCondLst>
-                                            <p:cond delay="0"/>
-                                          </p:stCondLst>
-                                        </p:cTn>
-                                        <p:tgtEl>
-                                          <p:spTgt spid="7"/>
-                                        </p:tgtEl>
-                                        <p:attrNameLst>
-                                          <p:attrName>style.visibility</p:attrName>
-                                        </p:attrNameLst>
-                                      </p:cBhvr>
-                                      <p:to>
-                                        <p:strVal val="visible"/>
-                                      </p:to>
-                                    </p:set>
-                                  </p:childTnLst>
-                                </p:cTn>
-                              </p:par>
-                              <p:par>
-                                <p:cTn id="7" presetID="1" presetClass="entr" presetSubtype="0" fill="hold" grpId="0" nodeType="withEffect">
-                                  <p:stCondLst>
-                                    <p:cond delay="0"/>
-                                  </p:stCondLst>
-                                  <p:childTnLst>
-                                    <p:set>
-                                      <p:cBhvr>
-                                        <p:cTn id="8" dur="1" fill="hold">
-                                          <p:stCondLst>
-                                            <p:cond delay="0"/>
-                                          </p:stCondLst>
-                                        </p:cTn>
-                                        <p:tgtEl>
-                                          <p:spTgt spid="9"/>
-                                        </p:tgtEl>
-                                        <p:attrNameLst>
-                                          <p:attrName>style.visibility</p:attrName>
-                                        </p:attrNameLst>
-                                      </p:cBhvr>
-                                      <p:to>
-                                        <p:strVal val="visible"/>
-                                      </p:to>
-                                    </p:set>
-                                  </p:childTnLst>
-                                </p:cTn>
-                              </p:par>
-                              <p:par>
-                                <p:cTn id="9" presetID="1" presetClass="entr" presetSubtype="0" fill="hold" nodeType="withEffect">
-                                  <p:stCondLst>
-                                    <p:cond delay="0"/>
-                                  </p:stCondLst>
-                                  <p:childTnLst>
-                                    <p:set>
-                                      <p:cBhvr>
-                                        <p:cTn id="10" dur="1" fill="hold">
-                                          <p:stCondLst>
-                                            <p:cond delay="0"/>
-                                          </p:stCondLst>
-                                        </p:cTn>
-                                        <p:tgtEl>
-                                          <p:spTgt spid="23"/>
-                                        </p:tgtEl>
-                                        <p:attrNameLst>
-                                          <p:attrName>style.visibility</p:attrName>
-                                        </p:attrNameLst>
-                                      </p:cBhvr>
-                                      <p:to>
-                                        <p:strVal val="visible"/>
-                                      </p:to>
-                                    </p:set>
-                                  </p:childTnLst>
-                                </p:cTn>
-                              </p:par>
-                              <p:par>
-                                <p:cTn id="11" presetID="1" presetClass="entr" presetSubtype="0" fill="hold" grpId="0" nodeType="withEffect">
-                                  <p:stCondLst>
-                                    <p:cond delay="0"/>
-                                  </p:stCondLst>
-                                  <p:childTnLst>
-                                    <p:set>
-                                      <p:cBhvr>
-                                        <p:cTn id="12" dur="1" fill="hold">
-                                          <p:stCondLst>
-                                            <p:cond delay="0"/>
-                                          </p:stCondLst>
-                                        </p:cTn>
-                                        <p:tgtEl>
-                                          <p:spTgt spid="10"/>
-                                        </p:tgtEl>
-                                        <p:attrNameLst>
-                                          <p:attrName>style.visibility</p:attrName>
-                                        </p:attrNameLst>
-                                      </p:cBhvr>
-                                      <p:to>
-                                        <p:strVal val="visible"/>
-                                      </p:to>
-                                    </p:set>
-                                  </p:childTnLst>
-                                </p:cTn>
-                              </p:par>
-                              <p:par>
-                                <p:cTn id="13" presetID="1" presetClass="entr" presetSubtype="0" fill="hold" grpId="0" nodeType="withEffect">
-                                  <p:stCondLst>
-                                    <p:cond delay="0"/>
-                                  </p:stCondLst>
-                                  <p:childTnLst>
-                                    <p:set>
-                                      <p:cBhvr>
-                                        <p:cTn id="14" dur="1" fill="hold">
-                                          <p:stCondLst>
-                                            <p:cond delay="0"/>
-                                          </p:stCondLst>
-                                        </p:cTn>
-                                        <p:tgtEl>
-                                          <p:spTgt spid="8"/>
-                                        </p:tgtEl>
-                                        <p:attrNameLst>
-                                          <p:attrName>style.visibility</p:attrName>
-                                        </p:attrNameLst>
-                                      </p:cBhvr>
-                                      <p:to>
-                                        <p:strVal val="visible"/>
-                                      </p:to>
-                                    </p:set>
-                                  </p:childTnLst>
-                                </p:cTn>
-                              </p:par>
-                            </p:childTnLst>
-                          </p:cTn>
-                        </p:par>
-                      </p:childTnLst>
-                    </p:cTn>
-                  </p:par>
-                  <p:par>
-                    <p:cTn id="15" fill="hold">
-                      <p:stCondLst>
-                        <p:cond delay="indefinite"/>
-                      </p:stCondLst>
-                      <p:childTnLst>
-                        <p:par>
-                          <p:cTn id="16" fill="hold">
-                            <p:stCondLst>
-                              <p:cond delay="0"/>
-                            </p:stCondLst>
-                            <p:childTnLst>
-                              <p:par>
-                                <p:cTn id="17" presetID="1" presetClass="entr" presetSubtype="0" fill="hold" grpId="1" nodeType="clickEffect">
-                                  <p:stCondLst>
-                                    <p:cond delay="0"/>
-                                  </p:stCondLst>
-                                  <p:childTnLst>
-                                    <p:set>
-                                      <p:cBhvr>
-                                        <p:cTn id="18" dur="1" fill="hold">
-                                          <p:stCondLst>
-                                            <p:cond delay="0"/>
-                                          </p:stCondLst>
-                                        </p:cTn>
-                                        <p:tgtEl>
-                                          <p:spTgt spid="30"/>
-                                        </p:tgtEl>
-                                        <p:attrNameLst>
-                                          <p:attrName>style.visibility</p:attrName>
-                                        </p:attrNameLst>
-                                      </p:cBhvr>
-                                      <p:to>
-                                        <p:strVal val="visible"/>
-                                      </p:to>
-                                    </p:set>
-                                  </p:childTnLst>
-                                </p:cTn>
-                              </p:par>
-                            </p:childTnLst>
-                          </p:cTn>
-                        </p:par>
-                      </p:childTnLst>
-                    </p:cTn>
-                  </p:par>
-                  <p:par>
-                    <p:cTn id="19" fill="hold">
-                      <p:stCondLst>
-                        <p:cond delay="indefinite"/>
-                      </p:stCondLst>
-                      <p:childTnLst>
-                        <p:par>
-                          <p:cTn id="20" fill="hold">
-                            <p:stCondLst>
-                              <p:cond delay="0"/>
-                            </p:stCondLst>
-                            <p:childTnLst>
-                              <p:par>
-                                <p:cTn id="21" presetID="1" presetClass="entr" presetSubtype="0" fill="hold" grpId="0" nodeType="clickEffect">
-                                  <p:stCondLst>
-                                    <p:cond delay="0"/>
-                                  </p:stCondLst>
-                                  <p:childTnLst>
-                                    <p:set>
-                                      <p:cBhvr>
-                                        <p:cTn id="22" dur="1" fill="hold">
-                                          <p:stCondLst>
-                                            <p:cond delay="0"/>
-                                          </p:stCondLst>
-                                        </p:cTn>
-                                        <p:tgtEl>
-                                          <p:spTgt spid="11"/>
-                                        </p:tgtEl>
-                                        <p:attrNameLst>
-                                          <p:attrName>style.visibility</p:attrName>
-                                        </p:attrNameLst>
-                                      </p:cBhvr>
-                                      <p:to>
-                                        <p:strVal val="visible"/>
-                                      </p:to>
-                                    </p:set>
-                                  </p:childTnLst>
-                                </p:cTn>
-                              </p:par>
-                              <p:par>
-                                <p:cTn id="23" presetID="1" presetClass="entr" presetSubtype="0" fill="hold" grpId="0" nodeType="withEffect">
-                                  <p:stCondLst>
-                                    <p:cond delay="0"/>
-                                  </p:stCondLst>
-                                  <p:childTnLst>
-                                    <p:set>
-                                      <p:cBhvr>
-                                        <p:cTn id="24" dur="1" fill="hold">
-                                          <p:stCondLst>
-                                            <p:cond delay="0"/>
-                                          </p:stCondLst>
-                                        </p:cTn>
-                                        <p:tgtEl>
-                                          <p:spTgt spid="27"/>
-                                        </p:tgtEl>
-                                        <p:attrNameLst>
-                                          <p:attrName>style.visibility</p:attrName>
-                                        </p:attrNameLst>
-                                      </p:cBhvr>
-                                      <p:to>
-                                        <p:strVal val="visible"/>
-                                      </p:to>
-                                    </p:set>
-                                  </p:childTnLst>
-                                </p:cTn>
-                              </p:par>
-                              <p:par>
-                                <p:cTn id="25" presetID="1" presetClass="entr" presetSubtype="0" fill="hold" nodeType="withEffect">
-                                  <p:stCondLst>
-                                    <p:cond delay="0"/>
-                                  </p:stCondLst>
-                                  <p:childTnLst>
-                                    <p:set>
-                                      <p:cBhvr>
-                                        <p:cTn id="26" dur="1" fill="hold">
-                                          <p:stCondLst>
-                                            <p:cond delay="0"/>
-                                          </p:stCondLst>
-                                        </p:cTn>
-                                        <p:tgtEl>
-                                          <p:spTgt spid="18"/>
-                                        </p:tgtEl>
-                                        <p:attrNameLst>
-                                          <p:attrName>style.visibility</p:attrName>
-                                        </p:attrNameLst>
-                                      </p:cBhvr>
-                                      <p:to>
-                                        <p:strVal val="visible"/>
-                                      </p:to>
-                                    </p:set>
-                                  </p:childTnLst>
-                                </p:cTn>
-                              </p:par>
-                              <p:par>
-                                <p:cTn id="27" presetID="1" presetClass="entr" presetSubtype="0" fill="hold" grpId="0" nodeType="withEffect">
-                                  <p:stCondLst>
-                                    <p:cond delay="0"/>
-                                  </p:stCondLst>
-                                  <p:childTnLst>
-                                    <p:set>
-                                      <p:cBhvr>
-                                        <p:cTn id="28" dur="1" fill="hold">
-                                          <p:stCondLst>
-                                            <p:cond delay="0"/>
-                                          </p:stCondLst>
-                                        </p:cTn>
-                                        <p:tgtEl>
-                                          <p:spTgt spid="28"/>
-                                        </p:tgtEl>
-                                        <p:attrNameLst>
-                                          <p:attrName>style.visibility</p:attrName>
-                                        </p:attrNameLst>
-                                      </p:cBhvr>
-                                      <p:to>
-                                        <p:strVal val="visible"/>
-                                      </p:to>
-                                    </p:set>
-                                  </p:childTnLst>
-                                </p:cTn>
-                              </p:par>
-                              <p:par>
-                                <p:cTn id="29" presetID="1" presetClass="entr" presetSubtype="0" fill="hold" grpId="0" nodeType="withEffect">
-                                  <p:stCondLst>
-                                    <p:cond delay="0"/>
-                                  </p:stCondLst>
-                                  <p:childTnLst>
-                                    <p:set>
-                                      <p:cBhvr>
-                                        <p:cTn id="30" dur="1" fill="hold">
-                                          <p:stCondLst>
-                                            <p:cond delay="0"/>
-                                          </p:stCondLst>
-                                        </p:cTn>
-                                        <p:tgtEl>
-                                          <p:spTgt spid="22"/>
-                                        </p:tgtEl>
-                                        <p:attrNameLst>
-                                          <p:attrName>style.visibility</p:attrName>
-                                        </p:attrNameLst>
-                                      </p:cBhvr>
-                                      <p:to>
-                                        <p:strVal val="visible"/>
-                                      </p:to>
-                                    </p:set>
-                                  </p:childTnLst>
-                                </p:cTn>
-                              </p:par>
-                            </p:childTnLst>
-                          </p:cTn>
-                        </p:par>
-                      </p:childTnLst>
-                    </p:cTn>
-                  </p:par>
-                </p:childTnLst>
-              </p:cTn>
-              <p:prevCondLst>
-                <p:cond evt="onPrev" delay="0">
-                  <p:tgtEl>
-                    <p:sldTgt/>
-                  </p:tgtEl>
-                </p:cond>
-              </p:prevCondLst>
-              <p:nextCondLst>
-                <p:cond evt="onNext" delay="0">
-                  <p:tgtEl>
-                    <p:sldTgt/>
-                  </p:tgtEl>
-                </p:cond>
-              </p:nextCondLst>
-            </p:seq>
-          </p:childTnLst>
-        </p:cTn>
-      </p:par>
-    </p:tnLst>
-    <p:bldLst>
-      <p:bldP spid="7" grpId="0" animBg="1"/>
-      <p:bldP spid="8" grpId="0" animBg="1"/>
-      <p:bldP spid="9" grpId="0"/>
-      <p:bldP spid="10" grpId="0"/>
-      <p:bldP spid="11" grpId="0" animBg="1"/>
-      <p:bldP spid="22" grpId="0" animBg="1"/>
-      <p:bldP spid="27" grpId="0"/>
-      <p:bldP spid="28" grpId="0"/>
-      <p:bldP spid="30" grpId="1" animBg="1"/>
-    </p:bldLst>
-  </p:timing>
-</p:sld>
-</file>
-
-<file path=ppt/slides/slide13.xml><?xml version="1.0" encoding="utf-8"?>
-<p:sld xmlns:a="http://schemas.openxmlformats.org/drawingml/2006/main" xmlns:r="http://schemas.openxmlformats.org/officeDocument/2006/relationships" xmlns:p="http://schemas.openxmlformats.org/presentationml/2006/main">
-  <p:cSld>
-    <p:spTree>
-      <p:nvGrpSpPr>
-        <p:cNvPr id="1" name=""/>
-        <p:cNvGrpSpPr/>
-        <p:nvPr/>
-      </p:nvGrpSpPr>
-      <p:grpSpPr>
-        <a:xfrm>
-          <a:off x="0" y="0"/>
-          <a:ext cx="0" cy="0"/>
-          <a:chOff x="0" y="0"/>
-          <a:chExt cx="0" cy="0"/>
-        </a:xfrm>
-      </p:grpSpPr>
-      <p:sp>
-        <p:nvSpPr>
-          <p:cNvPr id="2" name="Date Placeholder 1"/>
-          <p:cNvSpPr>
-            <a:spLocks noGrp="1"/>
-          </p:cNvSpPr>
-          <p:nvPr>
-            <p:ph type="dt" sz="half" idx="10"/>
-          </p:nvPr>
-        </p:nvSpPr>
-        <p:spPr/>
-        <p:txBody>
-          <a:bodyPr/>
-          <a:lstStyle/>
-          <a:p>
-            <a:fld id="{6700A58B-DD98-43D0-B791-721480A02982}" type="datetime1">
-              <a:rPr lang="en-US" smtClean="0"/>
-              <a:t>3/1/21</a:t>
-            </a:fld>
-            <a:endParaRPr lang="en-US"/>
-          </a:p>
-        </p:txBody>
-      </p:sp>
-      <p:sp>
-        <p:nvSpPr>
-          <p:cNvPr id="3" name="Title 2"/>
-          <p:cNvSpPr>
-            <a:spLocks noGrp="1"/>
-          </p:cNvSpPr>
-          <p:nvPr>
-            <p:ph type="title"/>
-          </p:nvPr>
-        </p:nvSpPr>
-        <p:spPr/>
-        <p:txBody>
-          <a:bodyPr/>
-          <a:lstStyle/>
-          <a:p>
-            <a:r>
-              <a:rPr lang="en-US" dirty="0"/>
-              <a:t>Starting with a DTM, its straightforward</a:t>
-            </a:r>
-          </a:p>
-        </p:txBody>
-      </p:sp>
-      <p:sp>
-        <p:nvSpPr>
-          <p:cNvPr id="4" name="Footer Placeholder 3"/>
-          <p:cNvSpPr>
-            <a:spLocks noGrp="1"/>
-          </p:cNvSpPr>
-          <p:nvPr>
-            <p:ph type="ftr" sz="quarter" idx="3"/>
-          </p:nvPr>
-        </p:nvSpPr>
-        <p:spPr/>
-        <p:txBody>
-          <a:bodyPr/>
-          <a:lstStyle/>
-          <a:p>
-            <a:r>
-              <a:rPr lang="en-US"/>
-              <a:t>Kwartler</a:t>
-            </a:r>
-            <a:endParaRPr lang="en-US" dirty="0"/>
-          </a:p>
-        </p:txBody>
-      </p:sp>
-      <p:sp>
-        <p:nvSpPr>
-          <p:cNvPr id="5" name="Slide Number Placeholder 4"/>
-          <p:cNvSpPr>
-            <a:spLocks noGrp="1"/>
-          </p:cNvSpPr>
-          <p:nvPr>
-            <p:ph type="sldNum" sz="quarter" idx="4"/>
-          </p:nvPr>
-        </p:nvSpPr>
-        <p:spPr/>
-        <p:txBody>
-          <a:bodyPr/>
-          <a:lstStyle/>
-          <a:p>
-            <a:fld id="{37290FF7-652B-4475-AEAB-8B1A5D23AE09}" type="slidenum">
-              <a:rPr lang="en-US" smtClean="0"/>
-              <a:pPr/>
-              <a:t>13</a:t>
             </a:fld>
             <a:endParaRPr lang="en-US" dirty="0"/>
           </a:p>
@@ -9818,7 +6102,7 @@
 </p:sld>
 </file>
 
-<file path=ppt/slides/slide14.xml><?xml version="1.0" encoding="utf-8"?>
+<file path=ppt/slides/slide11.xml><?xml version="1.0" encoding="utf-8"?>
 <p:sld xmlns:a="http://schemas.openxmlformats.org/drawingml/2006/main" xmlns:r="http://schemas.openxmlformats.org/officeDocument/2006/relationships" xmlns:p="http://schemas.openxmlformats.org/presentationml/2006/main">
   <p:cSld>
     <p:spTree>
@@ -9852,7 +6136,7 @@
           <a:p>
             <a:fld id="{6700A58B-DD98-43D0-B791-721480A02982}" type="datetime1">
               <a:rPr lang="en-US" smtClean="0"/>
-              <a:t>3/1/21</a:t>
+              <a:t>1/19/22</a:t>
             </a:fld>
             <a:endParaRPr lang="en-US"/>
           </a:p>
@@ -9921,7 +6205,7 @@
             <a:fld id="{37290FF7-652B-4475-AEAB-8B1A5D23AE09}" type="slidenum">
               <a:rPr lang="en-US" smtClean="0"/>
               <a:pPr/>
-              <a:t>14</a:t>
+              <a:t>11</a:t>
             </a:fld>
             <a:endParaRPr lang="en-US" dirty="0"/>
           </a:p>
@@ -9936,7 +6220,7 @@
         <p:spPr>
           <a:xfrm>
             <a:off x="5265683" y="2427890"/>
-            <a:ext cx="2897012" cy="369332"/>
+            <a:ext cx="3334631" cy="369332"/>
           </a:xfrm>
           <a:prstGeom prst="rect">
             <a:avLst/>
@@ -9955,7 +6239,7 @@
             </a:r>
             <a:r>
               <a:rPr lang="en-US" dirty="0" err="1"/>
-              <a:t>G_sentimentAnalysis.R</a:t>
+              <a:t>E_tidy_sentimentAnalysis.R</a:t>
             </a:r>
             <a:endParaRPr lang="en-US" dirty="0"/>
           </a:p>
@@ -10099,7 +6383,7 @@
 </p:sld>
 </file>
 
-<file path=ppt/slides/slide15.xml><?xml version="1.0" encoding="utf-8"?>
+<file path=ppt/slides/slide12.xml><?xml version="1.0" encoding="utf-8"?>
 <p:sld xmlns:a="http://schemas.openxmlformats.org/drawingml/2006/main" xmlns:r="http://schemas.openxmlformats.org/officeDocument/2006/relationships" xmlns:p="http://schemas.openxmlformats.org/presentationml/2006/main">
   <p:cSld>
     <p:spTree>
@@ -10133,7 +6417,7 @@
           <a:p>
             <a:fld id="{6700A58B-DD98-43D0-B791-721480A02982}" type="datetime1">
               <a:rPr lang="en-US" smtClean="0"/>
-              <a:t>3/1/21</a:t>
+              <a:t>1/19/22</a:t>
             </a:fld>
             <a:endParaRPr lang="en-US"/>
           </a:p>
@@ -10210,7 +6494,7 @@
             <a:fld id="{37290FF7-652B-4475-AEAB-8B1A5D23AE09}" type="slidenum">
               <a:rPr lang="en-US" smtClean="0"/>
               <a:pPr/>
-              <a:t>15</a:t>
+              <a:t>12</a:t>
             </a:fld>
             <a:endParaRPr lang="en-US" dirty="0"/>
           </a:p>
@@ -10400,845 +6684,6 @@
       </p:grpSpPr>
       <p:sp>
         <p:nvSpPr>
-          <p:cNvPr id="2" name="Title 1">
-            <a:extLst>
-              <a:ext uri="{FF2B5EF4-FFF2-40B4-BE49-F238E27FC236}">
-                <a16:creationId xmlns:a16="http://schemas.microsoft.com/office/drawing/2014/main" id="{BCE079C5-5ED8-1645-B290-16D371A41F49}"/>
-              </a:ext>
-            </a:extLst>
-          </p:cNvPr>
-          <p:cNvSpPr>
-            <a:spLocks noGrp="1"/>
-          </p:cNvSpPr>
-          <p:nvPr>
-            <p:ph type="title"/>
-          </p:nvPr>
-        </p:nvSpPr>
-        <p:spPr/>
-        <p:txBody>
-          <a:bodyPr/>
-          <a:lstStyle/>
-          <a:p>
-            <a:r>
-              <a:rPr lang="en-US" dirty="0"/>
-              <a:t>How should you deal with emojis?</a:t>
-            </a:r>
-          </a:p>
-        </p:txBody>
-      </p:sp>
-      <p:sp>
-        <p:nvSpPr>
-          <p:cNvPr id="3" name="Content Placeholder 2">
-            <a:extLst>
-              <a:ext uri="{FF2B5EF4-FFF2-40B4-BE49-F238E27FC236}">
-                <a16:creationId xmlns:a16="http://schemas.microsoft.com/office/drawing/2014/main" id="{06AC4E70-6D0B-504C-90C3-931E0C1365A9}"/>
-              </a:ext>
-            </a:extLst>
-          </p:cNvPr>
-          <p:cNvSpPr>
-            <a:spLocks noGrp="1"/>
-          </p:cNvSpPr>
-          <p:nvPr>
-            <p:ph idx="1"/>
-          </p:nvPr>
-        </p:nvSpPr>
-        <p:spPr/>
-        <p:txBody>
-          <a:bodyPr/>
-          <a:lstStyle/>
-          <a:p>
-            <a:pPr marL="0" indent="0">
-              <a:buNone/>
-            </a:pPr>
-            <a:r>
-              <a:rPr lang="en-US" dirty="0"/>
-              <a:t>Options to deal with Emoji</a:t>
-            </a:r>
-          </a:p>
-          <a:p>
-            <a:r>
-              <a:rPr lang="en-US" dirty="0"/>
-              <a:t>Ignore, odd characters will show up, usually low frequency</a:t>
-            </a:r>
-          </a:p>
-          <a:p>
-            <a:r>
-              <a:rPr lang="en-US" dirty="0"/>
-              <a:t>Remove these unknown characters</a:t>
-            </a:r>
-          </a:p>
-          <a:p>
-            <a:r>
-              <a:rPr lang="en-US" dirty="0"/>
-              <a:t>Substitute for known text that can be analyzed</a:t>
-            </a:r>
-          </a:p>
-          <a:p>
-            <a:endParaRPr lang="en-US" dirty="0"/>
-          </a:p>
-          <a:p>
-            <a:r>
-              <a:rPr lang="en-US" dirty="0"/>
-              <a:t>Open </a:t>
-            </a:r>
-            <a:r>
-              <a:rPr lang="en-US" dirty="0" err="1"/>
-              <a:t>D_Dealing_W_Emoji.R</a:t>
-            </a:r>
-            <a:endParaRPr lang="en-US" dirty="0"/>
-          </a:p>
-        </p:txBody>
-      </p:sp>
-      <p:sp>
-        <p:nvSpPr>
-          <p:cNvPr id="4" name="Date Placeholder 3">
-            <a:extLst>
-              <a:ext uri="{FF2B5EF4-FFF2-40B4-BE49-F238E27FC236}">
-                <a16:creationId xmlns:a16="http://schemas.microsoft.com/office/drawing/2014/main" id="{9662A04E-A2FB-194F-A6DD-B3F0552CE782}"/>
-              </a:ext>
-            </a:extLst>
-          </p:cNvPr>
-          <p:cNvSpPr>
-            <a:spLocks noGrp="1"/>
-          </p:cNvSpPr>
-          <p:nvPr>
-            <p:ph type="dt" sz="half" idx="10"/>
-          </p:nvPr>
-        </p:nvSpPr>
-        <p:spPr/>
-        <p:txBody>
-          <a:bodyPr/>
-          <a:lstStyle/>
-          <a:p>
-            <a:fld id="{D753EFC8-4232-4598-94F6-94C0EBAFC469}" type="datetime1">
-              <a:rPr lang="en-US" smtClean="0"/>
-              <a:t>3/1/21</a:t>
-            </a:fld>
-            <a:endParaRPr lang="en-US"/>
-          </a:p>
-        </p:txBody>
-      </p:sp>
-      <p:sp>
-        <p:nvSpPr>
-          <p:cNvPr id="5" name="Footer Placeholder 4">
-            <a:extLst>
-              <a:ext uri="{FF2B5EF4-FFF2-40B4-BE49-F238E27FC236}">
-                <a16:creationId xmlns:a16="http://schemas.microsoft.com/office/drawing/2014/main" id="{FD37FC3F-0114-C346-9BE7-B0EBDFFC1290}"/>
-              </a:ext>
-            </a:extLst>
-          </p:cNvPr>
-          <p:cNvSpPr>
-            <a:spLocks noGrp="1"/>
-          </p:cNvSpPr>
-          <p:nvPr>
-            <p:ph type="ftr" sz="quarter" idx="3"/>
-          </p:nvPr>
-        </p:nvSpPr>
-        <p:spPr/>
-        <p:txBody>
-          <a:bodyPr/>
-          <a:lstStyle/>
-          <a:p>
-            <a:r>
-              <a:rPr lang="en-US"/>
-              <a:t>Kwartler</a:t>
-            </a:r>
-            <a:endParaRPr lang="en-US" dirty="0"/>
-          </a:p>
-        </p:txBody>
-      </p:sp>
-      <p:sp>
-        <p:nvSpPr>
-          <p:cNvPr id="6" name="Slide Number Placeholder 5">
-            <a:extLst>
-              <a:ext uri="{FF2B5EF4-FFF2-40B4-BE49-F238E27FC236}">
-                <a16:creationId xmlns:a16="http://schemas.microsoft.com/office/drawing/2014/main" id="{FE8112D0-E053-8B47-A1E1-149514A008A0}"/>
-              </a:ext>
-            </a:extLst>
-          </p:cNvPr>
-          <p:cNvSpPr>
-            <a:spLocks noGrp="1"/>
-          </p:cNvSpPr>
-          <p:nvPr>
-            <p:ph type="sldNum" sz="quarter" idx="4"/>
-          </p:nvPr>
-        </p:nvSpPr>
-        <p:spPr/>
-        <p:txBody>
-          <a:bodyPr/>
-          <a:lstStyle/>
-          <a:p>
-            <a:fld id="{37290FF7-652B-4475-AEAB-8B1A5D23AE09}" type="slidenum">
-              <a:rPr lang="en-US" smtClean="0"/>
-              <a:pPr/>
-              <a:t>2</a:t>
-            </a:fld>
-            <a:endParaRPr lang="en-US" dirty="0"/>
-          </a:p>
-        </p:txBody>
-      </p:sp>
-      <p:pic>
-        <p:nvPicPr>
-          <p:cNvPr id="1028" name="Picture 4" descr="I may not text all the time, but when I do I overuse emojis and write too  much! - MIND BLOWN CAT | Meme Generator">
-            <a:extLst>
-              <a:ext uri="{FF2B5EF4-FFF2-40B4-BE49-F238E27FC236}">
-                <a16:creationId xmlns:a16="http://schemas.microsoft.com/office/drawing/2014/main" id="{559F27A8-50E7-D64A-81E2-13A9C0D77E06}"/>
-              </a:ext>
-            </a:extLst>
-          </p:cNvPr>
-          <p:cNvPicPr>
-            <a:picLocks noChangeAspect="1" noChangeArrowheads="1"/>
-          </p:cNvPicPr>
-          <p:nvPr/>
-        </p:nvPicPr>
-        <p:blipFill>
-          <a:blip r:embed="rId2">
-            <a:extLst>
-              <a:ext uri="{28A0092B-C50C-407E-A947-70E740481C1C}">
-                <a14:useLocalDpi xmlns:a14="http://schemas.microsoft.com/office/drawing/2010/main" val="0"/>
-              </a:ext>
-            </a:extLst>
-          </a:blip>
-          <a:srcRect/>
-          <a:stretch>
-            <a:fillRect/>
-          </a:stretch>
-        </p:blipFill>
-        <p:spPr bwMode="auto">
-          <a:xfrm>
-            <a:off x="4206240" y="2742324"/>
-            <a:ext cx="4163060" cy="2970039"/>
-          </a:xfrm>
-          <a:prstGeom prst="rect">
-            <a:avLst/>
-          </a:prstGeom>
-          <a:noFill/>
-          <a:extLst>
-            <a:ext uri="{909E8E84-426E-40DD-AFC4-6F175D3DCCD1}">
-              <a14:hiddenFill xmlns:a14="http://schemas.microsoft.com/office/drawing/2010/main">
-                <a:solidFill>
-                  <a:srgbClr val="FFFFFF"/>
-                </a:solidFill>
-              </a14:hiddenFill>
-            </a:ext>
-          </a:extLst>
-        </p:spPr>
-      </p:pic>
-    </p:spTree>
-    <p:extLst>
-      <p:ext uri="{BB962C8B-B14F-4D97-AF65-F5344CB8AC3E}">
-        <p14:creationId xmlns:p14="http://schemas.microsoft.com/office/powerpoint/2010/main" val="3095787523"/>
-      </p:ext>
-    </p:extLst>
-  </p:cSld>
-  <p:clrMapOvr>
-    <a:masterClrMapping/>
-  </p:clrMapOvr>
-</p:sld>
-</file>
-
-<file path=ppt/slides/slide3.xml><?xml version="1.0" encoding="utf-8"?>
-<p:sld xmlns:a="http://schemas.openxmlformats.org/drawingml/2006/main" xmlns:r="http://schemas.openxmlformats.org/officeDocument/2006/relationships" xmlns:p="http://schemas.openxmlformats.org/presentationml/2006/main">
-  <p:cSld>
-    <p:spTree>
-      <p:nvGrpSpPr>
-        <p:cNvPr id="1" name=""/>
-        <p:cNvGrpSpPr/>
-        <p:nvPr/>
-      </p:nvGrpSpPr>
-      <p:grpSpPr>
-        <a:xfrm>
-          <a:off x="0" y="0"/>
-          <a:ext cx="0" cy="0"/>
-          <a:chOff x="0" y="0"/>
-          <a:chExt cx="0" cy="0"/>
-        </a:xfrm>
-      </p:grpSpPr>
-      <p:sp>
-        <p:nvSpPr>
-          <p:cNvPr id="2" name="Title 1">
-            <a:extLst>
-              <a:ext uri="{FF2B5EF4-FFF2-40B4-BE49-F238E27FC236}">
-                <a16:creationId xmlns:a16="http://schemas.microsoft.com/office/drawing/2014/main" id="{591293B9-3BF9-5842-B5D9-7A69146F92CA}"/>
-              </a:ext>
-            </a:extLst>
-          </p:cNvPr>
-          <p:cNvSpPr>
-            <a:spLocks noGrp="1"/>
-          </p:cNvSpPr>
-          <p:nvPr>
-            <p:ph type="title"/>
-          </p:nvPr>
-        </p:nvSpPr>
-        <p:spPr/>
-        <p:txBody>
-          <a:bodyPr/>
-          <a:lstStyle/>
-          <a:p>
-            <a:r>
-              <a:rPr lang="en-US" dirty="0"/>
-              <a:t>Kind of related…</a:t>
-            </a:r>
-          </a:p>
-        </p:txBody>
-      </p:sp>
-      <p:sp>
-        <p:nvSpPr>
-          <p:cNvPr id="3" name="Content Placeholder 2">
-            <a:extLst>
-              <a:ext uri="{FF2B5EF4-FFF2-40B4-BE49-F238E27FC236}">
-                <a16:creationId xmlns:a16="http://schemas.microsoft.com/office/drawing/2014/main" id="{31CBA323-1457-5941-9324-124E3EEDB62A}"/>
-              </a:ext>
-            </a:extLst>
-          </p:cNvPr>
-          <p:cNvSpPr>
-            <a:spLocks noGrp="1"/>
-          </p:cNvSpPr>
-          <p:nvPr>
-            <p:ph idx="1"/>
-          </p:nvPr>
-        </p:nvSpPr>
-        <p:spPr>
-          <a:xfrm>
-            <a:off x="628650" y="1111347"/>
-            <a:ext cx="7886700" cy="1151793"/>
-          </a:xfrm>
-        </p:spPr>
-        <p:txBody>
-          <a:bodyPr/>
-          <a:lstStyle/>
-          <a:p>
-            <a:r>
-              <a:rPr lang="en-US" dirty="0"/>
-              <a:t>library(politeness)</a:t>
-            </a:r>
-          </a:p>
-          <a:p>
-            <a:pPr lvl="1"/>
-            <a:r>
-              <a:rPr lang="en-US" dirty="0"/>
-              <a:t>Identified “markers” of politeness in text</a:t>
-            </a:r>
-          </a:p>
-          <a:p>
-            <a:pPr lvl="1"/>
-            <a:r>
-              <a:rPr lang="en-US" dirty="0"/>
-              <a:t>Academic Research, may not be broadly applicable</a:t>
-            </a:r>
-          </a:p>
-          <a:p>
-            <a:pPr lvl="1"/>
-            <a:endParaRPr lang="en-US" dirty="0"/>
-          </a:p>
-          <a:p>
-            <a:pPr lvl="1"/>
-            <a:endParaRPr lang="en-US" dirty="0"/>
-          </a:p>
-          <a:p>
-            <a:pPr marL="342900" lvl="1" indent="0">
-              <a:buNone/>
-            </a:pPr>
-            <a:endParaRPr lang="en-US" dirty="0"/>
-          </a:p>
-        </p:txBody>
-      </p:sp>
-      <p:sp>
-        <p:nvSpPr>
-          <p:cNvPr id="4" name="Date Placeholder 3">
-            <a:extLst>
-              <a:ext uri="{FF2B5EF4-FFF2-40B4-BE49-F238E27FC236}">
-                <a16:creationId xmlns:a16="http://schemas.microsoft.com/office/drawing/2014/main" id="{F4DE21D9-C9C5-5F43-BB3A-F782A19B576E}"/>
-              </a:ext>
-            </a:extLst>
-          </p:cNvPr>
-          <p:cNvSpPr>
-            <a:spLocks noGrp="1"/>
-          </p:cNvSpPr>
-          <p:nvPr>
-            <p:ph type="dt" sz="half" idx="10"/>
-          </p:nvPr>
-        </p:nvSpPr>
-        <p:spPr/>
-        <p:txBody>
-          <a:bodyPr/>
-          <a:lstStyle/>
-          <a:p>
-            <a:fld id="{D753EFC8-4232-4598-94F6-94C0EBAFC469}" type="datetime1">
-              <a:rPr lang="en-US" smtClean="0"/>
-              <a:t>3/1/21</a:t>
-            </a:fld>
-            <a:endParaRPr lang="en-US"/>
-          </a:p>
-        </p:txBody>
-      </p:sp>
-      <p:sp>
-        <p:nvSpPr>
-          <p:cNvPr id="5" name="Footer Placeholder 4">
-            <a:extLst>
-              <a:ext uri="{FF2B5EF4-FFF2-40B4-BE49-F238E27FC236}">
-                <a16:creationId xmlns:a16="http://schemas.microsoft.com/office/drawing/2014/main" id="{6C6B3830-0327-6D4B-A124-66FDC27BF1BE}"/>
-              </a:ext>
-            </a:extLst>
-          </p:cNvPr>
-          <p:cNvSpPr>
-            <a:spLocks noGrp="1"/>
-          </p:cNvSpPr>
-          <p:nvPr>
-            <p:ph type="ftr" sz="quarter" idx="3"/>
-          </p:nvPr>
-        </p:nvSpPr>
-        <p:spPr/>
-        <p:txBody>
-          <a:bodyPr/>
-          <a:lstStyle/>
-          <a:p>
-            <a:r>
-              <a:rPr lang="en-US"/>
-              <a:t>Kwartler</a:t>
-            </a:r>
-            <a:endParaRPr lang="en-US" dirty="0"/>
-          </a:p>
-        </p:txBody>
-      </p:sp>
-      <p:sp>
-        <p:nvSpPr>
-          <p:cNvPr id="6" name="Slide Number Placeholder 5">
-            <a:extLst>
-              <a:ext uri="{FF2B5EF4-FFF2-40B4-BE49-F238E27FC236}">
-                <a16:creationId xmlns:a16="http://schemas.microsoft.com/office/drawing/2014/main" id="{5B33E15F-5C48-8348-A184-4BCC9872204B}"/>
-              </a:ext>
-            </a:extLst>
-          </p:cNvPr>
-          <p:cNvSpPr>
-            <a:spLocks noGrp="1"/>
-          </p:cNvSpPr>
-          <p:nvPr>
-            <p:ph type="sldNum" sz="quarter" idx="4"/>
-          </p:nvPr>
-        </p:nvSpPr>
-        <p:spPr/>
-        <p:txBody>
-          <a:bodyPr/>
-          <a:lstStyle/>
-          <a:p>
-            <a:fld id="{37290FF7-652B-4475-AEAB-8B1A5D23AE09}" type="slidenum">
-              <a:rPr lang="en-US" smtClean="0"/>
-              <a:pPr/>
-              <a:t>3</a:t>
-            </a:fld>
-            <a:endParaRPr lang="en-US" dirty="0"/>
-          </a:p>
-        </p:txBody>
-      </p:sp>
-      <p:sp>
-        <p:nvSpPr>
-          <p:cNvPr id="7" name="Left-Right Arrow 6">
-            <a:extLst>
-              <a:ext uri="{FF2B5EF4-FFF2-40B4-BE49-F238E27FC236}">
-                <a16:creationId xmlns:a16="http://schemas.microsoft.com/office/drawing/2014/main" id="{785F5D22-F3FA-3840-81DB-62B14B76AEDE}"/>
-              </a:ext>
-            </a:extLst>
-          </p:cNvPr>
-          <p:cNvSpPr/>
-          <p:nvPr/>
-        </p:nvSpPr>
-        <p:spPr>
-          <a:xfrm>
-            <a:off x="720090" y="3566160"/>
-            <a:ext cx="7292340" cy="777240"/>
-          </a:xfrm>
-          <a:prstGeom prst="leftRightArrow">
-            <a:avLst/>
-          </a:prstGeom>
-          <a:solidFill>
-            <a:schemeClr val="accent2"/>
-          </a:solidFill>
-          <a:ln>
-            <a:noFill/>
-          </a:ln>
-        </p:spPr>
-        <p:style>
-          <a:lnRef idx="2">
-            <a:schemeClr val="accent1">
-              <a:shade val="50000"/>
-            </a:schemeClr>
-          </a:lnRef>
-          <a:fillRef idx="1">
-            <a:schemeClr val="accent1"/>
-          </a:fillRef>
-          <a:effectRef idx="0">
-            <a:schemeClr val="accent1"/>
-          </a:effectRef>
-          <a:fontRef idx="minor">
-            <a:schemeClr val="lt1"/>
-          </a:fontRef>
-        </p:style>
-        <p:txBody>
-          <a:bodyPr rtlCol="0" anchor="ctr"/>
-          <a:lstStyle/>
-          <a:p>
-            <a:pPr algn="ctr"/>
-            <a:endParaRPr lang="en-US"/>
-          </a:p>
-        </p:txBody>
-      </p:sp>
-      <p:sp>
-        <p:nvSpPr>
-          <p:cNvPr id="8" name="TextBox 7">
-            <a:extLst>
-              <a:ext uri="{FF2B5EF4-FFF2-40B4-BE49-F238E27FC236}">
-                <a16:creationId xmlns:a16="http://schemas.microsoft.com/office/drawing/2014/main" id="{A4249520-57C2-DA46-9192-B0E97C17E7C4}"/>
-              </a:ext>
-            </a:extLst>
-          </p:cNvPr>
-          <p:cNvSpPr txBox="1"/>
-          <p:nvPr/>
-        </p:nvSpPr>
-        <p:spPr>
-          <a:xfrm>
-            <a:off x="302764" y="2949980"/>
-            <a:ext cx="834652" cy="369332"/>
-          </a:xfrm>
-          <a:prstGeom prst="rect">
-            <a:avLst/>
-          </a:prstGeom>
-          <a:noFill/>
-        </p:spPr>
-        <p:txBody>
-          <a:bodyPr wrap="none" rtlCol="0">
-            <a:spAutoFit/>
-          </a:bodyPr>
-          <a:lstStyle/>
-          <a:p>
-            <a:r>
-              <a:rPr lang="en-US" dirty="0"/>
-              <a:t>WARM</a:t>
-            </a:r>
-          </a:p>
-        </p:txBody>
-      </p:sp>
-      <p:sp>
-        <p:nvSpPr>
-          <p:cNvPr id="9" name="TextBox 8">
-            <a:extLst>
-              <a:ext uri="{FF2B5EF4-FFF2-40B4-BE49-F238E27FC236}">
-                <a16:creationId xmlns:a16="http://schemas.microsoft.com/office/drawing/2014/main" id="{B7112330-6153-1740-8F09-358FA74B8217}"/>
-              </a:ext>
-            </a:extLst>
-          </p:cNvPr>
-          <p:cNvSpPr txBox="1"/>
-          <p:nvPr/>
-        </p:nvSpPr>
-        <p:spPr>
-          <a:xfrm>
-            <a:off x="7367022" y="2949980"/>
-            <a:ext cx="735971" cy="369332"/>
-          </a:xfrm>
-          <a:prstGeom prst="rect">
-            <a:avLst/>
-          </a:prstGeom>
-          <a:noFill/>
-        </p:spPr>
-        <p:txBody>
-          <a:bodyPr wrap="none" rtlCol="0">
-            <a:spAutoFit/>
-          </a:bodyPr>
-          <a:lstStyle/>
-          <a:p>
-            <a:r>
-              <a:rPr lang="en-US" dirty="0"/>
-              <a:t>TOUGH</a:t>
-            </a:r>
-          </a:p>
-        </p:txBody>
-      </p:sp>
-      <p:sp>
-        <p:nvSpPr>
-          <p:cNvPr id="10" name="TextBox 9">
-            <a:extLst>
-              <a:ext uri="{FF2B5EF4-FFF2-40B4-BE49-F238E27FC236}">
-                <a16:creationId xmlns:a16="http://schemas.microsoft.com/office/drawing/2014/main" id="{916F16C2-EA99-4046-BEF9-9AE6D4C29105}"/>
-              </a:ext>
-            </a:extLst>
-          </p:cNvPr>
-          <p:cNvSpPr txBox="1"/>
-          <p:nvPr/>
-        </p:nvSpPr>
-        <p:spPr>
-          <a:xfrm>
-            <a:off x="302764" y="5104083"/>
-            <a:ext cx="8672059" cy="830997"/>
-          </a:xfrm>
-          <a:prstGeom prst="rect">
-            <a:avLst/>
-          </a:prstGeom>
-          <a:noFill/>
-        </p:spPr>
-        <p:txBody>
-          <a:bodyPr wrap="square" rtlCol="0">
-            <a:spAutoFit/>
-          </a:bodyPr>
-          <a:lstStyle/>
-          <a:p>
-            <a:pPr marL="228600" indent="-228600">
-              <a:buAutoNum type="arabicPeriod"/>
-            </a:pPr>
-            <a:r>
-              <a:rPr lang="en-US" sz="1200" dirty="0"/>
-              <a:t>Looks in a positive list of 2k terms &amp; ~5k negative term list</a:t>
-            </a:r>
-          </a:p>
-          <a:p>
-            <a:pPr marL="228600" indent="-228600">
-              <a:buAutoNum type="arabicPeriod"/>
-            </a:pPr>
-            <a:r>
-              <a:rPr lang="en-US" sz="1200" dirty="0"/>
-              <a:t>Then applies part of speech tagging looking for 36 annotations</a:t>
-            </a:r>
-          </a:p>
-          <a:p>
-            <a:pPr marL="685800" lvl="1" indent="-228600">
-              <a:buAutoNum type="arabicPeriod"/>
-            </a:pPr>
-            <a:r>
-              <a:rPr lang="en-US" sz="1200" dirty="0"/>
-              <a:t>Thus the word choice from the list is in context with the order of other POS.  If it satisfies being both a the list and a POS annotation it will be identified as warm/tough.</a:t>
-            </a:r>
-          </a:p>
-        </p:txBody>
-      </p:sp>
-    </p:spTree>
-    <p:extLst>
-      <p:ext uri="{BB962C8B-B14F-4D97-AF65-F5344CB8AC3E}">
-        <p14:creationId xmlns:p14="http://schemas.microsoft.com/office/powerpoint/2010/main" val="497945390"/>
-      </p:ext>
-    </p:extLst>
-  </p:cSld>
-  <p:clrMapOvr>
-    <a:masterClrMapping/>
-  </p:clrMapOvr>
-</p:sld>
-</file>
-
-<file path=ppt/slides/slide4.xml><?xml version="1.0" encoding="utf-8"?>
-<p:sld xmlns:a="http://schemas.openxmlformats.org/drawingml/2006/main" xmlns:r="http://schemas.openxmlformats.org/officeDocument/2006/relationships" xmlns:p="http://schemas.openxmlformats.org/presentationml/2006/main">
-  <p:cSld>
-    <p:spTree>
-      <p:nvGrpSpPr>
-        <p:cNvPr id="1" name=""/>
-        <p:cNvGrpSpPr/>
-        <p:nvPr/>
-      </p:nvGrpSpPr>
-      <p:grpSpPr>
-        <a:xfrm>
-          <a:off x="0" y="0"/>
-          <a:ext cx="0" cy="0"/>
-          <a:chOff x="0" y="0"/>
-          <a:chExt cx="0" cy="0"/>
-        </a:xfrm>
-      </p:grpSpPr>
-      <p:sp>
-        <p:nvSpPr>
-          <p:cNvPr id="2" name="Title 1">
-            <a:extLst>
-              <a:ext uri="{FF2B5EF4-FFF2-40B4-BE49-F238E27FC236}">
-                <a16:creationId xmlns:a16="http://schemas.microsoft.com/office/drawing/2014/main" id="{63ECDE59-F405-2344-B5DF-C79F17D935A5}"/>
-              </a:ext>
-            </a:extLst>
-          </p:cNvPr>
-          <p:cNvSpPr>
-            <a:spLocks noGrp="1"/>
-          </p:cNvSpPr>
-          <p:nvPr>
-            <p:ph type="title"/>
-          </p:nvPr>
-        </p:nvSpPr>
-        <p:spPr/>
-        <p:txBody>
-          <a:bodyPr/>
-          <a:lstStyle/>
-          <a:p>
-            <a:r>
-              <a:rPr lang="en-US" dirty="0"/>
-              <a:t>Open </a:t>
-            </a:r>
-            <a:r>
-              <a:rPr lang="en-US" dirty="0" err="1"/>
-              <a:t>E_politeness.R</a:t>
-            </a:r>
-            <a:endParaRPr lang="en-US" dirty="0"/>
-          </a:p>
-        </p:txBody>
-      </p:sp>
-      <p:sp>
-        <p:nvSpPr>
-          <p:cNvPr id="4" name="Date Placeholder 3">
-            <a:extLst>
-              <a:ext uri="{FF2B5EF4-FFF2-40B4-BE49-F238E27FC236}">
-                <a16:creationId xmlns:a16="http://schemas.microsoft.com/office/drawing/2014/main" id="{627A97CA-0320-CB43-AA7B-9759C7CFAD58}"/>
-              </a:ext>
-            </a:extLst>
-          </p:cNvPr>
-          <p:cNvSpPr>
-            <a:spLocks noGrp="1"/>
-          </p:cNvSpPr>
-          <p:nvPr>
-            <p:ph type="dt" sz="half" idx="10"/>
-          </p:nvPr>
-        </p:nvSpPr>
-        <p:spPr/>
-        <p:txBody>
-          <a:bodyPr/>
-          <a:lstStyle/>
-          <a:p>
-            <a:fld id="{D753EFC8-4232-4598-94F6-94C0EBAFC469}" type="datetime1">
-              <a:rPr lang="en-US" smtClean="0"/>
-              <a:t>3/1/21</a:t>
-            </a:fld>
-            <a:endParaRPr lang="en-US"/>
-          </a:p>
-        </p:txBody>
-      </p:sp>
-      <p:sp>
-        <p:nvSpPr>
-          <p:cNvPr id="5" name="Footer Placeholder 4">
-            <a:extLst>
-              <a:ext uri="{FF2B5EF4-FFF2-40B4-BE49-F238E27FC236}">
-                <a16:creationId xmlns:a16="http://schemas.microsoft.com/office/drawing/2014/main" id="{D740BB9A-41C1-634C-B0EF-5AEFB0C6D19B}"/>
-              </a:ext>
-            </a:extLst>
-          </p:cNvPr>
-          <p:cNvSpPr>
-            <a:spLocks noGrp="1"/>
-          </p:cNvSpPr>
-          <p:nvPr>
-            <p:ph type="ftr" sz="quarter" idx="3"/>
-          </p:nvPr>
-        </p:nvSpPr>
-        <p:spPr/>
-        <p:txBody>
-          <a:bodyPr/>
-          <a:lstStyle/>
-          <a:p>
-            <a:r>
-              <a:rPr lang="en-US"/>
-              <a:t>Kwartler</a:t>
-            </a:r>
-            <a:endParaRPr lang="en-US" dirty="0"/>
-          </a:p>
-        </p:txBody>
-      </p:sp>
-      <p:sp>
-        <p:nvSpPr>
-          <p:cNvPr id="6" name="Slide Number Placeholder 5">
-            <a:extLst>
-              <a:ext uri="{FF2B5EF4-FFF2-40B4-BE49-F238E27FC236}">
-                <a16:creationId xmlns:a16="http://schemas.microsoft.com/office/drawing/2014/main" id="{EBB60A86-4188-6C42-9336-7B663A53F654}"/>
-              </a:ext>
-            </a:extLst>
-          </p:cNvPr>
-          <p:cNvSpPr>
-            <a:spLocks noGrp="1"/>
-          </p:cNvSpPr>
-          <p:nvPr>
-            <p:ph type="sldNum" sz="quarter" idx="4"/>
-          </p:nvPr>
-        </p:nvSpPr>
-        <p:spPr/>
-        <p:txBody>
-          <a:bodyPr/>
-          <a:lstStyle/>
-          <a:p>
-            <a:fld id="{37290FF7-652B-4475-AEAB-8B1A5D23AE09}" type="slidenum">
-              <a:rPr lang="en-US" smtClean="0"/>
-              <a:pPr/>
-              <a:t>4</a:t>
-            </a:fld>
-            <a:endParaRPr lang="en-US" dirty="0"/>
-          </a:p>
-        </p:txBody>
-      </p:sp>
-      <p:pic>
-        <p:nvPicPr>
-          <p:cNvPr id="2050" name="Picture 2" descr="Being polite Doesn't just mean saying &quot;please&quot; - Side-Eyes Chloe | Make a  Meme">
-            <a:extLst>
-              <a:ext uri="{FF2B5EF4-FFF2-40B4-BE49-F238E27FC236}">
-                <a16:creationId xmlns:a16="http://schemas.microsoft.com/office/drawing/2014/main" id="{898C250A-D220-B646-B94C-3399CD83B5EE}"/>
-              </a:ext>
-            </a:extLst>
-          </p:cNvPr>
-          <p:cNvPicPr>
-            <a:picLocks noChangeAspect="1" noChangeArrowheads="1"/>
-          </p:cNvPicPr>
-          <p:nvPr/>
-        </p:nvPicPr>
-        <p:blipFill>
-          <a:blip r:embed="rId2">
-            <a:extLst>
-              <a:ext uri="{28A0092B-C50C-407E-A947-70E740481C1C}">
-                <a14:useLocalDpi xmlns:a14="http://schemas.microsoft.com/office/drawing/2010/main" val="0"/>
-              </a:ext>
-            </a:extLst>
-          </a:blip>
-          <a:srcRect/>
-          <a:stretch>
-            <a:fillRect/>
-          </a:stretch>
-        </p:blipFill>
-        <p:spPr bwMode="auto">
-          <a:xfrm>
-            <a:off x="762000" y="1225550"/>
-            <a:ext cx="7620000" cy="4406900"/>
-          </a:xfrm>
-          <a:prstGeom prst="rect">
-            <a:avLst/>
-          </a:prstGeom>
-          <a:noFill/>
-          <a:extLst>
-            <a:ext uri="{909E8E84-426E-40DD-AFC4-6F175D3DCCD1}">
-              <a14:hiddenFill xmlns:a14="http://schemas.microsoft.com/office/drawing/2010/main">
-                <a:solidFill>
-                  <a:srgbClr val="FFFFFF"/>
-                </a:solidFill>
-              </a14:hiddenFill>
-            </a:ext>
-          </a:extLst>
-        </p:spPr>
-      </p:pic>
-    </p:spTree>
-    <p:extLst>
-      <p:ext uri="{BB962C8B-B14F-4D97-AF65-F5344CB8AC3E}">
-        <p14:creationId xmlns:p14="http://schemas.microsoft.com/office/powerpoint/2010/main" val="735428341"/>
-      </p:ext>
-    </p:extLst>
-  </p:cSld>
-  <p:clrMapOvr>
-    <a:masterClrMapping/>
-  </p:clrMapOvr>
-</p:sld>
-</file>
-
-<file path=ppt/slides/slide5.xml><?xml version="1.0" encoding="utf-8"?>
-<p:sld xmlns:a="http://schemas.openxmlformats.org/drawingml/2006/main" xmlns:r="http://schemas.openxmlformats.org/officeDocument/2006/relationships" xmlns:p="http://schemas.openxmlformats.org/presentationml/2006/main">
-  <p:cSld>
-    <p:spTree>
-      <p:nvGrpSpPr>
-        <p:cNvPr id="1" name=""/>
-        <p:cNvGrpSpPr/>
-        <p:nvPr/>
-      </p:nvGrpSpPr>
-      <p:grpSpPr>
-        <a:xfrm>
-          <a:off x="0" y="0"/>
-          <a:ext cx="0" cy="0"/>
-          <a:chOff x="0" y="0"/>
-          <a:chExt cx="0" cy="0"/>
-        </a:xfrm>
-      </p:grpSpPr>
-      <p:sp>
-        <p:nvSpPr>
           <p:cNvPr id="2" name="Title 1"/>
           <p:cNvSpPr>
             <a:spLocks noGrp="1"/>
@@ -11579,7 +7024,7 @@
             <a:fld id="{37290FF7-652B-4475-AEAB-8B1A5D23AE09}" type="slidenum">
               <a:rPr lang="en-US" smtClean="0"/>
               <a:pPr/>
-              <a:t>5</a:t>
+              <a:t>2</a:t>
             </a:fld>
             <a:endParaRPr lang="en-US" dirty="0"/>
           </a:p>
@@ -11598,7 +7043,7 @@
 </p:sld>
 </file>
 
-<file path=ppt/slides/slide6.xml><?xml version="1.0" encoding="utf-8"?>
+<file path=ppt/slides/slide3.xml><?xml version="1.0" encoding="utf-8"?>
 <p:sld xmlns:a="http://schemas.openxmlformats.org/drawingml/2006/main" xmlns:r="http://schemas.openxmlformats.org/officeDocument/2006/relationships" xmlns:p="http://schemas.openxmlformats.org/presentationml/2006/main">
   <p:cSld>
     <p:spTree>
@@ -11821,7 +7266,7 @@
             <a:fld id="{37290FF7-652B-4475-AEAB-8B1A5D23AE09}" type="slidenum">
               <a:rPr lang="en-US" smtClean="0"/>
               <a:pPr/>
-              <a:t>6</a:t>
+              <a:t>3</a:t>
             </a:fld>
             <a:endParaRPr lang="en-US" dirty="0"/>
           </a:p>
@@ -11840,7 +7285,7 @@
 </p:sld>
 </file>
 
-<file path=ppt/slides/slide7.xml><?xml version="1.0" encoding="utf-8"?>
+<file path=ppt/slides/slide4.xml><?xml version="1.0" encoding="utf-8"?>
 <p:sld xmlns:a="http://schemas.openxmlformats.org/drawingml/2006/main" xmlns:r="http://schemas.openxmlformats.org/officeDocument/2006/relationships" xmlns:p="http://schemas.openxmlformats.org/presentationml/2006/main">
   <p:cSld>
     <p:spTree>
@@ -11874,7 +7319,7 @@
           <a:p>
             <a:fld id="{6700A58B-DD98-43D0-B791-721480A02982}" type="datetime1">
               <a:rPr lang="en-US" smtClean="0"/>
-              <a:t>3/1/21</a:t>
+              <a:t>1/19/22</a:t>
             </a:fld>
             <a:endParaRPr lang="en-US"/>
           </a:p>
@@ -11948,7 +7393,7 @@
             <a:fld id="{37290FF7-652B-4475-AEAB-8B1A5D23AE09}" type="slidenum">
               <a:rPr lang="en-US" smtClean="0"/>
               <a:pPr/>
-              <a:t>7</a:t>
+              <a:t>4</a:t>
             </a:fld>
             <a:endParaRPr lang="en-US" dirty="0"/>
           </a:p>
@@ -14294,7 +9739,7 @@
 </p:sld>
 </file>
 
-<file path=ppt/slides/slide8.xml><?xml version="1.0" encoding="utf-8"?>
+<file path=ppt/slides/slide5.xml><?xml version="1.0" encoding="utf-8"?>
 <p:sld xmlns:a="http://schemas.openxmlformats.org/drawingml/2006/main" xmlns:r="http://schemas.openxmlformats.org/officeDocument/2006/relationships" xmlns:p="http://schemas.openxmlformats.org/presentationml/2006/main">
   <p:cSld>
     <p:spTree>
@@ -14328,7 +9773,7 @@
           <a:p>
             <a:fld id="{6700A58B-DD98-43D0-B791-721480A02982}" type="datetime1">
               <a:rPr lang="en-US" smtClean="0"/>
-              <a:t>3/1/21</a:t>
+              <a:t>1/19/22</a:t>
             </a:fld>
             <a:endParaRPr lang="en-US"/>
           </a:p>
@@ -14397,7 +9842,7 @@
             <a:fld id="{37290FF7-652B-4475-AEAB-8B1A5D23AE09}" type="slidenum">
               <a:rPr lang="en-US" smtClean="0"/>
               <a:pPr/>
-              <a:t>8</a:t>
+              <a:t>5</a:t>
             </a:fld>
             <a:endParaRPr lang="en-US" dirty="0"/>
           </a:p>
@@ -14543,7 +9988,7 @@
 </p:sld>
 </file>
 
-<file path=ppt/slides/slide9.xml><?xml version="1.0" encoding="utf-8"?>
+<file path=ppt/slides/slide6.xml><?xml version="1.0" encoding="utf-8"?>
 <p:sld xmlns:a="http://schemas.openxmlformats.org/drawingml/2006/main" xmlns:r="http://schemas.openxmlformats.org/officeDocument/2006/relationships" xmlns:p="http://schemas.openxmlformats.org/presentationml/2006/main">
   <p:cSld>
     <p:spTree>
@@ -14577,7 +10022,7 @@
           <a:p>
             <a:fld id="{6700A58B-DD98-43D0-B791-721480A02982}" type="datetime1">
               <a:rPr lang="en-US" smtClean="0"/>
-              <a:t>3/1/21</a:t>
+              <a:t>1/19/22</a:t>
             </a:fld>
             <a:endParaRPr lang="en-US"/>
           </a:p>
@@ -14646,7 +10091,7 @@
             <a:fld id="{37290FF7-652B-4475-AEAB-8B1A5D23AE09}" type="slidenum">
               <a:rPr lang="en-US" smtClean="0"/>
               <a:pPr/>
-              <a:t>9</a:t>
+              <a:t>6</a:t>
             </a:fld>
             <a:endParaRPr lang="en-US" dirty="0"/>
           </a:p>
@@ -15629,6 +11074,3719 @@
       <p:bldP spid="8" grpId="0" animBg="1"/>
       <p:bldP spid="9" grpId="0" animBg="1"/>
       <p:bldP spid="10" grpId="0" animBg="1"/>
+    </p:bldLst>
+  </p:timing>
+</p:sld>
+</file>
+
+<file path=ppt/slides/slide7.xml><?xml version="1.0" encoding="utf-8"?>
+<p:sld xmlns:a="http://schemas.openxmlformats.org/drawingml/2006/main" xmlns:r="http://schemas.openxmlformats.org/officeDocument/2006/relationships" xmlns:p="http://schemas.openxmlformats.org/presentationml/2006/main">
+  <p:cSld>
+    <p:spTree>
+      <p:nvGrpSpPr>
+        <p:cNvPr id="1" name=""/>
+        <p:cNvGrpSpPr/>
+        <p:nvPr/>
+      </p:nvGrpSpPr>
+      <p:grpSpPr>
+        <a:xfrm>
+          <a:off x="0" y="0"/>
+          <a:ext cx="0" cy="0"/>
+          <a:chOff x="0" y="0"/>
+          <a:chExt cx="0" cy="0"/>
+        </a:xfrm>
+      </p:grpSpPr>
+      <p:sp>
+        <p:nvSpPr>
+          <p:cNvPr id="2" name="Date Placeholder 1"/>
+          <p:cNvSpPr>
+            <a:spLocks noGrp="1"/>
+          </p:cNvSpPr>
+          <p:nvPr>
+            <p:ph type="dt" sz="half" idx="10"/>
+          </p:nvPr>
+        </p:nvSpPr>
+        <p:spPr/>
+        <p:txBody>
+          <a:bodyPr/>
+          <a:lstStyle/>
+          <a:p>
+            <a:fld id="{6700A58B-DD98-43D0-B791-721480A02982}" type="datetime1">
+              <a:rPr lang="en-US" smtClean="0"/>
+              <a:t>1/19/22</a:t>
+            </a:fld>
+            <a:endParaRPr lang="en-US"/>
+          </a:p>
+        </p:txBody>
+      </p:sp>
+      <p:sp>
+        <p:nvSpPr>
+          <p:cNvPr id="3" name="Title 2"/>
+          <p:cNvSpPr>
+            <a:spLocks noGrp="1"/>
+          </p:cNvSpPr>
+          <p:nvPr>
+            <p:ph type="title"/>
+          </p:nvPr>
+        </p:nvSpPr>
+        <p:spPr>
+          <a:xfrm>
+            <a:off x="0" y="365126"/>
+            <a:ext cx="8515350" cy="591477"/>
+          </a:xfrm>
+        </p:spPr>
+        <p:txBody>
+          <a:bodyPr/>
+          <a:lstStyle/>
+          <a:p>
+            <a:r>
+              <a:rPr lang="en-US" dirty="0"/>
+              <a:t>In this exercise we will examine 565 News Articles</a:t>
+            </a:r>
+          </a:p>
+        </p:txBody>
+      </p:sp>
+      <p:sp>
+        <p:nvSpPr>
+          <p:cNvPr id="4" name="Footer Placeholder 3"/>
+          <p:cNvSpPr>
+            <a:spLocks noGrp="1"/>
+          </p:cNvSpPr>
+          <p:nvPr>
+            <p:ph type="ftr" sz="quarter" idx="3"/>
+          </p:nvPr>
+        </p:nvSpPr>
+        <p:spPr/>
+        <p:txBody>
+          <a:bodyPr/>
+          <a:lstStyle/>
+          <a:p>
+            <a:r>
+              <a:rPr lang="en-US"/>
+              <a:t>Kwartler</a:t>
+            </a:r>
+            <a:endParaRPr lang="en-US" dirty="0"/>
+          </a:p>
+        </p:txBody>
+      </p:sp>
+      <p:sp>
+        <p:nvSpPr>
+          <p:cNvPr id="5" name="Slide Number Placeholder 4"/>
+          <p:cNvSpPr>
+            <a:spLocks noGrp="1"/>
+          </p:cNvSpPr>
+          <p:nvPr>
+            <p:ph type="sldNum" sz="quarter" idx="4"/>
+          </p:nvPr>
+        </p:nvSpPr>
+        <p:spPr/>
+        <p:txBody>
+          <a:bodyPr/>
+          <a:lstStyle/>
+          <a:p>
+            <a:fld id="{37290FF7-652B-4475-AEAB-8B1A5D23AE09}" type="slidenum">
+              <a:rPr lang="en-US" smtClean="0"/>
+              <a:pPr/>
+              <a:t>7</a:t>
+            </a:fld>
+            <a:endParaRPr lang="en-US" dirty="0"/>
+          </a:p>
+        </p:txBody>
+      </p:sp>
+      <p:cxnSp>
+        <p:nvCxnSpPr>
+          <p:cNvPr id="9" name="Straight Connector 8">
+            <a:extLst>
+              <a:ext uri="{FF2B5EF4-FFF2-40B4-BE49-F238E27FC236}">
+                <a16:creationId xmlns:a16="http://schemas.microsoft.com/office/drawing/2014/main" id="{EDB8A8B8-B746-EF49-AA0A-1EB9AE31C3E7}"/>
+              </a:ext>
+            </a:extLst>
+          </p:cNvPr>
+          <p:cNvCxnSpPr/>
+          <p:nvPr/>
+        </p:nvCxnSpPr>
+        <p:spPr>
+          <a:xfrm>
+            <a:off x="6798363" y="6549885"/>
+            <a:ext cx="0" cy="182880"/>
+          </a:xfrm>
+          <a:prstGeom prst="line">
+            <a:avLst/>
+          </a:prstGeom>
+          <a:ln>
+            <a:solidFill>
+              <a:schemeClr val="bg1">
+                <a:lumMod val="85000"/>
+              </a:schemeClr>
+            </a:solidFill>
+          </a:ln>
+        </p:spPr>
+        <p:style>
+          <a:lnRef idx="1">
+            <a:schemeClr val="accent1"/>
+          </a:lnRef>
+          <a:fillRef idx="0">
+            <a:schemeClr val="accent1"/>
+          </a:fillRef>
+          <a:effectRef idx="0">
+            <a:schemeClr val="accent1"/>
+          </a:effectRef>
+          <a:fontRef idx="minor">
+            <a:schemeClr val="tx1"/>
+          </a:fontRef>
+        </p:style>
+      </p:cxnSp>
+      <p:cxnSp>
+        <p:nvCxnSpPr>
+          <p:cNvPr id="10" name="Straight Connector 9">
+            <a:extLst>
+              <a:ext uri="{FF2B5EF4-FFF2-40B4-BE49-F238E27FC236}">
+                <a16:creationId xmlns:a16="http://schemas.microsoft.com/office/drawing/2014/main" id="{3E861DD3-4CF5-3F4B-96A7-76FFEDD98FCF}"/>
+              </a:ext>
+            </a:extLst>
+          </p:cNvPr>
+          <p:cNvCxnSpPr/>
+          <p:nvPr/>
+        </p:nvCxnSpPr>
+        <p:spPr>
+          <a:xfrm>
+            <a:off x="7076661" y="4664763"/>
+            <a:ext cx="182880" cy="0"/>
+          </a:xfrm>
+          <a:prstGeom prst="line">
+            <a:avLst/>
+          </a:prstGeom>
+          <a:ln>
+            <a:solidFill>
+              <a:schemeClr val="bg1">
+                <a:lumMod val="85000"/>
+              </a:schemeClr>
+            </a:solidFill>
+          </a:ln>
+        </p:spPr>
+        <p:style>
+          <a:lnRef idx="1">
+            <a:schemeClr val="accent1"/>
+          </a:lnRef>
+          <a:fillRef idx="0">
+            <a:schemeClr val="accent1"/>
+          </a:fillRef>
+          <a:effectRef idx="0">
+            <a:schemeClr val="accent1"/>
+          </a:effectRef>
+          <a:fontRef idx="minor">
+            <a:schemeClr val="tx1"/>
+          </a:fontRef>
+        </p:style>
+      </p:cxnSp>
+      <p:pic>
+        <p:nvPicPr>
+          <p:cNvPr id="3074" name="Picture 2" descr="Will Ferrell's Best: 'Anchorman,' 'Step Brothers,' 'Elf'… or 'Casa De Mi  Padre'? | IndieWire">
+            <a:extLst>
+              <a:ext uri="{FF2B5EF4-FFF2-40B4-BE49-F238E27FC236}">
+                <a16:creationId xmlns:a16="http://schemas.microsoft.com/office/drawing/2014/main" id="{633C72E0-72EB-4C46-BE58-D38673B35676}"/>
+              </a:ext>
+            </a:extLst>
+          </p:cNvPr>
+          <p:cNvPicPr>
+            <a:picLocks noChangeAspect="1" noChangeArrowheads="1"/>
+          </p:cNvPicPr>
+          <p:nvPr/>
+        </p:nvPicPr>
+        <p:blipFill>
+          <a:blip r:embed="rId2">
+            <a:extLst>
+              <a:ext uri="{28A0092B-C50C-407E-A947-70E740481C1C}">
+                <a14:useLocalDpi xmlns:a14="http://schemas.microsoft.com/office/drawing/2010/main" val="0"/>
+              </a:ext>
+            </a:extLst>
+          </a:blip>
+          <a:srcRect/>
+          <a:stretch>
+            <a:fillRect/>
+          </a:stretch>
+        </p:blipFill>
+        <p:spPr bwMode="auto">
+          <a:xfrm>
+            <a:off x="3937000" y="1562100"/>
+            <a:ext cx="4978400" cy="3733800"/>
+          </a:xfrm>
+          <a:prstGeom prst="rect">
+            <a:avLst/>
+          </a:prstGeom>
+          <a:noFill/>
+          <a:extLst>
+            <a:ext uri="{909E8E84-426E-40DD-AFC4-6F175D3DCCD1}">
+              <a14:hiddenFill xmlns:a14="http://schemas.microsoft.com/office/drawing/2010/main">
+                <a:solidFill>
+                  <a:srgbClr val="FFFFFF"/>
+                </a:solidFill>
+              </a14:hiddenFill>
+            </a:ext>
+          </a:extLst>
+        </p:spPr>
+      </p:pic>
+      <p:sp>
+        <p:nvSpPr>
+          <p:cNvPr id="7" name="TextBox 6">
+            <a:extLst>
+              <a:ext uri="{FF2B5EF4-FFF2-40B4-BE49-F238E27FC236}">
+                <a16:creationId xmlns:a16="http://schemas.microsoft.com/office/drawing/2014/main" id="{F4C22778-DAFE-2841-A63E-60BE17151D2D}"/>
+              </a:ext>
+            </a:extLst>
+          </p:cNvPr>
+          <p:cNvSpPr txBox="1"/>
+          <p:nvPr/>
+        </p:nvSpPr>
+        <p:spPr>
+          <a:xfrm>
+            <a:off x="434340" y="2551837"/>
+            <a:ext cx="3502660" cy="1754326"/>
+          </a:xfrm>
+          <a:prstGeom prst="rect">
+            <a:avLst/>
+          </a:prstGeom>
+          <a:noFill/>
+        </p:spPr>
+        <p:txBody>
+          <a:bodyPr wrap="square" rtlCol="0">
+            <a:spAutoFit/>
+          </a:bodyPr>
+          <a:lstStyle/>
+          <a:p>
+            <a:r>
+              <a:rPr lang="en-US" dirty="0"/>
+              <a:t>Not by news channel but </a:t>
+            </a:r>
+            <a:r>
+              <a:rPr lang="en-US" i="1" dirty="0"/>
+              <a:t>overall</a:t>
+            </a:r>
+            <a:r>
+              <a:rPr lang="en-US" dirty="0"/>
+              <a:t> how can we measure emotional words.  You could perform this analysis by news channel looking for biases in subjects but its not the point of our script.</a:t>
+            </a:r>
+          </a:p>
+        </p:txBody>
+      </p:sp>
+    </p:spTree>
+    <p:extLst>
+      <p:ext uri="{BB962C8B-B14F-4D97-AF65-F5344CB8AC3E}">
+        <p14:creationId xmlns:p14="http://schemas.microsoft.com/office/powerpoint/2010/main" val="2412190367"/>
+      </p:ext>
+    </p:extLst>
+  </p:cSld>
+  <p:clrMapOvr>
+    <a:masterClrMapping/>
+  </p:clrMapOvr>
+</p:sld>
+</file>
+
+<file path=ppt/slides/slide8.xml><?xml version="1.0" encoding="utf-8"?>
+<p:sld xmlns:a="http://schemas.openxmlformats.org/drawingml/2006/main" xmlns:r="http://schemas.openxmlformats.org/officeDocument/2006/relationships" xmlns:p="http://schemas.openxmlformats.org/presentationml/2006/main">
+  <p:cSld>
+    <p:spTree>
+      <p:nvGrpSpPr>
+        <p:cNvPr id="1" name=""/>
+        <p:cNvGrpSpPr/>
+        <p:nvPr/>
+      </p:nvGrpSpPr>
+      <p:grpSpPr>
+        <a:xfrm>
+          <a:off x="0" y="0"/>
+          <a:ext cx="0" cy="0"/>
+          <a:chOff x="0" y="0"/>
+          <a:chExt cx="0" cy="0"/>
+        </a:xfrm>
+      </p:grpSpPr>
+      <p:sp>
+        <p:nvSpPr>
+          <p:cNvPr id="2" name="Date Placeholder 1">
+            <a:extLst>
+              <a:ext uri="{FF2B5EF4-FFF2-40B4-BE49-F238E27FC236}">
+                <a16:creationId xmlns:a16="http://schemas.microsoft.com/office/drawing/2014/main" id="{1C96ADC6-A8AF-4177-80C3-00592755C6E2}"/>
+              </a:ext>
+            </a:extLst>
+          </p:cNvPr>
+          <p:cNvSpPr>
+            <a:spLocks noGrp="1"/>
+          </p:cNvSpPr>
+          <p:nvPr>
+            <p:ph type="dt" sz="half" idx="10"/>
+          </p:nvPr>
+        </p:nvSpPr>
+        <p:spPr/>
+        <p:txBody>
+          <a:bodyPr/>
+          <a:lstStyle/>
+          <a:p>
+            <a:fld id="{6700A58B-DD98-43D0-B791-721480A02982}" type="datetime1">
+              <a:rPr lang="en-US" smtClean="0"/>
+              <a:pPr/>
+              <a:t>1/19/22</a:t>
+            </a:fld>
+            <a:endParaRPr lang="en-US"/>
+          </a:p>
+        </p:txBody>
+      </p:sp>
+      <p:sp>
+        <p:nvSpPr>
+          <p:cNvPr id="3" name="Title 2">
+            <a:extLst>
+              <a:ext uri="{FF2B5EF4-FFF2-40B4-BE49-F238E27FC236}">
+                <a16:creationId xmlns:a16="http://schemas.microsoft.com/office/drawing/2014/main" id="{4F6055C4-6C20-45AD-A381-AF38F6DD4455}"/>
+              </a:ext>
+            </a:extLst>
+          </p:cNvPr>
+          <p:cNvSpPr>
+            <a:spLocks noGrp="1"/>
+          </p:cNvSpPr>
+          <p:nvPr>
+            <p:ph type="title"/>
+          </p:nvPr>
+        </p:nvSpPr>
+        <p:spPr>
+          <a:xfrm>
+            <a:off x="220717" y="365126"/>
+            <a:ext cx="8623738" cy="591477"/>
+          </a:xfrm>
+        </p:spPr>
+        <p:txBody>
+          <a:bodyPr/>
+          <a:lstStyle/>
+          <a:p>
+            <a:r>
+              <a:rPr lang="en-US" sz="2800" dirty="0"/>
+              <a:t>Sentiment the Tidy Way uses joins with existing lexicons</a:t>
+            </a:r>
+          </a:p>
+        </p:txBody>
+      </p:sp>
+      <p:sp>
+        <p:nvSpPr>
+          <p:cNvPr id="9" name="Footer Placeholder 5">
+            <a:extLst>
+              <a:ext uri="{FF2B5EF4-FFF2-40B4-BE49-F238E27FC236}">
+                <a16:creationId xmlns:a16="http://schemas.microsoft.com/office/drawing/2014/main" id="{743436D9-66D6-480D-8753-218AB2841401}"/>
+              </a:ext>
+            </a:extLst>
+          </p:cNvPr>
+          <p:cNvSpPr>
+            <a:spLocks noGrp="1"/>
+          </p:cNvSpPr>
+          <p:nvPr>
+            <p:ph type="ftr" sz="quarter" idx="3"/>
+          </p:nvPr>
+        </p:nvSpPr>
+        <p:spPr/>
+        <p:txBody>
+          <a:bodyPr/>
+          <a:lstStyle/>
+          <a:p>
+            <a:r>
+              <a:rPr lang="en-US"/>
+              <a:t>Kwartler CSCI -96</a:t>
+            </a:r>
+            <a:endParaRPr lang="en-US" dirty="0"/>
+          </a:p>
+        </p:txBody>
+      </p:sp>
+      <p:sp>
+        <p:nvSpPr>
+          <p:cNvPr id="4" name="Slide Number Placeholder 3">
+            <a:extLst>
+              <a:ext uri="{FF2B5EF4-FFF2-40B4-BE49-F238E27FC236}">
+                <a16:creationId xmlns:a16="http://schemas.microsoft.com/office/drawing/2014/main" id="{70A44E92-3086-4AF5-BE02-6B5834CCC318}"/>
+              </a:ext>
+            </a:extLst>
+          </p:cNvPr>
+          <p:cNvSpPr>
+            <a:spLocks noGrp="1"/>
+          </p:cNvSpPr>
+          <p:nvPr>
+            <p:ph type="sldNum" sz="quarter" idx="4"/>
+          </p:nvPr>
+        </p:nvSpPr>
+        <p:spPr/>
+        <p:txBody>
+          <a:bodyPr/>
+          <a:lstStyle/>
+          <a:p>
+            <a:fld id="{37290FF7-652B-4475-AEAB-8B1A5D23AE09}" type="slidenum">
+              <a:rPr lang="en-US" smtClean="0"/>
+              <a:pPr/>
+              <a:t>8</a:t>
+            </a:fld>
+            <a:endParaRPr lang="en-US"/>
+          </a:p>
+        </p:txBody>
+      </p:sp>
+      <p:cxnSp>
+        <p:nvCxnSpPr>
+          <p:cNvPr id="12" name="Straight Connector 11">
+            <a:extLst>
+              <a:ext uri="{FF2B5EF4-FFF2-40B4-BE49-F238E27FC236}">
+                <a16:creationId xmlns:a16="http://schemas.microsoft.com/office/drawing/2014/main" id="{33840748-A370-1D4A-98B6-ED80AB54163A}"/>
+              </a:ext>
+            </a:extLst>
+          </p:cNvPr>
+          <p:cNvCxnSpPr/>
+          <p:nvPr/>
+        </p:nvCxnSpPr>
+        <p:spPr>
+          <a:xfrm>
+            <a:off x="6798363" y="6549885"/>
+            <a:ext cx="0" cy="182880"/>
+          </a:xfrm>
+          <a:prstGeom prst="line">
+            <a:avLst/>
+          </a:prstGeom>
+          <a:ln>
+            <a:solidFill>
+              <a:schemeClr val="bg1">
+                <a:lumMod val="85000"/>
+              </a:schemeClr>
+            </a:solidFill>
+          </a:ln>
+        </p:spPr>
+        <p:style>
+          <a:lnRef idx="1">
+            <a:schemeClr val="accent1"/>
+          </a:lnRef>
+          <a:fillRef idx="0">
+            <a:schemeClr val="accent1"/>
+          </a:fillRef>
+          <a:effectRef idx="0">
+            <a:schemeClr val="accent1"/>
+          </a:effectRef>
+          <a:fontRef idx="minor">
+            <a:schemeClr val="tx1"/>
+          </a:fontRef>
+        </p:style>
+      </p:cxnSp>
+      <p:cxnSp>
+        <p:nvCxnSpPr>
+          <p:cNvPr id="13" name="Straight Connector 12">
+            <a:extLst>
+              <a:ext uri="{FF2B5EF4-FFF2-40B4-BE49-F238E27FC236}">
+                <a16:creationId xmlns:a16="http://schemas.microsoft.com/office/drawing/2014/main" id="{E405A55E-4150-BB40-9C65-8A5E00B89CEA}"/>
+              </a:ext>
+            </a:extLst>
+          </p:cNvPr>
+          <p:cNvCxnSpPr/>
+          <p:nvPr/>
+        </p:nvCxnSpPr>
+        <p:spPr>
+          <a:xfrm>
+            <a:off x="7076661" y="4664763"/>
+            <a:ext cx="182880" cy="0"/>
+          </a:xfrm>
+          <a:prstGeom prst="line">
+            <a:avLst/>
+          </a:prstGeom>
+          <a:ln>
+            <a:solidFill>
+              <a:schemeClr val="bg1">
+                <a:lumMod val="85000"/>
+              </a:schemeClr>
+            </a:solidFill>
+          </a:ln>
+        </p:spPr>
+        <p:style>
+          <a:lnRef idx="1">
+            <a:schemeClr val="accent1"/>
+          </a:lnRef>
+          <a:fillRef idx="0">
+            <a:schemeClr val="accent1"/>
+          </a:fillRef>
+          <a:effectRef idx="0">
+            <a:schemeClr val="accent1"/>
+          </a:effectRef>
+          <a:fontRef idx="minor">
+            <a:schemeClr val="tx1"/>
+          </a:fontRef>
+        </p:style>
+      </p:cxnSp>
+      <p:pic>
+        <p:nvPicPr>
+          <p:cNvPr id="15" name="Picture 14" descr="A screenshot of a cell phone&#10;&#10;Description automatically generated">
+            <a:extLst>
+              <a:ext uri="{FF2B5EF4-FFF2-40B4-BE49-F238E27FC236}">
+                <a16:creationId xmlns:a16="http://schemas.microsoft.com/office/drawing/2014/main" id="{41D6E390-18F6-A246-88BD-A9E4B309D7E2}"/>
+              </a:ext>
+            </a:extLst>
+          </p:cNvPr>
+          <p:cNvPicPr>
+            <a:picLocks noChangeAspect="1"/>
+          </p:cNvPicPr>
+          <p:nvPr/>
+        </p:nvPicPr>
+        <p:blipFill>
+          <a:blip r:embed="rId2">
+            <a:extLst>
+              <a:ext uri="{28A0092B-C50C-407E-A947-70E740481C1C}">
+                <a14:useLocalDpi xmlns:a14="http://schemas.microsoft.com/office/drawing/2010/main" val="0"/>
+              </a:ext>
+            </a:extLst>
+          </a:blip>
+          <a:stretch>
+            <a:fillRect/>
+          </a:stretch>
+        </p:blipFill>
+        <p:spPr>
+          <a:xfrm>
+            <a:off x="257865" y="1461052"/>
+            <a:ext cx="3982830" cy="2259351"/>
+          </a:xfrm>
+          <a:prstGeom prst="rect">
+            <a:avLst/>
+          </a:prstGeom>
+          <a:ln>
+            <a:solidFill>
+              <a:schemeClr val="tx1"/>
+            </a:solidFill>
+          </a:ln>
+        </p:spPr>
+      </p:pic>
+      <p:sp>
+        <p:nvSpPr>
+          <p:cNvPr id="18" name="TextBox 17">
+            <a:extLst>
+              <a:ext uri="{FF2B5EF4-FFF2-40B4-BE49-F238E27FC236}">
+                <a16:creationId xmlns:a16="http://schemas.microsoft.com/office/drawing/2014/main" id="{7C35328F-AF7E-0541-9110-C18A28A41A99}"/>
+              </a:ext>
+            </a:extLst>
+          </p:cNvPr>
+          <p:cNvSpPr txBox="1"/>
+          <p:nvPr/>
+        </p:nvSpPr>
+        <p:spPr>
+          <a:xfrm>
+            <a:off x="159026" y="1113183"/>
+            <a:ext cx="1311578" cy="369332"/>
+          </a:xfrm>
+          <a:prstGeom prst="rect">
+            <a:avLst/>
+          </a:prstGeom>
+          <a:noFill/>
+        </p:spPr>
+        <p:txBody>
+          <a:bodyPr wrap="none" rtlCol="0">
+            <a:spAutoFit/>
+          </a:bodyPr>
+          <a:lstStyle/>
+          <a:p>
+            <a:r>
+              <a:rPr lang="en-US" dirty="0"/>
+              <a:t>6782 Words</a:t>
+            </a:r>
+          </a:p>
+        </p:txBody>
+      </p:sp>
+      <p:sp>
+        <p:nvSpPr>
+          <p:cNvPr id="20" name="TextBox 19">
+            <a:extLst>
+              <a:ext uri="{FF2B5EF4-FFF2-40B4-BE49-F238E27FC236}">
+                <a16:creationId xmlns:a16="http://schemas.microsoft.com/office/drawing/2014/main" id="{029F1A01-EF4E-D54D-B2C9-8019EF4175BD}"/>
+              </a:ext>
+            </a:extLst>
+          </p:cNvPr>
+          <p:cNvSpPr txBox="1"/>
+          <p:nvPr/>
+        </p:nvSpPr>
+        <p:spPr>
+          <a:xfrm>
+            <a:off x="4287078" y="1133062"/>
+            <a:ext cx="1311578" cy="369332"/>
+          </a:xfrm>
+          <a:prstGeom prst="rect">
+            <a:avLst/>
+          </a:prstGeom>
+          <a:noFill/>
+        </p:spPr>
+        <p:txBody>
+          <a:bodyPr wrap="none" rtlCol="0">
+            <a:spAutoFit/>
+          </a:bodyPr>
+          <a:lstStyle/>
+          <a:p>
+            <a:r>
+              <a:rPr lang="en-US" dirty="0"/>
+              <a:t>2477 Words</a:t>
+            </a:r>
+          </a:p>
+        </p:txBody>
+      </p:sp>
+      <p:sp>
+        <p:nvSpPr>
+          <p:cNvPr id="23" name="TextBox 22">
+            <a:extLst>
+              <a:ext uri="{FF2B5EF4-FFF2-40B4-BE49-F238E27FC236}">
+                <a16:creationId xmlns:a16="http://schemas.microsoft.com/office/drawing/2014/main" id="{3A20560B-4DD8-A74F-9054-1901BAABD543}"/>
+              </a:ext>
+            </a:extLst>
+          </p:cNvPr>
+          <p:cNvSpPr txBox="1"/>
+          <p:nvPr/>
+        </p:nvSpPr>
+        <p:spPr>
+          <a:xfrm>
+            <a:off x="165652" y="3796748"/>
+            <a:ext cx="1311578" cy="369332"/>
+          </a:xfrm>
+          <a:prstGeom prst="rect">
+            <a:avLst/>
+          </a:prstGeom>
+          <a:noFill/>
+        </p:spPr>
+        <p:txBody>
+          <a:bodyPr wrap="none" rtlCol="0">
+            <a:spAutoFit/>
+          </a:bodyPr>
+          <a:lstStyle/>
+          <a:p>
+            <a:r>
+              <a:rPr lang="en-US" dirty="0"/>
+              <a:t>4463 Words</a:t>
+            </a:r>
+          </a:p>
+        </p:txBody>
+      </p:sp>
+      <p:pic>
+        <p:nvPicPr>
+          <p:cNvPr id="25" name="Picture 24" descr="A screenshot of a cell phone&#10;&#10;Description automatically generated">
+            <a:extLst>
+              <a:ext uri="{FF2B5EF4-FFF2-40B4-BE49-F238E27FC236}">
+                <a16:creationId xmlns:a16="http://schemas.microsoft.com/office/drawing/2014/main" id="{C7F973D3-26B1-E943-97B5-013D927EC93F}"/>
+              </a:ext>
+            </a:extLst>
+          </p:cNvPr>
+          <p:cNvPicPr>
+            <a:picLocks noChangeAspect="1"/>
+          </p:cNvPicPr>
+          <p:nvPr/>
+        </p:nvPicPr>
+        <p:blipFill>
+          <a:blip r:embed="rId3">
+            <a:extLst>
+              <a:ext uri="{28A0092B-C50C-407E-A947-70E740481C1C}">
+                <a14:useLocalDpi xmlns:a14="http://schemas.microsoft.com/office/drawing/2010/main" val="0"/>
+              </a:ext>
+            </a:extLst>
+          </a:blip>
+          <a:stretch>
+            <a:fillRect/>
+          </a:stretch>
+        </p:blipFill>
+        <p:spPr>
+          <a:xfrm>
+            <a:off x="271118" y="4114800"/>
+            <a:ext cx="3280465" cy="1979275"/>
+          </a:xfrm>
+          <a:prstGeom prst="rect">
+            <a:avLst/>
+          </a:prstGeom>
+          <a:ln>
+            <a:solidFill>
+              <a:schemeClr val="tx1"/>
+            </a:solidFill>
+          </a:ln>
+        </p:spPr>
+      </p:pic>
+      <p:pic>
+        <p:nvPicPr>
+          <p:cNvPr id="27" name="Picture 26" descr="A screenshot of a cell phone&#10;&#10;Description automatically generated">
+            <a:extLst>
+              <a:ext uri="{FF2B5EF4-FFF2-40B4-BE49-F238E27FC236}">
+                <a16:creationId xmlns:a16="http://schemas.microsoft.com/office/drawing/2014/main" id="{BAE8646C-C76C-974A-B2E7-8CB3819C5C6D}"/>
+              </a:ext>
+            </a:extLst>
+          </p:cNvPr>
+          <p:cNvPicPr>
+            <a:picLocks noChangeAspect="1"/>
+          </p:cNvPicPr>
+          <p:nvPr/>
+        </p:nvPicPr>
+        <p:blipFill>
+          <a:blip r:embed="rId4">
+            <a:extLst>
+              <a:ext uri="{28A0092B-C50C-407E-A947-70E740481C1C}">
+                <a14:useLocalDpi xmlns:a14="http://schemas.microsoft.com/office/drawing/2010/main" val="0"/>
+              </a:ext>
+            </a:extLst>
+          </a:blip>
+          <a:stretch>
+            <a:fillRect/>
+          </a:stretch>
+        </p:blipFill>
+        <p:spPr>
+          <a:xfrm>
+            <a:off x="4359855" y="1475961"/>
+            <a:ext cx="3479634" cy="1969604"/>
+          </a:xfrm>
+          <a:prstGeom prst="rect">
+            <a:avLst/>
+          </a:prstGeom>
+          <a:ln>
+            <a:solidFill>
+              <a:schemeClr val="tx1"/>
+            </a:solidFill>
+          </a:ln>
+        </p:spPr>
+      </p:pic>
+      <p:pic>
+        <p:nvPicPr>
+          <p:cNvPr id="5" name="Picture 4">
+            <a:extLst>
+              <a:ext uri="{FF2B5EF4-FFF2-40B4-BE49-F238E27FC236}">
+                <a16:creationId xmlns:a16="http://schemas.microsoft.com/office/drawing/2014/main" id="{DB725BA3-6CD7-A046-8472-78CF1DD28A4A}"/>
+              </a:ext>
+            </a:extLst>
+          </p:cNvPr>
+          <p:cNvPicPr>
+            <a:picLocks noChangeAspect="1"/>
+          </p:cNvPicPr>
+          <p:nvPr/>
+        </p:nvPicPr>
+        <p:blipFill>
+          <a:blip r:embed="rId5"/>
+          <a:stretch>
+            <a:fillRect/>
+          </a:stretch>
+        </p:blipFill>
+        <p:spPr>
+          <a:xfrm>
+            <a:off x="4359855" y="4090280"/>
+            <a:ext cx="3630716" cy="1969604"/>
+          </a:xfrm>
+          <a:prstGeom prst="rect">
+            <a:avLst/>
+          </a:prstGeom>
+          <a:ln>
+            <a:solidFill>
+              <a:schemeClr val="tx1"/>
+            </a:solidFill>
+          </a:ln>
+        </p:spPr>
+      </p:pic>
+      <p:sp>
+        <p:nvSpPr>
+          <p:cNvPr id="16" name="TextBox 15">
+            <a:extLst>
+              <a:ext uri="{FF2B5EF4-FFF2-40B4-BE49-F238E27FC236}">
+                <a16:creationId xmlns:a16="http://schemas.microsoft.com/office/drawing/2014/main" id="{EA8FEEBB-E88C-B543-8EE4-9B6D04308524}"/>
+              </a:ext>
+            </a:extLst>
+          </p:cNvPr>
+          <p:cNvSpPr txBox="1"/>
+          <p:nvPr/>
+        </p:nvSpPr>
+        <p:spPr>
+          <a:xfrm>
+            <a:off x="4359855" y="3757381"/>
+            <a:ext cx="1311578" cy="369332"/>
+          </a:xfrm>
+          <a:prstGeom prst="rect">
+            <a:avLst/>
+          </a:prstGeom>
+          <a:noFill/>
+        </p:spPr>
+        <p:txBody>
+          <a:bodyPr wrap="none" rtlCol="0">
+            <a:spAutoFit/>
+          </a:bodyPr>
+          <a:lstStyle/>
+          <a:p>
+            <a:r>
+              <a:rPr lang="en-US" dirty="0"/>
+              <a:t>1519 Words</a:t>
+            </a:r>
+          </a:p>
+        </p:txBody>
+      </p:sp>
+    </p:spTree>
+    <p:extLst>
+      <p:ext uri="{BB962C8B-B14F-4D97-AF65-F5344CB8AC3E}">
+        <p14:creationId xmlns:p14="http://schemas.microsoft.com/office/powerpoint/2010/main" val="175621166"/>
+      </p:ext>
+    </p:extLst>
+  </p:cSld>
+  <p:clrMapOvr>
+    <a:masterClrMapping/>
+  </p:clrMapOvr>
+  <p:timing>
+    <p:tnLst>
+      <p:par>
+        <p:cTn id="1" dur="indefinite" restart="never" nodeType="tmRoot">
+          <p:childTnLst>
+            <p:seq concurrent="1" nextAc="seek">
+              <p:cTn id="2" dur="indefinite" nodeType="mainSeq">
+                <p:childTnLst>
+                  <p:par>
+                    <p:cTn id="3" fill="hold">
+                      <p:stCondLst>
+                        <p:cond delay="indefinite"/>
+                      </p:stCondLst>
+                      <p:childTnLst>
+                        <p:par>
+                          <p:cTn id="4" fill="hold">
+                            <p:stCondLst>
+                              <p:cond delay="0"/>
+                            </p:stCondLst>
+                            <p:childTnLst>
+                              <p:par>
+                                <p:cTn id="5" presetID="1" presetClass="entr" presetSubtype="0" fill="hold" nodeType="clickEffect">
+                                  <p:stCondLst>
+                                    <p:cond delay="0"/>
+                                  </p:stCondLst>
+                                  <p:childTnLst>
+                                    <p:set>
+                                      <p:cBhvr>
+                                        <p:cTn id="6" dur="1" fill="hold">
+                                          <p:stCondLst>
+                                            <p:cond delay="0"/>
+                                          </p:stCondLst>
+                                        </p:cTn>
+                                        <p:tgtEl>
+                                          <p:spTgt spid="15"/>
+                                        </p:tgtEl>
+                                        <p:attrNameLst>
+                                          <p:attrName>style.visibility</p:attrName>
+                                        </p:attrNameLst>
+                                      </p:cBhvr>
+                                      <p:to>
+                                        <p:strVal val="visible"/>
+                                      </p:to>
+                                    </p:set>
+                                  </p:childTnLst>
+                                </p:cTn>
+                              </p:par>
+                              <p:par>
+                                <p:cTn id="7" presetID="1" presetClass="entr" presetSubtype="0" fill="hold" grpId="0" nodeType="withEffect">
+                                  <p:stCondLst>
+                                    <p:cond delay="0"/>
+                                  </p:stCondLst>
+                                  <p:childTnLst>
+                                    <p:set>
+                                      <p:cBhvr>
+                                        <p:cTn id="8" dur="1" fill="hold">
+                                          <p:stCondLst>
+                                            <p:cond delay="0"/>
+                                          </p:stCondLst>
+                                        </p:cTn>
+                                        <p:tgtEl>
+                                          <p:spTgt spid="18"/>
+                                        </p:tgtEl>
+                                        <p:attrNameLst>
+                                          <p:attrName>style.visibility</p:attrName>
+                                        </p:attrNameLst>
+                                      </p:cBhvr>
+                                      <p:to>
+                                        <p:strVal val="visible"/>
+                                      </p:to>
+                                    </p:set>
+                                  </p:childTnLst>
+                                </p:cTn>
+                              </p:par>
+                            </p:childTnLst>
+                          </p:cTn>
+                        </p:par>
+                      </p:childTnLst>
+                    </p:cTn>
+                  </p:par>
+                  <p:par>
+                    <p:cTn id="9" fill="hold">
+                      <p:stCondLst>
+                        <p:cond delay="indefinite"/>
+                      </p:stCondLst>
+                      <p:childTnLst>
+                        <p:par>
+                          <p:cTn id="10" fill="hold">
+                            <p:stCondLst>
+                              <p:cond delay="0"/>
+                            </p:stCondLst>
+                            <p:childTnLst>
+                              <p:par>
+                                <p:cTn id="11" presetID="1" presetClass="entr" presetSubtype="0" fill="hold" nodeType="clickEffect">
+                                  <p:stCondLst>
+                                    <p:cond delay="0"/>
+                                  </p:stCondLst>
+                                  <p:childTnLst>
+                                    <p:set>
+                                      <p:cBhvr>
+                                        <p:cTn id="12" dur="1" fill="hold">
+                                          <p:stCondLst>
+                                            <p:cond delay="0"/>
+                                          </p:stCondLst>
+                                        </p:cTn>
+                                        <p:tgtEl>
+                                          <p:spTgt spid="27"/>
+                                        </p:tgtEl>
+                                        <p:attrNameLst>
+                                          <p:attrName>style.visibility</p:attrName>
+                                        </p:attrNameLst>
+                                      </p:cBhvr>
+                                      <p:to>
+                                        <p:strVal val="visible"/>
+                                      </p:to>
+                                    </p:set>
+                                  </p:childTnLst>
+                                </p:cTn>
+                              </p:par>
+                              <p:par>
+                                <p:cTn id="13" presetID="1" presetClass="entr" presetSubtype="0" fill="hold" grpId="0" nodeType="withEffect">
+                                  <p:stCondLst>
+                                    <p:cond delay="0"/>
+                                  </p:stCondLst>
+                                  <p:childTnLst>
+                                    <p:set>
+                                      <p:cBhvr>
+                                        <p:cTn id="14" dur="1" fill="hold">
+                                          <p:stCondLst>
+                                            <p:cond delay="0"/>
+                                          </p:stCondLst>
+                                        </p:cTn>
+                                        <p:tgtEl>
+                                          <p:spTgt spid="20"/>
+                                        </p:tgtEl>
+                                        <p:attrNameLst>
+                                          <p:attrName>style.visibility</p:attrName>
+                                        </p:attrNameLst>
+                                      </p:cBhvr>
+                                      <p:to>
+                                        <p:strVal val="visible"/>
+                                      </p:to>
+                                    </p:set>
+                                  </p:childTnLst>
+                                </p:cTn>
+                              </p:par>
+                            </p:childTnLst>
+                          </p:cTn>
+                        </p:par>
+                      </p:childTnLst>
+                    </p:cTn>
+                  </p:par>
+                  <p:par>
+                    <p:cTn id="15" fill="hold">
+                      <p:stCondLst>
+                        <p:cond delay="indefinite"/>
+                      </p:stCondLst>
+                      <p:childTnLst>
+                        <p:par>
+                          <p:cTn id="16" fill="hold">
+                            <p:stCondLst>
+                              <p:cond delay="0"/>
+                            </p:stCondLst>
+                            <p:childTnLst>
+                              <p:par>
+                                <p:cTn id="17" presetID="1" presetClass="entr" presetSubtype="0" fill="hold" grpId="0" nodeType="clickEffect">
+                                  <p:stCondLst>
+                                    <p:cond delay="0"/>
+                                  </p:stCondLst>
+                                  <p:childTnLst>
+                                    <p:set>
+                                      <p:cBhvr>
+                                        <p:cTn id="18" dur="1" fill="hold">
+                                          <p:stCondLst>
+                                            <p:cond delay="0"/>
+                                          </p:stCondLst>
+                                        </p:cTn>
+                                        <p:tgtEl>
+                                          <p:spTgt spid="23"/>
+                                        </p:tgtEl>
+                                        <p:attrNameLst>
+                                          <p:attrName>style.visibility</p:attrName>
+                                        </p:attrNameLst>
+                                      </p:cBhvr>
+                                      <p:to>
+                                        <p:strVal val="visible"/>
+                                      </p:to>
+                                    </p:set>
+                                  </p:childTnLst>
+                                </p:cTn>
+                              </p:par>
+                              <p:par>
+                                <p:cTn id="19" presetID="1" presetClass="entr" presetSubtype="0" fill="hold" nodeType="withEffect">
+                                  <p:stCondLst>
+                                    <p:cond delay="0"/>
+                                  </p:stCondLst>
+                                  <p:childTnLst>
+                                    <p:set>
+                                      <p:cBhvr>
+                                        <p:cTn id="20" dur="1" fill="hold">
+                                          <p:stCondLst>
+                                            <p:cond delay="0"/>
+                                          </p:stCondLst>
+                                        </p:cTn>
+                                        <p:tgtEl>
+                                          <p:spTgt spid="25"/>
+                                        </p:tgtEl>
+                                        <p:attrNameLst>
+                                          <p:attrName>style.visibility</p:attrName>
+                                        </p:attrNameLst>
+                                      </p:cBhvr>
+                                      <p:to>
+                                        <p:strVal val="visible"/>
+                                      </p:to>
+                                    </p:set>
+                                  </p:childTnLst>
+                                </p:cTn>
+                              </p:par>
+                            </p:childTnLst>
+                          </p:cTn>
+                        </p:par>
+                      </p:childTnLst>
+                    </p:cTn>
+                  </p:par>
+                  <p:par>
+                    <p:cTn id="21" fill="hold">
+                      <p:stCondLst>
+                        <p:cond delay="indefinite"/>
+                      </p:stCondLst>
+                      <p:childTnLst>
+                        <p:par>
+                          <p:cTn id="22" fill="hold">
+                            <p:stCondLst>
+                              <p:cond delay="0"/>
+                            </p:stCondLst>
+                            <p:childTnLst>
+                              <p:par>
+                                <p:cTn id="23" presetID="1" presetClass="entr" presetSubtype="0" fill="hold" grpId="0" nodeType="clickEffect">
+                                  <p:stCondLst>
+                                    <p:cond delay="0"/>
+                                  </p:stCondLst>
+                                  <p:childTnLst>
+                                    <p:set>
+                                      <p:cBhvr>
+                                        <p:cTn id="24" dur="1" fill="hold">
+                                          <p:stCondLst>
+                                            <p:cond delay="0"/>
+                                          </p:stCondLst>
+                                        </p:cTn>
+                                        <p:tgtEl>
+                                          <p:spTgt spid="16"/>
+                                        </p:tgtEl>
+                                        <p:attrNameLst>
+                                          <p:attrName>style.visibility</p:attrName>
+                                        </p:attrNameLst>
+                                      </p:cBhvr>
+                                      <p:to>
+                                        <p:strVal val="visible"/>
+                                      </p:to>
+                                    </p:set>
+                                  </p:childTnLst>
+                                </p:cTn>
+                              </p:par>
+                              <p:par>
+                                <p:cTn id="25" presetID="1" presetClass="entr" presetSubtype="0" fill="hold" nodeType="withEffect">
+                                  <p:stCondLst>
+                                    <p:cond delay="0"/>
+                                  </p:stCondLst>
+                                  <p:childTnLst>
+                                    <p:set>
+                                      <p:cBhvr>
+                                        <p:cTn id="26" dur="1" fill="hold">
+                                          <p:stCondLst>
+                                            <p:cond delay="0"/>
+                                          </p:stCondLst>
+                                        </p:cTn>
+                                        <p:tgtEl>
+                                          <p:spTgt spid="5"/>
+                                        </p:tgtEl>
+                                        <p:attrNameLst>
+                                          <p:attrName>style.visibility</p:attrName>
+                                        </p:attrNameLst>
+                                      </p:cBhvr>
+                                      <p:to>
+                                        <p:strVal val="visible"/>
+                                      </p:to>
+                                    </p:set>
+                                  </p:childTnLst>
+                                </p:cTn>
+                              </p:par>
+                            </p:childTnLst>
+                          </p:cTn>
+                        </p:par>
+                      </p:childTnLst>
+                    </p:cTn>
+                  </p:par>
+                </p:childTnLst>
+              </p:cTn>
+              <p:prevCondLst>
+                <p:cond evt="onPrev" delay="0">
+                  <p:tgtEl>
+                    <p:sldTgt/>
+                  </p:tgtEl>
+                </p:cond>
+              </p:prevCondLst>
+              <p:nextCondLst>
+                <p:cond evt="onNext" delay="0">
+                  <p:tgtEl>
+                    <p:sldTgt/>
+                  </p:tgtEl>
+                </p:cond>
+              </p:nextCondLst>
+            </p:seq>
+          </p:childTnLst>
+        </p:cTn>
+      </p:par>
+    </p:tnLst>
+    <p:bldLst>
+      <p:bldP spid="18" grpId="0"/>
+      <p:bldP spid="20" grpId="0"/>
+      <p:bldP spid="23" grpId="0"/>
+      <p:bldP spid="16" grpId="0"/>
+    </p:bldLst>
+  </p:timing>
+</p:sld>
+</file>
+
+<file path=ppt/slides/slide9.xml><?xml version="1.0" encoding="utf-8"?>
+<p:sld xmlns:a="http://schemas.openxmlformats.org/drawingml/2006/main" xmlns:r="http://schemas.openxmlformats.org/officeDocument/2006/relationships" xmlns:p="http://schemas.openxmlformats.org/presentationml/2006/main">
+  <p:cSld>
+    <p:spTree>
+      <p:nvGrpSpPr>
+        <p:cNvPr id="1" name=""/>
+        <p:cNvGrpSpPr/>
+        <p:nvPr/>
+      </p:nvGrpSpPr>
+      <p:grpSpPr>
+        <a:xfrm>
+          <a:off x="0" y="0"/>
+          <a:ext cx="0" cy="0"/>
+          <a:chOff x="0" y="0"/>
+          <a:chExt cx="0" cy="0"/>
+        </a:xfrm>
+      </p:grpSpPr>
+      <p:sp>
+        <p:nvSpPr>
+          <p:cNvPr id="2" name="Date Placeholder 1"/>
+          <p:cNvSpPr>
+            <a:spLocks noGrp="1"/>
+          </p:cNvSpPr>
+          <p:nvPr>
+            <p:ph type="dt" sz="half" idx="10"/>
+          </p:nvPr>
+        </p:nvSpPr>
+        <p:spPr/>
+        <p:txBody>
+          <a:bodyPr/>
+          <a:lstStyle/>
+          <a:p>
+            <a:fld id="{6700A58B-DD98-43D0-B791-721480A02982}" type="datetime1">
+              <a:rPr lang="en-US" smtClean="0"/>
+              <a:t>1/19/22</a:t>
+            </a:fld>
+            <a:endParaRPr lang="en-US"/>
+          </a:p>
+        </p:txBody>
+      </p:sp>
+      <p:sp>
+        <p:nvSpPr>
+          <p:cNvPr id="3" name="Title 2"/>
+          <p:cNvSpPr>
+            <a:spLocks noGrp="1"/>
+          </p:cNvSpPr>
+          <p:nvPr>
+            <p:ph type="title"/>
+          </p:nvPr>
+        </p:nvSpPr>
+        <p:spPr>
+          <a:xfrm>
+            <a:off x="236483" y="365126"/>
+            <a:ext cx="8278867" cy="591477"/>
+          </a:xfrm>
+        </p:spPr>
+        <p:txBody>
+          <a:bodyPr/>
+          <a:lstStyle/>
+          <a:p>
+            <a:r>
+              <a:rPr lang="en-US" dirty="0"/>
+              <a:t>Tidy can seem complicated but not impossible.</a:t>
+            </a:r>
+          </a:p>
+        </p:txBody>
+      </p:sp>
+      <p:sp>
+        <p:nvSpPr>
+          <p:cNvPr id="4" name="Footer Placeholder 3"/>
+          <p:cNvSpPr>
+            <a:spLocks noGrp="1"/>
+          </p:cNvSpPr>
+          <p:nvPr>
+            <p:ph type="ftr" sz="quarter" idx="3"/>
+          </p:nvPr>
+        </p:nvSpPr>
+        <p:spPr/>
+        <p:txBody>
+          <a:bodyPr/>
+          <a:lstStyle/>
+          <a:p>
+            <a:r>
+              <a:rPr lang="en-US"/>
+              <a:t>Kwartler</a:t>
+            </a:r>
+            <a:endParaRPr lang="en-US" dirty="0"/>
+          </a:p>
+        </p:txBody>
+      </p:sp>
+      <p:sp>
+        <p:nvSpPr>
+          <p:cNvPr id="5" name="Slide Number Placeholder 4"/>
+          <p:cNvSpPr>
+            <a:spLocks noGrp="1"/>
+          </p:cNvSpPr>
+          <p:nvPr>
+            <p:ph type="sldNum" sz="quarter" idx="4"/>
+          </p:nvPr>
+        </p:nvSpPr>
+        <p:spPr/>
+        <p:txBody>
+          <a:bodyPr/>
+          <a:lstStyle/>
+          <a:p>
+            <a:fld id="{37290FF7-652B-4475-AEAB-8B1A5D23AE09}" type="slidenum">
+              <a:rPr lang="en-US" smtClean="0"/>
+              <a:pPr/>
+              <a:t>9</a:t>
+            </a:fld>
+            <a:endParaRPr lang="en-US" dirty="0"/>
+          </a:p>
+        </p:txBody>
+      </p:sp>
+      <p:sp>
+        <p:nvSpPr>
+          <p:cNvPr id="7" name="Rectangle 6">
+            <a:extLst>
+              <a:ext uri="{FF2B5EF4-FFF2-40B4-BE49-F238E27FC236}">
+                <a16:creationId xmlns:a16="http://schemas.microsoft.com/office/drawing/2014/main" id="{6FBB0477-481A-4E1A-8DDD-E4574ACCF9CE}"/>
+              </a:ext>
+            </a:extLst>
+          </p:cNvPr>
+          <p:cNvSpPr/>
+          <p:nvPr/>
+        </p:nvSpPr>
+        <p:spPr>
+          <a:xfrm>
+            <a:off x="301491" y="2754501"/>
+            <a:ext cx="3381375" cy="584775"/>
+          </a:xfrm>
+          <a:prstGeom prst="rect">
+            <a:avLst/>
+          </a:prstGeom>
+          <a:solidFill>
+            <a:schemeClr val="bg1">
+              <a:lumMod val="85000"/>
+            </a:schemeClr>
+          </a:solidFill>
+        </p:spPr>
+        <p:txBody>
+          <a:bodyPr wrap="square">
+            <a:spAutoFit/>
+          </a:bodyPr>
+          <a:lstStyle/>
+          <a:p>
+            <a:pPr defTabSz="457200"/>
+            <a:r>
+              <a:rPr lang="en-US" sz="1600" kern="1200" dirty="0" err="1">
+                <a:solidFill>
+                  <a:prstClr val="black"/>
+                </a:solidFill>
+                <a:latin typeface="Consolas" panose="020B0609020204030204" pitchFamily="49" charset="0"/>
+                <a:ea typeface="Arial Unicode MS" panose="020B0604020202020204" pitchFamily="34" charset="-128"/>
+                <a:cs typeface="Consolas" panose="020B0609020204030204" pitchFamily="49" charset="0"/>
+              </a:rPr>
+              <a:t>all.tidy</a:t>
+            </a:r>
+            <a:r>
+              <a:rPr lang="en-US" sz="1600" kern="1200" dirty="0">
+                <a:solidFill>
+                  <a:prstClr val="black"/>
+                </a:solidFill>
+                <a:latin typeface="Consolas" panose="020B0609020204030204" pitchFamily="49" charset="0"/>
+                <a:ea typeface="Arial Unicode MS" panose="020B0604020202020204" pitchFamily="34" charset="-128"/>
+                <a:cs typeface="Consolas" panose="020B0609020204030204" pitchFamily="49" charset="0"/>
+              </a:rPr>
+              <a:t> &lt;- </a:t>
+            </a:r>
+            <a:r>
+              <a:rPr lang="en-US" sz="1600" kern="1200" dirty="0" err="1">
+                <a:solidFill>
+                  <a:prstClr val="black"/>
+                </a:solidFill>
+                <a:latin typeface="Consolas" panose="020B0609020204030204" pitchFamily="49" charset="0"/>
+                <a:ea typeface="Arial Unicode MS" panose="020B0604020202020204" pitchFamily="34" charset="-128"/>
+                <a:cs typeface="Consolas" panose="020B0609020204030204" pitchFamily="49" charset="0"/>
+              </a:rPr>
+              <a:t>all.tidy</a:t>
+            </a:r>
+            <a:r>
+              <a:rPr lang="en-US" sz="1600" kern="1200" dirty="0">
+                <a:solidFill>
+                  <a:prstClr val="black"/>
+                </a:solidFill>
+                <a:latin typeface="Consolas" panose="020B0609020204030204" pitchFamily="49" charset="0"/>
+                <a:ea typeface="Arial Unicode MS" panose="020B0604020202020204" pitchFamily="34" charset="-128"/>
+                <a:cs typeface="Consolas" panose="020B0609020204030204" pitchFamily="49" charset="0"/>
+              </a:rPr>
+              <a:t> %&gt;%</a:t>
+            </a:r>
+          </a:p>
+          <a:p>
+            <a:pPr defTabSz="457200"/>
+            <a:r>
+              <a:rPr lang="en-US" sz="1600" kern="1200" dirty="0">
+                <a:solidFill>
+                  <a:prstClr val="black"/>
+                </a:solidFill>
+                <a:latin typeface="Consolas" panose="020B0609020204030204" pitchFamily="49" charset="0"/>
+                <a:ea typeface="Arial Unicode MS" panose="020B0604020202020204" pitchFamily="34" charset="-128"/>
+                <a:cs typeface="Consolas" panose="020B0609020204030204" pitchFamily="49" charset="0"/>
+              </a:rPr>
+              <a:t>  </a:t>
+            </a:r>
+            <a:r>
+              <a:rPr lang="en-US" sz="1600" u="sng" kern="1200" dirty="0" err="1">
+                <a:solidFill>
+                  <a:prstClr val="black"/>
+                </a:solidFill>
+                <a:latin typeface="Consolas" panose="020B0609020204030204" pitchFamily="49" charset="0"/>
+                <a:ea typeface="Arial Unicode MS" panose="020B0604020202020204" pitchFamily="34" charset="-128"/>
+                <a:cs typeface="Consolas" panose="020B0609020204030204" pitchFamily="49" charset="0"/>
+              </a:rPr>
+              <a:t>anti_join</a:t>
+            </a:r>
+            <a:r>
+              <a:rPr lang="en-US" sz="1600" kern="1200" dirty="0">
+                <a:solidFill>
+                  <a:prstClr val="black"/>
+                </a:solidFill>
+                <a:latin typeface="Consolas" panose="020B0609020204030204" pitchFamily="49" charset="0"/>
+                <a:ea typeface="Arial Unicode MS" panose="020B0604020202020204" pitchFamily="34" charset="-128"/>
+                <a:cs typeface="Consolas" panose="020B0609020204030204" pitchFamily="49" charset="0"/>
+              </a:rPr>
+              <a:t>(</a:t>
+            </a:r>
+            <a:r>
+              <a:rPr lang="en-US" sz="1600" kern="1200" dirty="0" err="1">
+                <a:solidFill>
+                  <a:prstClr val="black"/>
+                </a:solidFill>
+                <a:latin typeface="Consolas" panose="020B0609020204030204" pitchFamily="49" charset="0"/>
+                <a:ea typeface="Arial Unicode MS" panose="020B0604020202020204" pitchFamily="34" charset="-128"/>
+                <a:cs typeface="Consolas" panose="020B0609020204030204" pitchFamily="49" charset="0"/>
+              </a:rPr>
+              <a:t>stop_words</a:t>
+            </a:r>
+            <a:r>
+              <a:rPr lang="en-US" sz="1600" kern="1200" dirty="0">
+                <a:solidFill>
+                  <a:prstClr val="black"/>
+                </a:solidFill>
+                <a:latin typeface="Consolas" panose="020B0609020204030204" pitchFamily="49" charset="0"/>
+                <a:ea typeface="Arial Unicode MS" panose="020B0604020202020204" pitchFamily="34" charset="-128"/>
+                <a:cs typeface="Consolas" panose="020B0609020204030204" pitchFamily="49" charset="0"/>
+              </a:rPr>
+              <a:t>)</a:t>
+            </a:r>
+          </a:p>
+        </p:txBody>
+      </p:sp>
+      <p:sp>
+        <p:nvSpPr>
+          <p:cNvPr id="8" name="Rectangle 7">
+            <a:extLst>
+              <a:ext uri="{FF2B5EF4-FFF2-40B4-BE49-F238E27FC236}">
+                <a16:creationId xmlns:a16="http://schemas.microsoft.com/office/drawing/2014/main" id="{6C120070-75FA-4473-A705-9C1211F5314E}"/>
+              </a:ext>
+            </a:extLst>
+          </p:cNvPr>
+          <p:cNvSpPr/>
+          <p:nvPr/>
+        </p:nvSpPr>
+        <p:spPr>
+          <a:xfrm>
+            <a:off x="4888847" y="3748414"/>
+            <a:ext cx="1197764" cy="369332"/>
+          </a:xfrm>
+          <a:prstGeom prst="rect">
+            <a:avLst/>
+          </a:prstGeom>
+          <a:solidFill>
+            <a:srgbClr val="FFC000"/>
+          </a:solidFill>
+        </p:spPr>
+        <p:txBody>
+          <a:bodyPr wrap="none">
+            <a:spAutoFit/>
+          </a:bodyPr>
+          <a:lstStyle/>
+          <a:p>
+            <a:pPr defTabSz="457200"/>
+            <a:r>
+              <a:rPr lang="en-US" sz="1800" kern="1200" dirty="0" err="1">
+                <a:solidFill>
+                  <a:prstClr val="black"/>
+                </a:solidFill>
+                <a:latin typeface="Arial Unicode MS" panose="020B0604020202020204" pitchFamily="34" charset="-128"/>
+                <a:ea typeface="Arial Unicode MS" panose="020B0604020202020204" pitchFamily="34" charset="-128"/>
+                <a:cs typeface="Arial Unicode MS" panose="020B0604020202020204" pitchFamily="34" charset="-128"/>
+              </a:rPr>
+              <a:t>anti_join</a:t>
+            </a:r>
+            <a:r>
+              <a:rPr lang="en-US" sz="1800" kern="1200" dirty="0">
+                <a:solidFill>
+                  <a:prstClr val="black"/>
+                </a:solidFill>
+                <a:latin typeface="Arial Unicode MS" panose="020B0604020202020204" pitchFamily="34" charset="-128"/>
+                <a:ea typeface="Arial Unicode MS" panose="020B0604020202020204" pitchFamily="34" charset="-128"/>
+                <a:cs typeface="Arial Unicode MS" panose="020B0604020202020204" pitchFamily="34" charset="-128"/>
+              </a:rPr>
+              <a:t>()</a:t>
+            </a:r>
+          </a:p>
+        </p:txBody>
+      </p:sp>
+      <p:sp>
+        <p:nvSpPr>
+          <p:cNvPr id="9" name="TextBox 8">
+            <a:extLst>
+              <a:ext uri="{FF2B5EF4-FFF2-40B4-BE49-F238E27FC236}">
+                <a16:creationId xmlns:a16="http://schemas.microsoft.com/office/drawing/2014/main" id="{FA542AAA-A766-4392-B476-74EB6B4DC922}"/>
+              </a:ext>
+            </a:extLst>
+          </p:cNvPr>
+          <p:cNvSpPr txBox="1"/>
+          <p:nvPr/>
+        </p:nvSpPr>
+        <p:spPr>
+          <a:xfrm rot="19379462">
+            <a:off x="4381282" y="2747573"/>
+            <a:ext cx="582211" cy="307777"/>
+          </a:xfrm>
+          <a:prstGeom prst="rect">
+            <a:avLst/>
+          </a:prstGeom>
+          <a:noFill/>
+        </p:spPr>
+        <p:txBody>
+          <a:bodyPr wrap="none" rtlCol="0">
+            <a:spAutoFit/>
+          </a:bodyPr>
+          <a:lstStyle/>
+          <a:p>
+            <a:pPr defTabSz="457200"/>
+            <a:r>
+              <a:rPr lang="en-US" sz="1400" kern="1200" dirty="0">
+                <a:solidFill>
+                  <a:prstClr val="black"/>
+                </a:solidFill>
+                <a:latin typeface="Arial Unicode MS" panose="020B0604020202020204" pitchFamily="34" charset="-128"/>
+                <a:ea typeface="Arial Unicode MS" panose="020B0604020202020204" pitchFamily="34" charset="-128"/>
+                <a:cs typeface="Arial Unicode MS" panose="020B0604020202020204" pitchFamily="34" charset="-128"/>
+              </a:rPr>
+              <a:t> </a:t>
+            </a:r>
+            <a:r>
+              <a:rPr lang="en-US" sz="1400" dirty="0">
+                <a:solidFill>
+                  <a:prstClr val="black"/>
+                </a:solidFill>
+                <a:latin typeface="Arial Unicode MS" panose="020B0604020202020204" pitchFamily="34" charset="-128"/>
+                <a:ea typeface="Arial Unicode MS" panose="020B0604020202020204" pitchFamily="34" charset="-128"/>
+                <a:cs typeface="Arial Unicode MS" panose="020B0604020202020204" pitchFamily="34" charset="-128"/>
+              </a:rPr>
+              <a:t>T</a:t>
+            </a:r>
+            <a:r>
+              <a:rPr lang="en-US" sz="1400" kern="1200" dirty="0">
+                <a:solidFill>
+                  <a:prstClr val="black"/>
+                </a:solidFill>
+                <a:latin typeface="Arial Unicode MS" panose="020B0604020202020204" pitchFamily="34" charset="-128"/>
+                <a:ea typeface="Arial Unicode MS" panose="020B0604020202020204" pitchFamily="34" charset="-128"/>
+                <a:cs typeface="Arial Unicode MS" panose="020B0604020202020204" pitchFamily="34" charset="-128"/>
+              </a:rPr>
+              <a:t>ext</a:t>
+            </a:r>
+          </a:p>
+        </p:txBody>
+      </p:sp>
+      <p:sp>
+        <p:nvSpPr>
+          <p:cNvPr id="10" name="TextBox 9">
+            <a:extLst>
+              <a:ext uri="{FF2B5EF4-FFF2-40B4-BE49-F238E27FC236}">
+                <a16:creationId xmlns:a16="http://schemas.microsoft.com/office/drawing/2014/main" id="{6073C3AD-587F-44E8-BCBE-1A94597CE751}"/>
+              </a:ext>
+            </a:extLst>
+          </p:cNvPr>
+          <p:cNvSpPr txBox="1"/>
+          <p:nvPr/>
+        </p:nvSpPr>
+        <p:spPr>
+          <a:xfrm rot="2373993">
+            <a:off x="5821512" y="2714241"/>
+            <a:ext cx="1080745" cy="307777"/>
+          </a:xfrm>
+          <a:prstGeom prst="rect">
+            <a:avLst/>
+          </a:prstGeom>
+          <a:noFill/>
+        </p:spPr>
+        <p:txBody>
+          <a:bodyPr wrap="none" rtlCol="0">
+            <a:spAutoFit/>
+          </a:bodyPr>
+          <a:lstStyle/>
+          <a:p>
+            <a:pPr defTabSz="457200"/>
+            <a:r>
+              <a:rPr lang="en-US" sz="1400" kern="1200" dirty="0">
+                <a:solidFill>
+                  <a:prstClr val="black"/>
+                </a:solidFill>
+                <a:latin typeface="Arial Unicode MS" panose="020B0604020202020204" pitchFamily="34" charset="-128"/>
+                <a:ea typeface="Arial Unicode MS" panose="020B0604020202020204" pitchFamily="34" charset="-128"/>
+                <a:cs typeface="Arial Unicode MS" panose="020B0604020202020204" pitchFamily="34" charset="-128"/>
+              </a:rPr>
+              <a:t>Stop words</a:t>
+            </a:r>
+          </a:p>
+        </p:txBody>
+      </p:sp>
+      <p:sp>
+        <p:nvSpPr>
+          <p:cNvPr id="11" name="Rectangle 10">
+            <a:extLst>
+              <a:ext uri="{FF2B5EF4-FFF2-40B4-BE49-F238E27FC236}">
+                <a16:creationId xmlns:a16="http://schemas.microsoft.com/office/drawing/2014/main" id="{07C73059-F476-45F0-B504-D60AD0F87643}"/>
+              </a:ext>
+            </a:extLst>
+          </p:cNvPr>
+          <p:cNvSpPr/>
+          <p:nvPr/>
+        </p:nvSpPr>
+        <p:spPr>
+          <a:xfrm>
+            <a:off x="94797" y="4486727"/>
+            <a:ext cx="3696958" cy="1077218"/>
+          </a:xfrm>
+          <a:prstGeom prst="rect">
+            <a:avLst/>
+          </a:prstGeom>
+          <a:solidFill>
+            <a:schemeClr val="bg1">
+              <a:lumMod val="85000"/>
+            </a:schemeClr>
+          </a:solidFill>
+        </p:spPr>
+        <p:txBody>
+          <a:bodyPr wrap="square">
+            <a:spAutoFit/>
+          </a:bodyPr>
+          <a:lstStyle/>
+          <a:p>
+            <a:pPr defTabSz="457200"/>
+            <a:r>
+              <a:rPr lang="en-US" sz="1600" kern="1200" dirty="0" err="1">
+                <a:solidFill>
+                  <a:prstClr val="black"/>
+                </a:solidFill>
+                <a:latin typeface="Consolas" panose="020B0609020204030204" pitchFamily="49" charset="0"/>
+                <a:ea typeface="Arial Unicode MS" panose="020B0604020202020204" pitchFamily="34" charset="-128"/>
+                <a:cs typeface="Consolas" panose="020B0609020204030204" pitchFamily="49" charset="0"/>
+              </a:rPr>
+              <a:t>all.sentiment</a:t>
+            </a:r>
+            <a:r>
+              <a:rPr lang="en-US" sz="1600" kern="1200" dirty="0">
+                <a:solidFill>
+                  <a:prstClr val="black"/>
+                </a:solidFill>
+                <a:latin typeface="Consolas" panose="020B0609020204030204" pitchFamily="49" charset="0"/>
+                <a:ea typeface="Arial Unicode MS" panose="020B0604020202020204" pitchFamily="34" charset="-128"/>
+                <a:cs typeface="Consolas" panose="020B0609020204030204" pitchFamily="49" charset="0"/>
+              </a:rPr>
+              <a:t> &lt;- </a:t>
+            </a:r>
+            <a:r>
+              <a:rPr lang="en-US" sz="1600" kern="1200" dirty="0" err="1">
+                <a:solidFill>
+                  <a:prstClr val="black"/>
+                </a:solidFill>
+                <a:latin typeface="Consolas" panose="020B0609020204030204" pitchFamily="49" charset="0"/>
+                <a:ea typeface="Arial Unicode MS" panose="020B0604020202020204" pitchFamily="34" charset="-128"/>
+                <a:cs typeface="Consolas" panose="020B0609020204030204" pitchFamily="49" charset="0"/>
+              </a:rPr>
+              <a:t>all.tidy</a:t>
+            </a:r>
+            <a:r>
+              <a:rPr lang="en-US" sz="1600" kern="1200" dirty="0">
+                <a:solidFill>
+                  <a:prstClr val="black"/>
+                </a:solidFill>
+                <a:latin typeface="Consolas" panose="020B0609020204030204" pitchFamily="49" charset="0"/>
+                <a:ea typeface="Arial Unicode MS" panose="020B0604020202020204" pitchFamily="34" charset="-128"/>
+                <a:cs typeface="Consolas" panose="020B0609020204030204" pitchFamily="49" charset="0"/>
+              </a:rPr>
+              <a:t> %&gt;%</a:t>
+            </a:r>
+          </a:p>
+          <a:p>
+            <a:pPr defTabSz="457200"/>
+            <a:r>
+              <a:rPr lang="en-US" sz="1600" kern="1200" dirty="0">
+                <a:solidFill>
+                  <a:prstClr val="black"/>
+                </a:solidFill>
+                <a:latin typeface="Consolas" panose="020B0609020204030204" pitchFamily="49" charset="0"/>
+                <a:ea typeface="Arial Unicode MS" panose="020B0604020202020204" pitchFamily="34" charset="-128"/>
+                <a:cs typeface="Consolas" panose="020B0609020204030204" pitchFamily="49" charset="0"/>
+              </a:rPr>
+              <a:t>  </a:t>
+            </a:r>
+            <a:r>
+              <a:rPr lang="en-US" sz="1600" u="sng" kern="1200" dirty="0" err="1">
+                <a:solidFill>
+                  <a:prstClr val="black"/>
+                </a:solidFill>
+                <a:latin typeface="Consolas" panose="020B0609020204030204" pitchFamily="49" charset="0"/>
+                <a:ea typeface="Arial Unicode MS" panose="020B0604020202020204" pitchFamily="34" charset="-128"/>
+                <a:cs typeface="Consolas" panose="020B0609020204030204" pitchFamily="49" charset="0"/>
+              </a:rPr>
+              <a:t>inner_join</a:t>
+            </a:r>
+            <a:r>
+              <a:rPr lang="en-US" sz="1600" kern="1200" dirty="0">
+                <a:solidFill>
+                  <a:prstClr val="black"/>
+                </a:solidFill>
+                <a:latin typeface="Consolas" panose="020B0609020204030204" pitchFamily="49" charset="0"/>
+                <a:ea typeface="Arial Unicode MS" panose="020B0604020202020204" pitchFamily="34" charset="-128"/>
+                <a:cs typeface="Consolas" panose="020B0609020204030204" pitchFamily="49" charset="0"/>
+              </a:rPr>
+              <a:t>(</a:t>
+            </a:r>
+            <a:r>
+              <a:rPr lang="en-US" sz="1600" kern="1200" dirty="0" err="1">
+                <a:solidFill>
+                  <a:prstClr val="black"/>
+                </a:solidFill>
+                <a:latin typeface="Consolas" panose="020B0609020204030204" pitchFamily="49" charset="0"/>
+                <a:ea typeface="Arial Unicode MS" panose="020B0604020202020204" pitchFamily="34" charset="-128"/>
+                <a:cs typeface="Consolas" panose="020B0609020204030204" pitchFamily="49" charset="0"/>
+              </a:rPr>
+              <a:t>nrc.lexicon</a:t>
+            </a:r>
+            <a:r>
+              <a:rPr lang="en-US" sz="1600" kern="1200" dirty="0">
+                <a:solidFill>
+                  <a:prstClr val="black"/>
+                </a:solidFill>
+                <a:latin typeface="Consolas" panose="020B0609020204030204" pitchFamily="49" charset="0"/>
+                <a:ea typeface="Arial Unicode MS" panose="020B0604020202020204" pitchFamily="34" charset="-128"/>
+                <a:cs typeface="Consolas" panose="020B0609020204030204" pitchFamily="49" charset="0"/>
+              </a:rPr>
+              <a:t>) %&gt;%  </a:t>
+            </a:r>
+          </a:p>
+          <a:p>
+            <a:pPr defTabSz="457200"/>
+            <a:r>
+              <a:rPr lang="en-US" sz="1600" kern="1200" dirty="0">
+                <a:solidFill>
+                  <a:prstClr val="black"/>
+                </a:solidFill>
+                <a:latin typeface="Consolas" panose="020B0609020204030204" pitchFamily="49" charset="0"/>
+                <a:ea typeface="Arial Unicode MS" panose="020B0604020202020204" pitchFamily="34" charset="-128"/>
+                <a:cs typeface="Consolas" panose="020B0609020204030204" pitchFamily="49" charset="0"/>
+              </a:rPr>
+              <a:t>  count(</a:t>
+            </a:r>
+            <a:r>
+              <a:rPr lang="en-US" sz="1600" kern="1200" dirty="0" err="1">
+                <a:solidFill>
+                  <a:prstClr val="black"/>
+                </a:solidFill>
+                <a:latin typeface="Consolas" panose="020B0609020204030204" pitchFamily="49" charset="0"/>
+                <a:ea typeface="Arial Unicode MS" panose="020B0604020202020204" pitchFamily="34" charset="-128"/>
+                <a:cs typeface="Consolas" panose="020B0609020204030204" pitchFamily="49" charset="0"/>
+              </a:rPr>
+              <a:t>tweet,sentiment</a:t>
+            </a:r>
+            <a:r>
+              <a:rPr lang="en-US" sz="1600" kern="1200" dirty="0">
+                <a:solidFill>
+                  <a:prstClr val="black"/>
+                </a:solidFill>
+                <a:latin typeface="Consolas" panose="020B0609020204030204" pitchFamily="49" charset="0"/>
+                <a:ea typeface="Arial Unicode MS" panose="020B0604020202020204" pitchFamily="34" charset="-128"/>
+                <a:cs typeface="Consolas" panose="020B0609020204030204" pitchFamily="49" charset="0"/>
+              </a:rPr>
+              <a:t>) %&gt;%</a:t>
+            </a:r>
+          </a:p>
+          <a:p>
+            <a:pPr defTabSz="457200"/>
+            <a:r>
+              <a:rPr lang="en-US" sz="1600" kern="1200" dirty="0">
+                <a:solidFill>
+                  <a:prstClr val="black"/>
+                </a:solidFill>
+                <a:latin typeface="Consolas" panose="020B0609020204030204" pitchFamily="49" charset="0"/>
+                <a:ea typeface="Arial Unicode MS" panose="020B0604020202020204" pitchFamily="34" charset="-128"/>
+                <a:cs typeface="Consolas" panose="020B0609020204030204" pitchFamily="49" charset="0"/>
+              </a:rPr>
+              <a:t>  spread(tweet, n, fill = 0)</a:t>
+            </a:r>
+          </a:p>
+        </p:txBody>
+      </p:sp>
+      <p:sp>
+        <p:nvSpPr>
+          <p:cNvPr id="12" name="TextBox 11">
+            <a:extLst>
+              <a:ext uri="{FF2B5EF4-FFF2-40B4-BE49-F238E27FC236}">
+                <a16:creationId xmlns:a16="http://schemas.microsoft.com/office/drawing/2014/main" id="{4010DD0B-33D8-4C8D-A840-908EF79D276F}"/>
+              </a:ext>
+            </a:extLst>
+          </p:cNvPr>
+          <p:cNvSpPr txBox="1"/>
+          <p:nvPr/>
+        </p:nvSpPr>
+        <p:spPr>
+          <a:xfrm>
+            <a:off x="3816048" y="1505792"/>
+            <a:ext cx="3364553" cy="584775"/>
+          </a:xfrm>
+          <a:prstGeom prst="rect">
+            <a:avLst/>
+          </a:prstGeom>
+          <a:noFill/>
+        </p:spPr>
+        <p:txBody>
+          <a:bodyPr wrap="square" rtlCol="0">
+            <a:spAutoFit/>
+          </a:bodyPr>
+          <a:lstStyle/>
+          <a:p>
+            <a:pPr algn="ctr" defTabSz="457200"/>
+            <a:r>
+              <a:rPr lang="en-US" sz="1600" kern="1200" dirty="0">
+                <a:solidFill>
+                  <a:prstClr val="black"/>
+                </a:solidFill>
+                <a:latin typeface="Arial Unicode MS" panose="020B0604020202020204" pitchFamily="34" charset="-128"/>
+                <a:ea typeface="Arial Unicode MS" panose="020B0604020202020204" pitchFamily="34" charset="-128"/>
+                <a:cs typeface="Arial Unicode MS" panose="020B0604020202020204" pitchFamily="34" charset="-128"/>
+              </a:rPr>
+              <a:t>Forwards an object so the code is easy to understand &amp; concise.</a:t>
+            </a:r>
+          </a:p>
+        </p:txBody>
+      </p:sp>
+      <p:grpSp>
+        <p:nvGrpSpPr>
+          <p:cNvPr id="13" name="Group 12">
+            <a:extLst>
+              <a:ext uri="{FF2B5EF4-FFF2-40B4-BE49-F238E27FC236}">
+                <a16:creationId xmlns:a16="http://schemas.microsoft.com/office/drawing/2014/main" id="{FDD1E614-E5A0-4976-A922-39D0CCEB472C}"/>
+              </a:ext>
+            </a:extLst>
+          </p:cNvPr>
+          <p:cNvGrpSpPr/>
+          <p:nvPr/>
+        </p:nvGrpSpPr>
+        <p:grpSpPr>
+          <a:xfrm>
+            <a:off x="689158" y="1125414"/>
+            <a:ext cx="1803699" cy="1065581"/>
+            <a:chOff x="1073466" y="914400"/>
+            <a:chExt cx="1803699" cy="1065581"/>
+          </a:xfrm>
+        </p:grpSpPr>
+        <p:sp>
+          <p:nvSpPr>
+            <p:cNvPr id="14" name="Rectangle 13">
+              <a:extLst>
+                <a:ext uri="{FF2B5EF4-FFF2-40B4-BE49-F238E27FC236}">
+                  <a16:creationId xmlns:a16="http://schemas.microsoft.com/office/drawing/2014/main" id="{E8F8D37B-9C5B-4339-845C-B43F17889106}"/>
+                </a:ext>
+              </a:extLst>
+            </p:cNvPr>
+            <p:cNvSpPr/>
+            <p:nvPr/>
+          </p:nvSpPr>
+          <p:spPr>
+            <a:xfrm>
+              <a:off x="1149128" y="1333650"/>
+              <a:ext cx="1720215" cy="646331"/>
+            </a:xfrm>
+            <a:prstGeom prst="rect">
+              <a:avLst/>
+            </a:prstGeom>
+            <a:solidFill>
+              <a:schemeClr val="bg1">
+                <a:lumMod val="85000"/>
+              </a:schemeClr>
+            </a:solidFill>
+          </p:spPr>
+          <p:txBody>
+            <a:bodyPr wrap="square">
+              <a:spAutoFit/>
+            </a:bodyPr>
+            <a:lstStyle/>
+            <a:p>
+              <a:pPr algn="ctr" defTabSz="457200"/>
+              <a:r>
+                <a:rPr lang="en-US" sz="3600" kern="1200" dirty="0">
+                  <a:solidFill>
+                    <a:prstClr val="black"/>
+                  </a:solidFill>
+                  <a:latin typeface="Consolas" panose="020B0609020204030204" pitchFamily="49" charset="0"/>
+                  <a:ea typeface="Arial Unicode MS" panose="020B0604020202020204" pitchFamily="34" charset="-128"/>
+                  <a:cs typeface="Consolas" panose="020B0609020204030204" pitchFamily="49" charset="0"/>
+                </a:rPr>
+                <a:t>%&gt;%</a:t>
+              </a:r>
+            </a:p>
+          </p:txBody>
+        </p:sp>
+        <p:sp>
+          <p:nvSpPr>
+            <p:cNvPr id="15" name="TextBox 14">
+              <a:extLst>
+                <a:ext uri="{FF2B5EF4-FFF2-40B4-BE49-F238E27FC236}">
+                  <a16:creationId xmlns:a16="http://schemas.microsoft.com/office/drawing/2014/main" id="{A640CA88-04CE-4868-B38D-157A5E346B60}"/>
+                </a:ext>
+              </a:extLst>
+            </p:cNvPr>
+            <p:cNvSpPr txBox="1"/>
+            <p:nvPr/>
+          </p:nvSpPr>
+          <p:spPr>
+            <a:xfrm>
+              <a:off x="1073466" y="914400"/>
+              <a:ext cx="1803699" cy="338554"/>
+            </a:xfrm>
+            <a:prstGeom prst="rect">
+              <a:avLst/>
+            </a:prstGeom>
+            <a:noFill/>
+          </p:spPr>
+          <p:txBody>
+            <a:bodyPr wrap="none" rtlCol="0">
+              <a:spAutoFit/>
+            </a:bodyPr>
+            <a:lstStyle/>
+            <a:p>
+              <a:pPr defTabSz="457200"/>
+              <a:r>
+                <a:rPr lang="en-US" sz="1600" kern="1200" dirty="0">
+                  <a:solidFill>
+                    <a:prstClr val="black"/>
+                  </a:solidFill>
+                  <a:latin typeface="Arial Unicode MS" panose="020B0604020202020204" pitchFamily="34" charset="-128"/>
+                  <a:ea typeface="Arial Unicode MS" panose="020B0604020202020204" pitchFamily="34" charset="-128"/>
+                  <a:cs typeface="Arial Unicode MS" panose="020B0604020202020204" pitchFamily="34" charset="-128"/>
+                </a:rPr>
+                <a:t>The pipe operator</a:t>
+              </a:r>
+            </a:p>
+          </p:txBody>
+        </p:sp>
+      </p:grpSp>
+      <p:cxnSp>
+        <p:nvCxnSpPr>
+          <p:cNvPr id="16" name="Straight Connector 15">
+            <a:extLst>
+              <a:ext uri="{FF2B5EF4-FFF2-40B4-BE49-F238E27FC236}">
+                <a16:creationId xmlns:a16="http://schemas.microsoft.com/office/drawing/2014/main" id="{BA5A6061-B638-4C5C-AA8C-9BC9C6119623}"/>
+              </a:ext>
+            </a:extLst>
+          </p:cNvPr>
+          <p:cNvCxnSpPr/>
+          <p:nvPr/>
+        </p:nvCxnSpPr>
+        <p:spPr>
+          <a:xfrm>
+            <a:off x="1535932" y="2331056"/>
+            <a:ext cx="5303520" cy="0"/>
+          </a:xfrm>
+          <a:prstGeom prst="line">
+            <a:avLst/>
+          </a:prstGeom>
+          <a:effectLst/>
+        </p:spPr>
+        <p:style>
+          <a:lnRef idx="2">
+            <a:schemeClr val="accent1"/>
+          </a:lnRef>
+          <a:fillRef idx="0">
+            <a:schemeClr val="accent1"/>
+          </a:fillRef>
+          <a:effectRef idx="1">
+            <a:schemeClr val="accent1"/>
+          </a:effectRef>
+          <a:fontRef idx="minor">
+            <a:schemeClr val="tx1"/>
+          </a:fontRef>
+        </p:style>
+      </p:cxnSp>
+      <p:cxnSp>
+        <p:nvCxnSpPr>
+          <p:cNvPr id="17" name="Straight Connector 16">
+            <a:extLst>
+              <a:ext uri="{FF2B5EF4-FFF2-40B4-BE49-F238E27FC236}">
+                <a16:creationId xmlns:a16="http://schemas.microsoft.com/office/drawing/2014/main" id="{3CA0F96C-7C39-4931-BE9D-E3A7EDB06FEF}"/>
+              </a:ext>
+            </a:extLst>
+          </p:cNvPr>
+          <p:cNvCxnSpPr/>
+          <p:nvPr/>
+        </p:nvCxnSpPr>
+        <p:spPr>
+          <a:xfrm>
+            <a:off x="1535932" y="4289168"/>
+            <a:ext cx="5303520" cy="0"/>
+          </a:xfrm>
+          <a:prstGeom prst="line">
+            <a:avLst/>
+          </a:prstGeom>
+          <a:effectLst/>
+        </p:spPr>
+        <p:style>
+          <a:lnRef idx="2">
+            <a:schemeClr val="accent1"/>
+          </a:lnRef>
+          <a:fillRef idx="0">
+            <a:schemeClr val="accent1"/>
+          </a:fillRef>
+          <a:effectRef idx="1">
+            <a:schemeClr val="accent1"/>
+          </a:effectRef>
+          <a:fontRef idx="minor">
+            <a:schemeClr val="tx1"/>
+          </a:fontRef>
+        </p:style>
+      </p:cxnSp>
+      <p:grpSp>
+        <p:nvGrpSpPr>
+          <p:cNvPr id="18" name="Group 17">
+            <a:extLst>
+              <a:ext uri="{FF2B5EF4-FFF2-40B4-BE49-F238E27FC236}">
+                <a16:creationId xmlns:a16="http://schemas.microsoft.com/office/drawing/2014/main" id="{5FBD77FD-884E-41B8-9DDB-2990E7786254}"/>
+              </a:ext>
+            </a:extLst>
+          </p:cNvPr>
+          <p:cNvGrpSpPr/>
+          <p:nvPr/>
+        </p:nvGrpSpPr>
+        <p:grpSpPr>
+          <a:xfrm>
+            <a:off x="4759923" y="4876800"/>
+            <a:ext cx="1467580" cy="976313"/>
+            <a:chOff x="6515101" y="2824163"/>
+            <a:chExt cx="1123950" cy="747712"/>
+          </a:xfrm>
+        </p:grpSpPr>
+        <p:sp>
+          <p:nvSpPr>
+            <p:cNvPr id="19" name="Freeform 27">
+              <a:extLst>
+                <a:ext uri="{FF2B5EF4-FFF2-40B4-BE49-F238E27FC236}">
+                  <a16:creationId xmlns:a16="http://schemas.microsoft.com/office/drawing/2014/main" id="{09C72037-1D2C-433E-A839-1634A7FAAB7D}"/>
+                </a:ext>
+              </a:extLst>
+            </p:cNvPr>
+            <p:cNvSpPr/>
+            <p:nvPr/>
+          </p:nvSpPr>
+          <p:spPr>
+            <a:xfrm>
+              <a:off x="6896101" y="2880653"/>
+              <a:ext cx="361950" cy="634732"/>
+            </a:xfrm>
+            <a:custGeom>
+              <a:avLst/>
+              <a:gdLst>
+                <a:gd name="connsiteX0" fmla="*/ 176588 w 361950"/>
+                <a:gd name="connsiteY0" fmla="*/ 0 h 634732"/>
+                <a:gd name="connsiteX1" fmla="*/ 198170 w 361950"/>
+                <a:gd name="connsiteY1" fmla="*/ 11714 h 634732"/>
+                <a:gd name="connsiteX2" fmla="*/ 361950 w 361950"/>
+                <a:gd name="connsiteY2" fmla="*/ 319747 h 634732"/>
+                <a:gd name="connsiteX3" fmla="*/ 198170 w 361950"/>
+                <a:gd name="connsiteY3" fmla="*/ 627780 h 634732"/>
+                <a:gd name="connsiteX4" fmla="*/ 185362 w 361950"/>
+                <a:gd name="connsiteY4" fmla="*/ 634732 h 634732"/>
+                <a:gd name="connsiteX5" fmla="*/ 163780 w 361950"/>
+                <a:gd name="connsiteY5" fmla="*/ 623018 h 634732"/>
+                <a:gd name="connsiteX6" fmla="*/ 0 w 361950"/>
+                <a:gd name="connsiteY6" fmla="*/ 314985 h 634732"/>
+                <a:gd name="connsiteX7" fmla="*/ 163780 w 361950"/>
+                <a:gd name="connsiteY7" fmla="*/ 6952 h 634732"/>
+                <a:gd name="connsiteX8" fmla="*/ 176588 w 361950"/>
+                <a:gd name="connsiteY8" fmla="*/ 0 h 634732"/>
+              </a:gdLst>
+              <a:ahLst/>
+              <a:cxnLst>
+                <a:cxn ang="0">
+                  <a:pos x="connsiteX0" y="connsiteY0"/>
+                </a:cxn>
+                <a:cxn ang="0">
+                  <a:pos x="connsiteX1" y="connsiteY1"/>
+                </a:cxn>
+                <a:cxn ang="0">
+                  <a:pos x="connsiteX2" y="connsiteY2"/>
+                </a:cxn>
+                <a:cxn ang="0">
+                  <a:pos x="connsiteX3" y="connsiteY3"/>
+                </a:cxn>
+                <a:cxn ang="0">
+                  <a:pos x="connsiteX4" y="connsiteY4"/>
+                </a:cxn>
+                <a:cxn ang="0">
+                  <a:pos x="connsiteX5" y="connsiteY5"/>
+                </a:cxn>
+                <a:cxn ang="0">
+                  <a:pos x="connsiteX6" y="connsiteY6"/>
+                </a:cxn>
+                <a:cxn ang="0">
+                  <a:pos x="connsiteX7" y="connsiteY7"/>
+                </a:cxn>
+                <a:cxn ang="0">
+                  <a:pos x="connsiteX8" y="connsiteY8"/>
+                </a:cxn>
+              </a:cxnLst>
+              <a:rect l="l" t="t" r="r" b="b"/>
+              <a:pathLst>
+                <a:path w="361950" h="634732">
+                  <a:moveTo>
+                    <a:pt x="176588" y="0"/>
+                  </a:moveTo>
+                  <a:lnTo>
+                    <a:pt x="198170" y="11714"/>
+                  </a:lnTo>
+                  <a:cubicBezTo>
+                    <a:pt x="296983" y="78471"/>
+                    <a:pt x="361950" y="191522"/>
+                    <a:pt x="361950" y="319747"/>
+                  </a:cubicBezTo>
+                  <a:cubicBezTo>
+                    <a:pt x="361950" y="447972"/>
+                    <a:pt x="296983" y="561023"/>
+                    <a:pt x="198170" y="627780"/>
+                  </a:cubicBezTo>
+                  <a:lnTo>
+                    <a:pt x="185362" y="634732"/>
+                  </a:lnTo>
+                  <a:lnTo>
+                    <a:pt x="163780" y="623018"/>
+                  </a:lnTo>
+                  <a:cubicBezTo>
+                    <a:pt x="64967" y="556261"/>
+                    <a:pt x="0" y="443210"/>
+                    <a:pt x="0" y="314985"/>
+                  </a:cubicBezTo>
+                  <a:cubicBezTo>
+                    <a:pt x="0" y="186760"/>
+                    <a:pt x="64967" y="73709"/>
+                    <a:pt x="163780" y="6952"/>
+                  </a:cubicBezTo>
+                  <a:lnTo>
+                    <a:pt x="176588" y="0"/>
+                  </a:lnTo>
+                  <a:close/>
+                </a:path>
+              </a:pathLst>
+            </a:custGeom>
+          </p:spPr>
+          <p:style>
+            <a:lnRef idx="2">
+              <a:schemeClr val="accent1">
+                <a:shade val="50000"/>
+              </a:schemeClr>
+            </a:lnRef>
+            <a:fillRef idx="1">
+              <a:schemeClr val="accent1"/>
+            </a:fillRef>
+            <a:effectRef idx="0">
+              <a:schemeClr val="accent1"/>
+            </a:effectRef>
+            <a:fontRef idx="minor">
+              <a:schemeClr val="lt1"/>
+            </a:fontRef>
+          </p:style>
+          <p:txBody>
+            <a:bodyPr wrap="square" rtlCol="0" anchor="ctr">
+              <a:noAutofit/>
+            </a:bodyPr>
+            <a:lstStyle/>
+            <a:p>
+              <a:pPr algn="ctr" defTabSz="457200"/>
+              <a:endParaRPr lang="en-US" sz="1800" kern="1200" dirty="0">
+                <a:solidFill>
+                  <a:prstClr val="white"/>
+                </a:solidFill>
+                <a:latin typeface="Arial Unicode MS" panose="020B0604020202020204" pitchFamily="34" charset="-128"/>
+              </a:endParaRPr>
+            </a:p>
+          </p:txBody>
+        </p:sp>
+        <p:sp>
+          <p:nvSpPr>
+            <p:cNvPr id="20" name="Freeform 28">
+              <a:extLst>
+                <a:ext uri="{FF2B5EF4-FFF2-40B4-BE49-F238E27FC236}">
+                  <a16:creationId xmlns:a16="http://schemas.microsoft.com/office/drawing/2014/main" id="{B26589AD-8E45-4BC9-99F5-7130148FBE31}"/>
+                </a:ext>
+              </a:extLst>
+            </p:cNvPr>
+            <p:cNvSpPr/>
+            <p:nvPr/>
+          </p:nvSpPr>
+          <p:spPr>
+            <a:xfrm>
+              <a:off x="7072689" y="2824163"/>
+              <a:ext cx="566362" cy="742950"/>
+            </a:xfrm>
+            <a:custGeom>
+              <a:avLst/>
+              <a:gdLst>
+                <a:gd name="connsiteX0" fmla="*/ 194887 w 566362"/>
+                <a:gd name="connsiteY0" fmla="*/ 0 h 742950"/>
+                <a:gd name="connsiteX1" fmla="*/ 566362 w 566362"/>
+                <a:gd name="connsiteY1" fmla="*/ 371475 h 742950"/>
+                <a:gd name="connsiteX2" fmla="*/ 194887 w 566362"/>
+                <a:gd name="connsiteY2" fmla="*/ 742950 h 742950"/>
+                <a:gd name="connsiteX3" fmla="*/ 50292 w 566362"/>
+                <a:gd name="connsiteY3" fmla="*/ 713758 h 742950"/>
+                <a:gd name="connsiteX4" fmla="*/ 8774 w 566362"/>
+                <a:gd name="connsiteY4" fmla="*/ 691222 h 742950"/>
+                <a:gd name="connsiteX5" fmla="*/ 21582 w 566362"/>
+                <a:gd name="connsiteY5" fmla="*/ 684270 h 742950"/>
+                <a:gd name="connsiteX6" fmla="*/ 185362 w 566362"/>
+                <a:gd name="connsiteY6" fmla="*/ 376237 h 742950"/>
+                <a:gd name="connsiteX7" fmla="*/ 21582 w 566362"/>
+                <a:gd name="connsiteY7" fmla="*/ 68204 h 742950"/>
+                <a:gd name="connsiteX8" fmla="*/ 0 w 566362"/>
+                <a:gd name="connsiteY8" fmla="*/ 56490 h 742950"/>
+                <a:gd name="connsiteX9" fmla="*/ 50292 w 566362"/>
+                <a:gd name="connsiteY9" fmla="*/ 29192 h 742950"/>
+                <a:gd name="connsiteX10" fmla="*/ 194887 w 566362"/>
+                <a:gd name="connsiteY10" fmla="*/ 0 h 742950"/>
+              </a:gdLst>
+              <a:ahLst/>
+              <a:cxnLst>
+                <a:cxn ang="0">
+                  <a:pos x="connsiteX0" y="connsiteY0"/>
+                </a:cxn>
+                <a:cxn ang="0">
+                  <a:pos x="connsiteX1" y="connsiteY1"/>
+                </a:cxn>
+                <a:cxn ang="0">
+                  <a:pos x="connsiteX2" y="connsiteY2"/>
+                </a:cxn>
+                <a:cxn ang="0">
+                  <a:pos x="connsiteX3" y="connsiteY3"/>
+                </a:cxn>
+                <a:cxn ang="0">
+                  <a:pos x="connsiteX4" y="connsiteY4"/>
+                </a:cxn>
+                <a:cxn ang="0">
+                  <a:pos x="connsiteX5" y="connsiteY5"/>
+                </a:cxn>
+                <a:cxn ang="0">
+                  <a:pos x="connsiteX6" y="connsiteY6"/>
+                </a:cxn>
+                <a:cxn ang="0">
+                  <a:pos x="connsiteX7" y="connsiteY7"/>
+                </a:cxn>
+                <a:cxn ang="0">
+                  <a:pos x="connsiteX8" y="connsiteY8"/>
+                </a:cxn>
+                <a:cxn ang="0">
+                  <a:pos x="connsiteX9" y="connsiteY9"/>
+                </a:cxn>
+                <a:cxn ang="0">
+                  <a:pos x="connsiteX10" y="connsiteY10"/>
+                </a:cxn>
+              </a:cxnLst>
+              <a:rect l="l" t="t" r="r" b="b"/>
+              <a:pathLst>
+                <a:path w="566362" h="742950">
+                  <a:moveTo>
+                    <a:pt x="194887" y="0"/>
+                  </a:moveTo>
+                  <a:cubicBezTo>
+                    <a:pt x="400047" y="0"/>
+                    <a:pt x="566362" y="166315"/>
+                    <a:pt x="566362" y="371475"/>
+                  </a:cubicBezTo>
+                  <a:cubicBezTo>
+                    <a:pt x="566362" y="576635"/>
+                    <a:pt x="400047" y="742950"/>
+                    <a:pt x="194887" y="742950"/>
+                  </a:cubicBezTo>
+                  <a:cubicBezTo>
+                    <a:pt x="143597" y="742950"/>
+                    <a:pt x="94735" y="732555"/>
+                    <a:pt x="50292" y="713758"/>
+                  </a:cubicBezTo>
+                  <a:lnTo>
+                    <a:pt x="8774" y="691222"/>
+                  </a:lnTo>
+                  <a:lnTo>
+                    <a:pt x="21582" y="684270"/>
+                  </a:lnTo>
+                  <a:cubicBezTo>
+                    <a:pt x="120395" y="617513"/>
+                    <a:pt x="185362" y="504462"/>
+                    <a:pt x="185362" y="376237"/>
+                  </a:cubicBezTo>
+                  <a:cubicBezTo>
+                    <a:pt x="185362" y="248012"/>
+                    <a:pt x="120395" y="134961"/>
+                    <a:pt x="21582" y="68204"/>
+                  </a:cubicBezTo>
+                  <a:lnTo>
+                    <a:pt x="0" y="56490"/>
+                  </a:lnTo>
+                  <a:lnTo>
+                    <a:pt x="50292" y="29192"/>
+                  </a:lnTo>
+                  <a:cubicBezTo>
+                    <a:pt x="94735" y="10395"/>
+                    <a:pt x="143597" y="0"/>
+                    <a:pt x="194887" y="0"/>
+                  </a:cubicBezTo>
+                  <a:close/>
+                </a:path>
+              </a:pathLst>
+            </a:custGeom>
+            <a:noFill/>
+          </p:spPr>
+          <p:style>
+            <a:lnRef idx="2">
+              <a:schemeClr val="accent1">
+                <a:shade val="50000"/>
+              </a:schemeClr>
+            </a:lnRef>
+            <a:fillRef idx="1">
+              <a:schemeClr val="accent1"/>
+            </a:fillRef>
+            <a:effectRef idx="0">
+              <a:schemeClr val="accent1"/>
+            </a:effectRef>
+            <a:fontRef idx="minor">
+              <a:schemeClr val="lt1"/>
+            </a:fontRef>
+          </p:style>
+          <p:txBody>
+            <a:bodyPr wrap="square" rtlCol="0" anchor="ctr">
+              <a:noAutofit/>
+            </a:bodyPr>
+            <a:lstStyle/>
+            <a:p>
+              <a:pPr algn="ctr" defTabSz="457200"/>
+              <a:endParaRPr lang="en-US" sz="1800" kern="1200" dirty="0">
+                <a:solidFill>
+                  <a:prstClr val="white"/>
+                </a:solidFill>
+                <a:latin typeface="Arial Unicode MS" panose="020B0604020202020204" pitchFamily="34" charset="-128"/>
+              </a:endParaRPr>
+            </a:p>
+          </p:txBody>
+        </p:sp>
+        <p:sp>
+          <p:nvSpPr>
+            <p:cNvPr id="21" name="Freeform 29">
+              <a:extLst>
+                <a:ext uri="{FF2B5EF4-FFF2-40B4-BE49-F238E27FC236}">
+                  <a16:creationId xmlns:a16="http://schemas.microsoft.com/office/drawing/2014/main" id="{F5539E4B-6AEB-4978-B485-8F3BBCC4AFD3}"/>
+                </a:ext>
+              </a:extLst>
+            </p:cNvPr>
+            <p:cNvSpPr/>
+            <p:nvPr/>
+          </p:nvSpPr>
+          <p:spPr>
+            <a:xfrm>
+              <a:off x="6515101" y="2828925"/>
+              <a:ext cx="566362" cy="742950"/>
+            </a:xfrm>
+            <a:custGeom>
+              <a:avLst/>
+              <a:gdLst>
+                <a:gd name="connsiteX0" fmla="*/ 371475 w 566362"/>
+                <a:gd name="connsiteY0" fmla="*/ 0 h 742950"/>
+                <a:gd name="connsiteX1" fmla="*/ 516070 w 566362"/>
+                <a:gd name="connsiteY1" fmla="*/ 29192 h 742950"/>
+                <a:gd name="connsiteX2" fmla="*/ 557588 w 566362"/>
+                <a:gd name="connsiteY2" fmla="*/ 51728 h 742950"/>
+                <a:gd name="connsiteX3" fmla="*/ 544780 w 566362"/>
+                <a:gd name="connsiteY3" fmla="*/ 58680 h 742950"/>
+                <a:gd name="connsiteX4" fmla="*/ 381000 w 566362"/>
+                <a:gd name="connsiteY4" fmla="*/ 366713 h 742950"/>
+                <a:gd name="connsiteX5" fmla="*/ 544780 w 566362"/>
+                <a:gd name="connsiteY5" fmla="*/ 674746 h 742950"/>
+                <a:gd name="connsiteX6" fmla="*/ 566362 w 566362"/>
+                <a:gd name="connsiteY6" fmla="*/ 686460 h 742950"/>
+                <a:gd name="connsiteX7" fmla="*/ 516070 w 566362"/>
+                <a:gd name="connsiteY7" fmla="*/ 713758 h 742950"/>
+                <a:gd name="connsiteX8" fmla="*/ 371475 w 566362"/>
+                <a:gd name="connsiteY8" fmla="*/ 742950 h 742950"/>
+                <a:gd name="connsiteX9" fmla="*/ 0 w 566362"/>
+                <a:gd name="connsiteY9" fmla="*/ 371475 h 742950"/>
+                <a:gd name="connsiteX10" fmla="*/ 371475 w 566362"/>
+                <a:gd name="connsiteY10" fmla="*/ 0 h 742950"/>
+              </a:gdLst>
+              <a:ahLst/>
+              <a:cxnLst>
+                <a:cxn ang="0">
+                  <a:pos x="connsiteX0" y="connsiteY0"/>
+                </a:cxn>
+                <a:cxn ang="0">
+                  <a:pos x="connsiteX1" y="connsiteY1"/>
+                </a:cxn>
+                <a:cxn ang="0">
+                  <a:pos x="connsiteX2" y="connsiteY2"/>
+                </a:cxn>
+                <a:cxn ang="0">
+                  <a:pos x="connsiteX3" y="connsiteY3"/>
+                </a:cxn>
+                <a:cxn ang="0">
+                  <a:pos x="connsiteX4" y="connsiteY4"/>
+                </a:cxn>
+                <a:cxn ang="0">
+                  <a:pos x="connsiteX5" y="connsiteY5"/>
+                </a:cxn>
+                <a:cxn ang="0">
+                  <a:pos x="connsiteX6" y="connsiteY6"/>
+                </a:cxn>
+                <a:cxn ang="0">
+                  <a:pos x="connsiteX7" y="connsiteY7"/>
+                </a:cxn>
+                <a:cxn ang="0">
+                  <a:pos x="connsiteX8" y="connsiteY8"/>
+                </a:cxn>
+                <a:cxn ang="0">
+                  <a:pos x="connsiteX9" y="connsiteY9"/>
+                </a:cxn>
+                <a:cxn ang="0">
+                  <a:pos x="connsiteX10" y="connsiteY10"/>
+                </a:cxn>
+              </a:cxnLst>
+              <a:rect l="l" t="t" r="r" b="b"/>
+              <a:pathLst>
+                <a:path w="566362" h="742950">
+                  <a:moveTo>
+                    <a:pt x="371475" y="0"/>
+                  </a:moveTo>
+                  <a:cubicBezTo>
+                    <a:pt x="422765" y="0"/>
+                    <a:pt x="471627" y="10395"/>
+                    <a:pt x="516070" y="29192"/>
+                  </a:cubicBezTo>
+                  <a:lnTo>
+                    <a:pt x="557588" y="51728"/>
+                  </a:lnTo>
+                  <a:lnTo>
+                    <a:pt x="544780" y="58680"/>
+                  </a:lnTo>
+                  <a:cubicBezTo>
+                    <a:pt x="445967" y="125437"/>
+                    <a:pt x="381000" y="238488"/>
+                    <a:pt x="381000" y="366713"/>
+                  </a:cubicBezTo>
+                  <a:cubicBezTo>
+                    <a:pt x="381000" y="494938"/>
+                    <a:pt x="445967" y="607989"/>
+                    <a:pt x="544780" y="674746"/>
+                  </a:cubicBezTo>
+                  <a:lnTo>
+                    <a:pt x="566362" y="686460"/>
+                  </a:lnTo>
+                  <a:lnTo>
+                    <a:pt x="516070" y="713758"/>
+                  </a:lnTo>
+                  <a:cubicBezTo>
+                    <a:pt x="471627" y="732555"/>
+                    <a:pt x="422765" y="742950"/>
+                    <a:pt x="371475" y="742950"/>
+                  </a:cubicBezTo>
+                  <a:cubicBezTo>
+                    <a:pt x="166315" y="742950"/>
+                    <a:pt x="0" y="576635"/>
+                    <a:pt x="0" y="371475"/>
+                  </a:cubicBezTo>
+                  <a:cubicBezTo>
+                    <a:pt x="0" y="166315"/>
+                    <a:pt x="166315" y="0"/>
+                    <a:pt x="371475" y="0"/>
+                  </a:cubicBezTo>
+                  <a:close/>
+                </a:path>
+              </a:pathLst>
+            </a:custGeom>
+            <a:noFill/>
+          </p:spPr>
+          <p:style>
+            <a:lnRef idx="2">
+              <a:schemeClr val="accent1">
+                <a:shade val="50000"/>
+              </a:schemeClr>
+            </a:lnRef>
+            <a:fillRef idx="1">
+              <a:schemeClr val="accent1"/>
+            </a:fillRef>
+            <a:effectRef idx="0">
+              <a:schemeClr val="accent1"/>
+            </a:effectRef>
+            <a:fontRef idx="minor">
+              <a:schemeClr val="lt1"/>
+            </a:fontRef>
+          </p:style>
+          <p:txBody>
+            <a:bodyPr wrap="square" rtlCol="0" anchor="ctr">
+              <a:noAutofit/>
+            </a:bodyPr>
+            <a:lstStyle/>
+            <a:p>
+              <a:pPr algn="ctr" defTabSz="457200"/>
+              <a:endParaRPr lang="en-US" sz="1800" kern="1200" dirty="0">
+                <a:solidFill>
+                  <a:prstClr val="white"/>
+                </a:solidFill>
+                <a:latin typeface="Arial Unicode MS" panose="020B0604020202020204" pitchFamily="34" charset="-128"/>
+              </a:endParaRPr>
+            </a:p>
+          </p:txBody>
+        </p:sp>
+      </p:grpSp>
+      <p:sp>
+        <p:nvSpPr>
+          <p:cNvPr id="22" name="Rectangle 21">
+            <a:extLst>
+              <a:ext uri="{FF2B5EF4-FFF2-40B4-BE49-F238E27FC236}">
+                <a16:creationId xmlns:a16="http://schemas.microsoft.com/office/drawing/2014/main" id="{F8FF7FC7-4798-4302-B168-8AC6B76F07FE}"/>
+              </a:ext>
+            </a:extLst>
+          </p:cNvPr>
+          <p:cNvSpPr/>
+          <p:nvPr/>
+        </p:nvSpPr>
+        <p:spPr>
+          <a:xfrm>
+            <a:off x="4765306" y="5896041"/>
+            <a:ext cx="1338828" cy="369332"/>
+          </a:xfrm>
+          <a:prstGeom prst="rect">
+            <a:avLst/>
+          </a:prstGeom>
+          <a:solidFill>
+            <a:srgbClr val="FFC000"/>
+          </a:solidFill>
+        </p:spPr>
+        <p:txBody>
+          <a:bodyPr wrap="none">
+            <a:spAutoFit/>
+          </a:bodyPr>
+          <a:lstStyle/>
+          <a:p>
+            <a:pPr defTabSz="457200"/>
+            <a:r>
+              <a:rPr lang="en-US" sz="1800" kern="1200" dirty="0" err="1">
+                <a:solidFill>
+                  <a:prstClr val="black"/>
+                </a:solidFill>
+                <a:latin typeface="Arial Unicode MS" panose="020B0604020202020204" pitchFamily="34" charset="-128"/>
+                <a:ea typeface="Arial Unicode MS" panose="020B0604020202020204" pitchFamily="34" charset="-128"/>
+                <a:cs typeface="Arial Unicode MS" panose="020B0604020202020204" pitchFamily="34" charset="-128"/>
+              </a:rPr>
+              <a:t>inner_join</a:t>
+            </a:r>
+            <a:r>
+              <a:rPr lang="en-US" sz="1800" kern="1200" dirty="0">
+                <a:solidFill>
+                  <a:prstClr val="black"/>
+                </a:solidFill>
+                <a:latin typeface="Arial Unicode MS" panose="020B0604020202020204" pitchFamily="34" charset="-128"/>
+                <a:ea typeface="Arial Unicode MS" panose="020B0604020202020204" pitchFamily="34" charset="-128"/>
+                <a:cs typeface="Arial Unicode MS" panose="020B0604020202020204" pitchFamily="34" charset="-128"/>
+              </a:rPr>
+              <a:t>()</a:t>
+            </a:r>
+          </a:p>
+        </p:txBody>
+      </p:sp>
+      <p:grpSp>
+        <p:nvGrpSpPr>
+          <p:cNvPr id="23" name="Group 22">
+            <a:extLst>
+              <a:ext uri="{FF2B5EF4-FFF2-40B4-BE49-F238E27FC236}">
+                <a16:creationId xmlns:a16="http://schemas.microsoft.com/office/drawing/2014/main" id="{1F73726C-90A0-4F59-912F-94AACD7BE772}"/>
+              </a:ext>
+            </a:extLst>
+          </p:cNvPr>
+          <p:cNvGrpSpPr/>
+          <p:nvPr/>
+        </p:nvGrpSpPr>
+        <p:grpSpPr>
+          <a:xfrm>
+            <a:off x="4759923" y="2754501"/>
+            <a:ext cx="1467580" cy="976313"/>
+            <a:chOff x="6515101" y="2824163"/>
+            <a:chExt cx="1123950" cy="747712"/>
+          </a:xfrm>
+        </p:grpSpPr>
+        <p:sp>
+          <p:nvSpPr>
+            <p:cNvPr id="24" name="Freeform 31">
+              <a:extLst>
+                <a:ext uri="{FF2B5EF4-FFF2-40B4-BE49-F238E27FC236}">
+                  <a16:creationId xmlns:a16="http://schemas.microsoft.com/office/drawing/2014/main" id="{C6CDC418-D840-42FE-BA6A-A1DF69A731D6}"/>
+                </a:ext>
+              </a:extLst>
+            </p:cNvPr>
+            <p:cNvSpPr/>
+            <p:nvPr/>
+          </p:nvSpPr>
+          <p:spPr>
+            <a:xfrm>
+              <a:off x="6896101" y="2880653"/>
+              <a:ext cx="361950" cy="634732"/>
+            </a:xfrm>
+            <a:custGeom>
+              <a:avLst/>
+              <a:gdLst>
+                <a:gd name="connsiteX0" fmla="*/ 176588 w 361950"/>
+                <a:gd name="connsiteY0" fmla="*/ 0 h 634732"/>
+                <a:gd name="connsiteX1" fmla="*/ 198170 w 361950"/>
+                <a:gd name="connsiteY1" fmla="*/ 11714 h 634732"/>
+                <a:gd name="connsiteX2" fmla="*/ 361950 w 361950"/>
+                <a:gd name="connsiteY2" fmla="*/ 319747 h 634732"/>
+                <a:gd name="connsiteX3" fmla="*/ 198170 w 361950"/>
+                <a:gd name="connsiteY3" fmla="*/ 627780 h 634732"/>
+                <a:gd name="connsiteX4" fmla="*/ 185362 w 361950"/>
+                <a:gd name="connsiteY4" fmla="*/ 634732 h 634732"/>
+                <a:gd name="connsiteX5" fmla="*/ 163780 w 361950"/>
+                <a:gd name="connsiteY5" fmla="*/ 623018 h 634732"/>
+                <a:gd name="connsiteX6" fmla="*/ 0 w 361950"/>
+                <a:gd name="connsiteY6" fmla="*/ 314985 h 634732"/>
+                <a:gd name="connsiteX7" fmla="*/ 163780 w 361950"/>
+                <a:gd name="connsiteY7" fmla="*/ 6952 h 634732"/>
+                <a:gd name="connsiteX8" fmla="*/ 176588 w 361950"/>
+                <a:gd name="connsiteY8" fmla="*/ 0 h 634732"/>
+              </a:gdLst>
+              <a:ahLst/>
+              <a:cxnLst>
+                <a:cxn ang="0">
+                  <a:pos x="connsiteX0" y="connsiteY0"/>
+                </a:cxn>
+                <a:cxn ang="0">
+                  <a:pos x="connsiteX1" y="connsiteY1"/>
+                </a:cxn>
+                <a:cxn ang="0">
+                  <a:pos x="connsiteX2" y="connsiteY2"/>
+                </a:cxn>
+                <a:cxn ang="0">
+                  <a:pos x="connsiteX3" y="connsiteY3"/>
+                </a:cxn>
+                <a:cxn ang="0">
+                  <a:pos x="connsiteX4" y="connsiteY4"/>
+                </a:cxn>
+                <a:cxn ang="0">
+                  <a:pos x="connsiteX5" y="connsiteY5"/>
+                </a:cxn>
+                <a:cxn ang="0">
+                  <a:pos x="connsiteX6" y="connsiteY6"/>
+                </a:cxn>
+                <a:cxn ang="0">
+                  <a:pos x="connsiteX7" y="connsiteY7"/>
+                </a:cxn>
+                <a:cxn ang="0">
+                  <a:pos x="connsiteX8" y="connsiteY8"/>
+                </a:cxn>
+              </a:cxnLst>
+              <a:rect l="l" t="t" r="r" b="b"/>
+              <a:pathLst>
+                <a:path w="361950" h="634732">
+                  <a:moveTo>
+                    <a:pt x="176588" y="0"/>
+                  </a:moveTo>
+                  <a:lnTo>
+                    <a:pt x="198170" y="11714"/>
+                  </a:lnTo>
+                  <a:cubicBezTo>
+                    <a:pt x="296983" y="78471"/>
+                    <a:pt x="361950" y="191522"/>
+                    <a:pt x="361950" y="319747"/>
+                  </a:cubicBezTo>
+                  <a:cubicBezTo>
+                    <a:pt x="361950" y="447972"/>
+                    <a:pt x="296983" y="561023"/>
+                    <a:pt x="198170" y="627780"/>
+                  </a:cubicBezTo>
+                  <a:lnTo>
+                    <a:pt x="185362" y="634732"/>
+                  </a:lnTo>
+                  <a:lnTo>
+                    <a:pt x="163780" y="623018"/>
+                  </a:lnTo>
+                  <a:cubicBezTo>
+                    <a:pt x="64967" y="556261"/>
+                    <a:pt x="0" y="443210"/>
+                    <a:pt x="0" y="314985"/>
+                  </a:cubicBezTo>
+                  <a:cubicBezTo>
+                    <a:pt x="0" y="186760"/>
+                    <a:pt x="64967" y="73709"/>
+                    <a:pt x="163780" y="6952"/>
+                  </a:cubicBezTo>
+                  <a:lnTo>
+                    <a:pt x="176588" y="0"/>
+                  </a:lnTo>
+                  <a:close/>
+                </a:path>
+              </a:pathLst>
+            </a:custGeom>
+            <a:noFill/>
+          </p:spPr>
+          <p:style>
+            <a:lnRef idx="2">
+              <a:schemeClr val="accent1">
+                <a:shade val="50000"/>
+              </a:schemeClr>
+            </a:lnRef>
+            <a:fillRef idx="1">
+              <a:schemeClr val="accent1"/>
+            </a:fillRef>
+            <a:effectRef idx="0">
+              <a:schemeClr val="accent1"/>
+            </a:effectRef>
+            <a:fontRef idx="minor">
+              <a:schemeClr val="lt1"/>
+            </a:fontRef>
+          </p:style>
+          <p:txBody>
+            <a:bodyPr wrap="square" rtlCol="0" anchor="ctr">
+              <a:noAutofit/>
+            </a:bodyPr>
+            <a:lstStyle/>
+            <a:p>
+              <a:pPr algn="ctr" defTabSz="457200"/>
+              <a:endParaRPr lang="en-US" sz="1800" kern="1200" dirty="0">
+                <a:solidFill>
+                  <a:prstClr val="white"/>
+                </a:solidFill>
+                <a:latin typeface="Arial Unicode MS" panose="020B0604020202020204" pitchFamily="34" charset="-128"/>
+              </a:endParaRPr>
+            </a:p>
+          </p:txBody>
+        </p:sp>
+        <p:sp>
+          <p:nvSpPr>
+            <p:cNvPr id="25" name="Freeform 32">
+              <a:extLst>
+                <a:ext uri="{FF2B5EF4-FFF2-40B4-BE49-F238E27FC236}">
+                  <a16:creationId xmlns:a16="http://schemas.microsoft.com/office/drawing/2014/main" id="{218B948C-D2C8-4717-9BF4-78B82EFF8873}"/>
+                </a:ext>
+              </a:extLst>
+            </p:cNvPr>
+            <p:cNvSpPr/>
+            <p:nvPr/>
+          </p:nvSpPr>
+          <p:spPr>
+            <a:xfrm>
+              <a:off x="7072689" y="2824163"/>
+              <a:ext cx="566362" cy="742950"/>
+            </a:xfrm>
+            <a:custGeom>
+              <a:avLst/>
+              <a:gdLst>
+                <a:gd name="connsiteX0" fmla="*/ 194887 w 566362"/>
+                <a:gd name="connsiteY0" fmla="*/ 0 h 742950"/>
+                <a:gd name="connsiteX1" fmla="*/ 566362 w 566362"/>
+                <a:gd name="connsiteY1" fmla="*/ 371475 h 742950"/>
+                <a:gd name="connsiteX2" fmla="*/ 194887 w 566362"/>
+                <a:gd name="connsiteY2" fmla="*/ 742950 h 742950"/>
+                <a:gd name="connsiteX3" fmla="*/ 50292 w 566362"/>
+                <a:gd name="connsiteY3" fmla="*/ 713758 h 742950"/>
+                <a:gd name="connsiteX4" fmla="*/ 8774 w 566362"/>
+                <a:gd name="connsiteY4" fmla="*/ 691222 h 742950"/>
+                <a:gd name="connsiteX5" fmla="*/ 21582 w 566362"/>
+                <a:gd name="connsiteY5" fmla="*/ 684270 h 742950"/>
+                <a:gd name="connsiteX6" fmla="*/ 185362 w 566362"/>
+                <a:gd name="connsiteY6" fmla="*/ 376237 h 742950"/>
+                <a:gd name="connsiteX7" fmla="*/ 21582 w 566362"/>
+                <a:gd name="connsiteY7" fmla="*/ 68204 h 742950"/>
+                <a:gd name="connsiteX8" fmla="*/ 0 w 566362"/>
+                <a:gd name="connsiteY8" fmla="*/ 56490 h 742950"/>
+                <a:gd name="connsiteX9" fmla="*/ 50292 w 566362"/>
+                <a:gd name="connsiteY9" fmla="*/ 29192 h 742950"/>
+                <a:gd name="connsiteX10" fmla="*/ 194887 w 566362"/>
+                <a:gd name="connsiteY10" fmla="*/ 0 h 742950"/>
+              </a:gdLst>
+              <a:ahLst/>
+              <a:cxnLst>
+                <a:cxn ang="0">
+                  <a:pos x="connsiteX0" y="connsiteY0"/>
+                </a:cxn>
+                <a:cxn ang="0">
+                  <a:pos x="connsiteX1" y="connsiteY1"/>
+                </a:cxn>
+                <a:cxn ang="0">
+                  <a:pos x="connsiteX2" y="connsiteY2"/>
+                </a:cxn>
+                <a:cxn ang="0">
+                  <a:pos x="connsiteX3" y="connsiteY3"/>
+                </a:cxn>
+                <a:cxn ang="0">
+                  <a:pos x="connsiteX4" y="connsiteY4"/>
+                </a:cxn>
+                <a:cxn ang="0">
+                  <a:pos x="connsiteX5" y="connsiteY5"/>
+                </a:cxn>
+                <a:cxn ang="0">
+                  <a:pos x="connsiteX6" y="connsiteY6"/>
+                </a:cxn>
+                <a:cxn ang="0">
+                  <a:pos x="connsiteX7" y="connsiteY7"/>
+                </a:cxn>
+                <a:cxn ang="0">
+                  <a:pos x="connsiteX8" y="connsiteY8"/>
+                </a:cxn>
+                <a:cxn ang="0">
+                  <a:pos x="connsiteX9" y="connsiteY9"/>
+                </a:cxn>
+                <a:cxn ang="0">
+                  <a:pos x="connsiteX10" y="connsiteY10"/>
+                </a:cxn>
+              </a:cxnLst>
+              <a:rect l="l" t="t" r="r" b="b"/>
+              <a:pathLst>
+                <a:path w="566362" h="742950">
+                  <a:moveTo>
+                    <a:pt x="194887" y="0"/>
+                  </a:moveTo>
+                  <a:cubicBezTo>
+                    <a:pt x="400047" y="0"/>
+                    <a:pt x="566362" y="166315"/>
+                    <a:pt x="566362" y="371475"/>
+                  </a:cubicBezTo>
+                  <a:cubicBezTo>
+                    <a:pt x="566362" y="576635"/>
+                    <a:pt x="400047" y="742950"/>
+                    <a:pt x="194887" y="742950"/>
+                  </a:cubicBezTo>
+                  <a:cubicBezTo>
+                    <a:pt x="143597" y="742950"/>
+                    <a:pt x="94735" y="732555"/>
+                    <a:pt x="50292" y="713758"/>
+                  </a:cubicBezTo>
+                  <a:lnTo>
+                    <a:pt x="8774" y="691222"/>
+                  </a:lnTo>
+                  <a:lnTo>
+                    <a:pt x="21582" y="684270"/>
+                  </a:lnTo>
+                  <a:cubicBezTo>
+                    <a:pt x="120395" y="617513"/>
+                    <a:pt x="185362" y="504462"/>
+                    <a:pt x="185362" y="376237"/>
+                  </a:cubicBezTo>
+                  <a:cubicBezTo>
+                    <a:pt x="185362" y="248012"/>
+                    <a:pt x="120395" y="134961"/>
+                    <a:pt x="21582" y="68204"/>
+                  </a:cubicBezTo>
+                  <a:lnTo>
+                    <a:pt x="0" y="56490"/>
+                  </a:lnTo>
+                  <a:lnTo>
+                    <a:pt x="50292" y="29192"/>
+                  </a:lnTo>
+                  <a:cubicBezTo>
+                    <a:pt x="94735" y="10395"/>
+                    <a:pt x="143597" y="0"/>
+                    <a:pt x="194887" y="0"/>
+                  </a:cubicBezTo>
+                  <a:close/>
+                </a:path>
+              </a:pathLst>
+            </a:custGeom>
+            <a:noFill/>
+          </p:spPr>
+          <p:style>
+            <a:lnRef idx="2">
+              <a:schemeClr val="accent1">
+                <a:shade val="50000"/>
+              </a:schemeClr>
+            </a:lnRef>
+            <a:fillRef idx="1">
+              <a:schemeClr val="accent1"/>
+            </a:fillRef>
+            <a:effectRef idx="0">
+              <a:schemeClr val="accent1"/>
+            </a:effectRef>
+            <a:fontRef idx="minor">
+              <a:schemeClr val="lt1"/>
+            </a:fontRef>
+          </p:style>
+          <p:txBody>
+            <a:bodyPr wrap="square" rtlCol="0" anchor="ctr">
+              <a:noAutofit/>
+            </a:bodyPr>
+            <a:lstStyle/>
+            <a:p>
+              <a:pPr algn="ctr" defTabSz="457200"/>
+              <a:endParaRPr lang="en-US" sz="1800" kern="1200" dirty="0">
+                <a:solidFill>
+                  <a:prstClr val="white"/>
+                </a:solidFill>
+                <a:latin typeface="Arial Unicode MS" panose="020B0604020202020204" pitchFamily="34" charset="-128"/>
+              </a:endParaRPr>
+            </a:p>
+          </p:txBody>
+        </p:sp>
+        <p:sp>
+          <p:nvSpPr>
+            <p:cNvPr id="26" name="Freeform 33">
+              <a:extLst>
+                <a:ext uri="{FF2B5EF4-FFF2-40B4-BE49-F238E27FC236}">
+                  <a16:creationId xmlns:a16="http://schemas.microsoft.com/office/drawing/2014/main" id="{CC6EB1EB-6974-4FF5-AFB8-15D28118E7D8}"/>
+                </a:ext>
+              </a:extLst>
+            </p:cNvPr>
+            <p:cNvSpPr/>
+            <p:nvPr/>
+          </p:nvSpPr>
+          <p:spPr>
+            <a:xfrm>
+              <a:off x="6515101" y="2828925"/>
+              <a:ext cx="566362" cy="742950"/>
+            </a:xfrm>
+            <a:custGeom>
+              <a:avLst/>
+              <a:gdLst>
+                <a:gd name="connsiteX0" fmla="*/ 371475 w 566362"/>
+                <a:gd name="connsiteY0" fmla="*/ 0 h 742950"/>
+                <a:gd name="connsiteX1" fmla="*/ 516070 w 566362"/>
+                <a:gd name="connsiteY1" fmla="*/ 29192 h 742950"/>
+                <a:gd name="connsiteX2" fmla="*/ 557588 w 566362"/>
+                <a:gd name="connsiteY2" fmla="*/ 51728 h 742950"/>
+                <a:gd name="connsiteX3" fmla="*/ 544780 w 566362"/>
+                <a:gd name="connsiteY3" fmla="*/ 58680 h 742950"/>
+                <a:gd name="connsiteX4" fmla="*/ 381000 w 566362"/>
+                <a:gd name="connsiteY4" fmla="*/ 366713 h 742950"/>
+                <a:gd name="connsiteX5" fmla="*/ 544780 w 566362"/>
+                <a:gd name="connsiteY5" fmla="*/ 674746 h 742950"/>
+                <a:gd name="connsiteX6" fmla="*/ 566362 w 566362"/>
+                <a:gd name="connsiteY6" fmla="*/ 686460 h 742950"/>
+                <a:gd name="connsiteX7" fmla="*/ 516070 w 566362"/>
+                <a:gd name="connsiteY7" fmla="*/ 713758 h 742950"/>
+                <a:gd name="connsiteX8" fmla="*/ 371475 w 566362"/>
+                <a:gd name="connsiteY8" fmla="*/ 742950 h 742950"/>
+                <a:gd name="connsiteX9" fmla="*/ 0 w 566362"/>
+                <a:gd name="connsiteY9" fmla="*/ 371475 h 742950"/>
+                <a:gd name="connsiteX10" fmla="*/ 371475 w 566362"/>
+                <a:gd name="connsiteY10" fmla="*/ 0 h 742950"/>
+              </a:gdLst>
+              <a:ahLst/>
+              <a:cxnLst>
+                <a:cxn ang="0">
+                  <a:pos x="connsiteX0" y="connsiteY0"/>
+                </a:cxn>
+                <a:cxn ang="0">
+                  <a:pos x="connsiteX1" y="connsiteY1"/>
+                </a:cxn>
+                <a:cxn ang="0">
+                  <a:pos x="connsiteX2" y="connsiteY2"/>
+                </a:cxn>
+                <a:cxn ang="0">
+                  <a:pos x="connsiteX3" y="connsiteY3"/>
+                </a:cxn>
+                <a:cxn ang="0">
+                  <a:pos x="connsiteX4" y="connsiteY4"/>
+                </a:cxn>
+                <a:cxn ang="0">
+                  <a:pos x="connsiteX5" y="connsiteY5"/>
+                </a:cxn>
+                <a:cxn ang="0">
+                  <a:pos x="connsiteX6" y="connsiteY6"/>
+                </a:cxn>
+                <a:cxn ang="0">
+                  <a:pos x="connsiteX7" y="connsiteY7"/>
+                </a:cxn>
+                <a:cxn ang="0">
+                  <a:pos x="connsiteX8" y="connsiteY8"/>
+                </a:cxn>
+                <a:cxn ang="0">
+                  <a:pos x="connsiteX9" y="connsiteY9"/>
+                </a:cxn>
+                <a:cxn ang="0">
+                  <a:pos x="connsiteX10" y="connsiteY10"/>
+                </a:cxn>
+              </a:cxnLst>
+              <a:rect l="l" t="t" r="r" b="b"/>
+              <a:pathLst>
+                <a:path w="566362" h="742950">
+                  <a:moveTo>
+                    <a:pt x="371475" y="0"/>
+                  </a:moveTo>
+                  <a:cubicBezTo>
+                    <a:pt x="422765" y="0"/>
+                    <a:pt x="471627" y="10395"/>
+                    <a:pt x="516070" y="29192"/>
+                  </a:cubicBezTo>
+                  <a:lnTo>
+                    <a:pt x="557588" y="51728"/>
+                  </a:lnTo>
+                  <a:lnTo>
+                    <a:pt x="544780" y="58680"/>
+                  </a:lnTo>
+                  <a:cubicBezTo>
+                    <a:pt x="445967" y="125437"/>
+                    <a:pt x="381000" y="238488"/>
+                    <a:pt x="381000" y="366713"/>
+                  </a:cubicBezTo>
+                  <a:cubicBezTo>
+                    <a:pt x="381000" y="494938"/>
+                    <a:pt x="445967" y="607989"/>
+                    <a:pt x="544780" y="674746"/>
+                  </a:cubicBezTo>
+                  <a:lnTo>
+                    <a:pt x="566362" y="686460"/>
+                  </a:lnTo>
+                  <a:lnTo>
+                    <a:pt x="516070" y="713758"/>
+                  </a:lnTo>
+                  <a:cubicBezTo>
+                    <a:pt x="471627" y="732555"/>
+                    <a:pt x="422765" y="742950"/>
+                    <a:pt x="371475" y="742950"/>
+                  </a:cubicBezTo>
+                  <a:cubicBezTo>
+                    <a:pt x="166315" y="742950"/>
+                    <a:pt x="0" y="576635"/>
+                    <a:pt x="0" y="371475"/>
+                  </a:cubicBezTo>
+                  <a:cubicBezTo>
+                    <a:pt x="0" y="166315"/>
+                    <a:pt x="166315" y="0"/>
+                    <a:pt x="371475" y="0"/>
+                  </a:cubicBezTo>
+                  <a:close/>
+                </a:path>
+              </a:pathLst>
+            </a:custGeom>
+            <a:solidFill>
+              <a:schemeClr val="accent1"/>
+            </a:solidFill>
+          </p:spPr>
+          <p:style>
+            <a:lnRef idx="2">
+              <a:schemeClr val="accent1">
+                <a:shade val="50000"/>
+              </a:schemeClr>
+            </a:lnRef>
+            <a:fillRef idx="1">
+              <a:schemeClr val="accent1"/>
+            </a:fillRef>
+            <a:effectRef idx="0">
+              <a:schemeClr val="accent1"/>
+            </a:effectRef>
+            <a:fontRef idx="minor">
+              <a:schemeClr val="lt1"/>
+            </a:fontRef>
+          </p:style>
+          <p:txBody>
+            <a:bodyPr wrap="square" rtlCol="0" anchor="ctr">
+              <a:noAutofit/>
+            </a:bodyPr>
+            <a:lstStyle/>
+            <a:p>
+              <a:pPr algn="ctr" defTabSz="457200"/>
+              <a:endParaRPr lang="en-US" sz="1800" kern="1200" dirty="0">
+                <a:solidFill>
+                  <a:prstClr val="white"/>
+                </a:solidFill>
+                <a:latin typeface="Arial Unicode MS" panose="020B0604020202020204" pitchFamily="34" charset="-128"/>
+              </a:endParaRPr>
+            </a:p>
+          </p:txBody>
+        </p:sp>
+      </p:grpSp>
+      <p:sp>
+        <p:nvSpPr>
+          <p:cNvPr id="27" name="TextBox 26">
+            <a:extLst>
+              <a:ext uri="{FF2B5EF4-FFF2-40B4-BE49-F238E27FC236}">
+                <a16:creationId xmlns:a16="http://schemas.microsoft.com/office/drawing/2014/main" id="{EA4888E1-ED60-4A19-A199-9F95694F7409}"/>
+              </a:ext>
+            </a:extLst>
+          </p:cNvPr>
+          <p:cNvSpPr txBox="1"/>
+          <p:nvPr/>
+        </p:nvSpPr>
+        <p:spPr>
+          <a:xfrm rot="19379462">
+            <a:off x="4491438" y="4839820"/>
+            <a:ext cx="532518" cy="307777"/>
+          </a:xfrm>
+          <a:prstGeom prst="rect">
+            <a:avLst/>
+          </a:prstGeom>
+          <a:noFill/>
+        </p:spPr>
+        <p:txBody>
+          <a:bodyPr wrap="none" rtlCol="0">
+            <a:spAutoFit/>
+          </a:bodyPr>
+          <a:lstStyle/>
+          <a:p>
+            <a:pPr defTabSz="457200"/>
+            <a:r>
+              <a:rPr lang="en-US" sz="1400" dirty="0">
+                <a:solidFill>
+                  <a:prstClr val="black"/>
+                </a:solidFill>
+                <a:latin typeface="Arial Unicode MS" panose="020B0604020202020204" pitchFamily="34" charset="-128"/>
+                <a:ea typeface="Arial Unicode MS" panose="020B0604020202020204" pitchFamily="34" charset="-128"/>
+                <a:cs typeface="Arial Unicode MS" panose="020B0604020202020204" pitchFamily="34" charset="-128"/>
+              </a:rPr>
+              <a:t>T</a:t>
+            </a:r>
+            <a:r>
+              <a:rPr lang="en-US" sz="1400" kern="1200" dirty="0">
+                <a:solidFill>
+                  <a:prstClr val="black"/>
+                </a:solidFill>
+                <a:latin typeface="Arial Unicode MS" panose="020B0604020202020204" pitchFamily="34" charset="-128"/>
+                <a:ea typeface="Arial Unicode MS" panose="020B0604020202020204" pitchFamily="34" charset="-128"/>
+                <a:cs typeface="Arial Unicode MS" panose="020B0604020202020204" pitchFamily="34" charset="-128"/>
+              </a:rPr>
+              <a:t>ext</a:t>
+            </a:r>
+          </a:p>
+        </p:txBody>
+      </p:sp>
+      <p:sp>
+        <p:nvSpPr>
+          <p:cNvPr id="28" name="TextBox 27">
+            <a:extLst>
+              <a:ext uri="{FF2B5EF4-FFF2-40B4-BE49-F238E27FC236}">
+                <a16:creationId xmlns:a16="http://schemas.microsoft.com/office/drawing/2014/main" id="{4DF17764-2885-44A3-B581-4ACF181B5058}"/>
+              </a:ext>
+            </a:extLst>
+          </p:cNvPr>
+          <p:cNvSpPr txBox="1"/>
+          <p:nvPr/>
+        </p:nvSpPr>
+        <p:spPr>
+          <a:xfrm rot="2816421">
+            <a:off x="5778230" y="4664530"/>
+            <a:ext cx="1040670" cy="523220"/>
+          </a:xfrm>
+          <a:prstGeom prst="rect">
+            <a:avLst/>
+          </a:prstGeom>
+          <a:noFill/>
+        </p:spPr>
+        <p:txBody>
+          <a:bodyPr wrap="none" rtlCol="0">
+            <a:spAutoFit/>
+          </a:bodyPr>
+          <a:lstStyle/>
+          <a:p>
+            <a:pPr algn="ctr" defTabSz="457200"/>
+            <a:r>
+              <a:rPr lang="en-US" sz="1400" kern="1200" dirty="0">
+                <a:solidFill>
+                  <a:prstClr val="black"/>
+                </a:solidFill>
+                <a:latin typeface="Arial Unicode MS" panose="020B0604020202020204" pitchFamily="34" charset="-128"/>
+                <a:ea typeface="Arial Unicode MS" panose="020B0604020202020204" pitchFamily="34" charset="-128"/>
+                <a:cs typeface="Arial Unicode MS" panose="020B0604020202020204" pitchFamily="34" charset="-128"/>
+              </a:rPr>
+              <a:t>Sentiment </a:t>
+            </a:r>
+          </a:p>
+          <a:p>
+            <a:pPr algn="ctr" defTabSz="457200"/>
+            <a:r>
+              <a:rPr lang="en-US" sz="1400" kern="1200" dirty="0">
+                <a:solidFill>
+                  <a:prstClr val="black"/>
+                </a:solidFill>
+                <a:latin typeface="Arial Unicode MS" panose="020B0604020202020204" pitchFamily="34" charset="-128"/>
+                <a:ea typeface="Arial Unicode MS" panose="020B0604020202020204" pitchFamily="34" charset="-128"/>
+                <a:cs typeface="Arial Unicode MS" panose="020B0604020202020204" pitchFamily="34" charset="-128"/>
+              </a:rPr>
+              <a:t>words</a:t>
+            </a:r>
+          </a:p>
+        </p:txBody>
+      </p:sp>
+      <p:cxnSp>
+        <p:nvCxnSpPr>
+          <p:cNvPr id="31" name="Straight Connector 30">
+            <a:extLst>
+              <a:ext uri="{FF2B5EF4-FFF2-40B4-BE49-F238E27FC236}">
+                <a16:creationId xmlns:a16="http://schemas.microsoft.com/office/drawing/2014/main" id="{449336CA-8127-BF44-A48A-36CC0EE8E705}"/>
+              </a:ext>
+            </a:extLst>
+          </p:cNvPr>
+          <p:cNvCxnSpPr/>
+          <p:nvPr/>
+        </p:nvCxnSpPr>
+        <p:spPr>
+          <a:xfrm>
+            <a:off x="6798363" y="6549885"/>
+            <a:ext cx="0" cy="182880"/>
+          </a:xfrm>
+          <a:prstGeom prst="line">
+            <a:avLst/>
+          </a:prstGeom>
+          <a:ln>
+            <a:solidFill>
+              <a:schemeClr val="bg1">
+                <a:lumMod val="85000"/>
+              </a:schemeClr>
+            </a:solidFill>
+          </a:ln>
+        </p:spPr>
+        <p:style>
+          <a:lnRef idx="1">
+            <a:schemeClr val="accent1"/>
+          </a:lnRef>
+          <a:fillRef idx="0">
+            <a:schemeClr val="accent1"/>
+          </a:fillRef>
+          <a:effectRef idx="0">
+            <a:schemeClr val="accent1"/>
+          </a:effectRef>
+          <a:fontRef idx="minor">
+            <a:schemeClr val="tx1"/>
+          </a:fontRef>
+        </p:style>
+      </p:cxnSp>
+      <p:cxnSp>
+        <p:nvCxnSpPr>
+          <p:cNvPr id="32" name="Straight Connector 31">
+            <a:extLst>
+              <a:ext uri="{FF2B5EF4-FFF2-40B4-BE49-F238E27FC236}">
+                <a16:creationId xmlns:a16="http://schemas.microsoft.com/office/drawing/2014/main" id="{4A47626E-DBB5-4F4C-96C2-634956D78584}"/>
+              </a:ext>
+            </a:extLst>
+          </p:cNvPr>
+          <p:cNvCxnSpPr/>
+          <p:nvPr/>
+        </p:nvCxnSpPr>
+        <p:spPr>
+          <a:xfrm>
+            <a:off x="7076661" y="4664763"/>
+            <a:ext cx="182880" cy="0"/>
+          </a:xfrm>
+          <a:prstGeom prst="line">
+            <a:avLst/>
+          </a:prstGeom>
+          <a:ln>
+            <a:solidFill>
+              <a:schemeClr val="bg1">
+                <a:lumMod val="85000"/>
+              </a:schemeClr>
+            </a:solidFill>
+          </a:ln>
+        </p:spPr>
+        <p:style>
+          <a:lnRef idx="1">
+            <a:schemeClr val="accent1"/>
+          </a:lnRef>
+          <a:fillRef idx="0">
+            <a:schemeClr val="accent1"/>
+          </a:fillRef>
+          <a:effectRef idx="0">
+            <a:schemeClr val="accent1"/>
+          </a:effectRef>
+          <a:fontRef idx="minor">
+            <a:schemeClr val="tx1"/>
+          </a:fontRef>
+        </p:style>
+      </p:cxnSp>
+      <p:sp>
+        <p:nvSpPr>
+          <p:cNvPr id="30" name="Rectangle 29">
+            <a:extLst>
+              <a:ext uri="{FF2B5EF4-FFF2-40B4-BE49-F238E27FC236}">
+                <a16:creationId xmlns:a16="http://schemas.microsoft.com/office/drawing/2014/main" id="{36D64566-AE55-F84C-BB60-7BA931312574}"/>
+              </a:ext>
+            </a:extLst>
+          </p:cNvPr>
+          <p:cNvSpPr/>
+          <p:nvPr/>
+        </p:nvSpPr>
+        <p:spPr>
+          <a:xfrm rot="20303227">
+            <a:off x="6598324" y="3033113"/>
+            <a:ext cx="2084007" cy="553998"/>
+          </a:xfrm>
+          <a:prstGeom prst="rect">
+            <a:avLst/>
+          </a:prstGeom>
+          <a:solidFill>
+            <a:schemeClr val="accent6"/>
+          </a:solidFill>
+        </p:spPr>
+        <p:txBody>
+          <a:bodyPr wrap="square">
+            <a:spAutoFit/>
+          </a:bodyPr>
+          <a:lstStyle/>
+          <a:p>
+            <a:pPr defTabSz="457200"/>
+            <a:r>
+              <a:rPr lang="en-US" sz="1000" kern="1200" dirty="0">
+                <a:solidFill>
+                  <a:prstClr val="black"/>
+                </a:solidFill>
+                <a:latin typeface="Consolas" panose="020B0609020204030204" pitchFamily="49" charset="0"/>
+                <a:ea typeface="Arial Unicode MS" panose="020B0604020202020204" pitchFamily="34" charset="-128"/>
+                <a:cs typeface="Consolas" panose="020B0609020204030204" pitchFamily="49" charset="0"/>
+              </a:rPr>
+              <a:t>We use </a:t>
+            </a:r>
+            <a:r>
+              <a:rPr lang="en-US" sz="1000" kern="1200" dirty="0" err="1">
+                <a:solidFill>
+                  <a:prstClr val="black"/>
+                </a:solidFill>
+                <a:latin typeface="Consolas" panose="020B0609020204030204" pitchFamily="49" charset="0"/>
+                <a:ea typeface="Arial Unicode MS" panose="020B0604020202020204" pitchFamily="34" charset="-128"/>
+                <a:cs typeface="Consolas" panose="020B0609020204030204" pitchFamily="49" charset="0"/>
+              </a:rPr>
+              <a:t>cleanCorpus</a:t>
+            </a:r>
+            <a:r>
+              <a:rPr lang="en-US" sz="1000" kern="1200" dirty="0">
+                <a:solidFill>
+                  <a:prstClr val="black"/>
+                </a:solidFill>
+                <a:latin typeface="Consolas" panose="020B0609020204030204" pitchFamily="49" charset="0"/>
+                <a:ea typeface="Arial Unicode MS" panose="020B0604020202020204" pitchFamily="34" charset="-128"/>
+                <a:cs typeface="Consolas" panose="020B0609020204030204" pitchFamily="49" charset="0"/>
+              </a:rPr>
+              <a:t> instead but this is another type of join example.</a:t>
+            </a:r>
+          </a:p>
+        </p:txBody>
+      </p:sp>
+    </p:spTree>
+    <p:extLst>
+      <p:ext uri="{BB962C8B-B14F-4D97-AF65-F5344CB8AC3E}">
+        <p14:creationId xmlns:p14="http://schemas.microsoft.com/office/powerpoint/2010/main" val="1659513833"/>
+      </p:ext>
+    </p:extLst>
+  </p:cSld>
+  <p:clrMapOvr>
+    <a:masterClrMapping/>
+  </p:clrMapOvr>
+  <p:timing>
+    <p:tnLst>
+      <p:par>
+        <p:cTn id="1" dur="indefinite" restart="never" nodeType="tmRoot">
+          <p:childTnLst>
+            <p:seq concurrent="1" nextAc="seek">
+              <p:cTn id="2" dur="indefinite" nodeType="mainSeq">
+                <p:childTnLst>
+                  <p:par>
+                    <p:cTn id="3" fill="hold">
+                      <p:stCondLst>
+                        <p:cond delay="indefinite"/>
+                      </p:stCondLst>
+                      <p:childTnLst>
+                        <p:par>
+                          <p:cTn id="4" fill="hold">
+                            <p:stCondLst>
+                              <p:cond delay="0"/>
+                            </p:stCondLst>
+                            <p:childTnLst>
+                              <p:par>
+                                <p:cTn id="5" presetID="1" presetClass="entr" presetSubtype="0" fill="hold" grpId="0" nodeType="clickEffect">
+                                  <p:stCondLst>
+                                    <p:cond delay="0"/>
+                                  </p:stCondLst>
+                                  <p:childTnLst>
+                                    <p:set>
+                                      <p:cBhvr>
+                                        <p:cTn id="6" dur="1" fill="hold">
+                                          <p:stCondLst>
+                                            <p:cond delay="0"/>
+                                          </p:stCondLst>
+                                        </p:cTn>
+                                        <p:tgtEl>
+                                          <p:spTgt spid="7"/>
+                                        </p:tgtEl>
+                                        <p:attrNameLst>
+                                          <p:attrName>style.visibility</p:attrName>
+                                        </p:attrNameLst>
+                                      </p:cBhvr>
+                                      <p:to>
+                                        <p:strVal val="visible"/>
+                                      </p:to>
+                                    </p:set>
+                                  </p:childTnLst>
+                                </p:cTn>
+                              </p:par>
+                              <p:par>
+                                <p:cTn id="7" presetID="1" presetClass="entr" presetSubtype="0" fill="hold" grpId="0" nodeType="withEffect">
+                                  <p:stCondLst>
+                                    <p:cond delay="0"/>
+                                  </p:stCondLst>
+                                  <p:childTnLst>
+                                    <p:set>
+                                      <p:cBhvr>
+                                        <p:cTn id="8" dur="1" fill="hold">
+                                          <p:stCondLst>
+                                            <p:cond delay="0"/>
+                                          </p:stCondLst>
+                                        </p:cTn>
+                                        <p:tgtEl>
+                                          <p:spTgt spid="9"/>
+                                        </p:tgtEl>
+                                        <p:attrNameLst>
+                                          <p:attrName>style.visibility</p:attrName>
+                                        </p:attrNameLst>
+                                      </p:cBhvr>
+                                      <p:to>
+                                        <p:strVal val="visible"/>
+                                      </p:to>
+                                    </p:set>
+                                  </p:childTnLst>
+                                </p:cTn>
+                              </p:par>
+                              <p:par>
+                                <p:cTn id="9" presetID="1" presetClass="entr" presetSubtype="0" fill="hold" nodeType="withEffect">
+                                  <p:stCondLst>
+                                    <p:cond delay="0"/>
+                                  </p:stCondLst>
+                                  <p:childTnLst>
+                                    <p:set>
+                                      <p:cBhvr>
+                                        <p:cTn id="10" dur="1" fill="hold">
+                                          <p:stCondLst>
+                                            <p:cond delay="0"/>
+                                          </p:stCondLst>
+                                        </p:cTn>
+                                        <p:tgtEl>
+                                          <p:spTgt spid="23"/>
+                                        </p:tgtEl>
+                                        <p:attrNameLst>
+                                          <p:attrName>style.visibility</p:attrName>
+                                        </p:attrNameLst>
+                                      </p:cBhvr>
+                                      <p:to>
+                                        <p:strVal val="visible"/>
+                                      </p:to>
+                                    </p:set>
+                                  </p:childTnLst>
+                                </p:cTn>
+                              </p:par>
+                              <p:par>
+                                <p:cTn id="11" presetID="1" presetClass="entr" presetSubtype="0" fill="hold" grpId="0" nodeType="withEffect">
+                                  <p:stCondLst>
+                                    <p:cond delay="0"/>
+                                  </p:stCondLst>
+                                  <p:childTnLst>
+                                    <p:set>
+                                      <p:cBhvr>
+                                        <p:cTn id="12" dur="1" fill="hold">
+                                          <p:stCondLst>
+                                            <p:cond delay="0"/>
+                                          </p:stCondLst>
+                                        </p:cTn>
+                                        <p:tgtEl>
+                                          <p:spTgt spid="10"/>
+                                        </p:tgtEl>
+                                        <p:attrNameLst>
+                                          <p:attrName>style.visibility</p:attrName>
+                                        </p:attrNameLst>
+                                      </p:cBhvr>
+                                      <p:to>
+                                        <p:strVal val="visible"/>
+                                      </p:to>
+                                    </p:set>
+                                  </p:childTnLst>
+                                </p:cTn>
+                              </p:par>
+                              <p:par>
+                                <p:cTn id="13" presetID="1" presetClass="entr" presetSubtype="0" fill="hold" grpId="0" nodeType="withEffect">
+                                  <p:stCondLst>
+                                    <p:cond delay="0"/>
+                                  </p:stCondLst>
+                                  <p:childTnLst>
+                                    <p:set>
+                                      <p:cBhvr>
+                                        <p:cTn id="14" dur="1" fill="hold">
+                                          <p:stCondLst>
+                                            <p:cond delay="0"/>
+                                          </p:stCondLst>
+                                        </p:cTn>
+                                        <p:tgtEl>
+                                          <p:spTgt spid="8"/>
+                                        </p:tgtEl>
+                                        <p:attrNameLst>
+                                          <p:attrName>style.visibility</p:attrName>
+                                        </p:attrNameLst>
+                                      </p:cBhvr>
+                                      <p:to>
+                                        <p:strVal val="visible"/>
+                                      </p:to>
+                                    </p:set>
+                                  </p:childTnLst>
+                                </p:cTn>
+                              </p:par>
+                            </p:childTnLst>
+                          </p:cTn>
+                        </p:par>
+                      </p:childTnLst>
+                    </p:cTn>
+                  </p:par>
+                  <p:par>
+                    <p:cTn id="15" fill="hold">
+                      <p:stCondLst>
+                        <p:cond delay="indefinite"/>
+                      </p:stCondLst>
+                      <p:childTnLst>
+                        <p:par>
+                          <p:cTn id="16" fill="hold">
+                            <p:stCondLst>
+                              <p:cond delay="0"/>
+                            </p:stCondLst>
+                            <p:childTnLst>
+                              <p:par>
+                                <p:cTn id="17" presetID="1" presetClass="entr" presetSubtype="0" fill="hold" grpId="1" nodeType="clickEffect">
+                                  <p:stCondLst>
+                                    <p:cond delay="0"/>
+                                  </p:stCondLst>
+                                  <p:childTnLst>
+                                    <p:set>
+                                      <p:cBhvr>
+                                        <p:cTn id="18" dur="1" fill="hold">
+                                          <p:stCondLst>
+                                            <p:cond delay="0"/>
+                                          </p:stCondLst>
+                                        </p:cTn>
+                                        <p:tgtEl>
+                                          <p:spTgt spid="30"/>
+                                        </p:tgtEl>
+                                        <p:attrNameLst>
+                                          <p:attrName>style.visibility</p:attrName>
+                                        </p:attrNameLst>
+                                      </p:cBhvr>
+                                      <p:to>
+                                        <p:strVal val="visible"/>
+                                      </p:to>
+                                    </p:set>
+                                  </p:childTnLst>
+                                </p:cTn>
+                              </p:par>
+                            </p:childTnLst>
+                          </p:cTn>
+                        </p:par>
+                      </p:childTnLst>
+                    </p:cTn>
+                  </p:par>
+                  <p:par>
+                    <p:cTn id="19" fill="hold">
+                      <p:stCondLst>
+                        <p:cond delay="indefinite"/>
+                      </p:stCondLst>
+                      <p:childTnLst>
+                        <p:par>
+                          <p:cTn id="20" fill="hold">
+                            <p:stCondLst>
+                              <p:cond delay="0"/>
+                            </p:stCondLst>
+                            <p:childTnLst>
+                              <p:par>
+                                <p:cTn id="21" presetID="1" presetClass="entr" presetSubtype="0" fill="hold" grpId="0" nodeType="clickEffect">
+                                  <p:stCondLst>
+                                    <p:cond delay="0"/>
+                                  </p:stCondLst>
+                                  <p:childTnLst>
+                                    <p:set>
+                                      <p:cBhvr>
+                                        <p:cTn id="22" dur="1" fill="hold">
+                                          <p:stCondLst>
+                                            <p:cond delay="0"/>
+                                          </p:stCondLst>
+                                        </p:cTn>
+                                        <p:tgtEl>
+                                          <p:spTgt spid="11"/>
+                                        </p:tgtEl>
+                                        <p:attrNameLst>
+                                          <p:attrName>style.visibility</p:attrName>
+                                        </p:attrNameLst>
+                                      </p:cBhvr>
+                                      <p:to>
+                                        <p:strVal val="visible"/>
+                                      </p:to>
+                                    </p:set>
+                                  </p:childTnLst>
+                                </p:cTn>
+                              </p:par>
+                              <p:par>
+                                <p:cTn id="23" presetID="1" presetClass="entr" presetSubtype="0" fill="hold" grpId="0" nodeType="withEffect">
+                                  <p:stCondLst>
+                                    <p:cond delay="0"/>
+                                  </p:stCondLst>
+                                  <p:childTnLst>
+                                    <p:set>
+                                      <p:cBhvr>
+                                        <p:cTn id="24" dur="1" fill="hold">
+                                          <p:stCondLst>
+                                            <p:cond delay="0"/>
+                                          </p:stCondLst>
+                                        </p:cTn>
+                                        <p:tgtEl>
+                                          <p:spTgt spid="27"/>
+                                        </p:tgtEl>
+                                        <p:attrNameLst>
+                                          <p:attrName>style.visibility</p:attrName>
+                                        </p:attrNameLst>
+                                      </p:cBhvr>
+                                      <p:to>
+                                        <p:strVal val="visible"/>
+                                      </p:to>
+                                    </p:set>
+                                  </p:childTnLst>
+                                </p:cTn>
+                              </p:par>
+                              <p:par>
+                                <p:cTn id="25" presetID="1" presetClass="entr" presetSubtype="0" fill="hold" nodeType="withEffect">
+                                  <p:stCondLst>
+                                    <p:cond delay="0"/>
+                                  </p:stCondLst>
+                                  <p:childTnLst>
+                                    <p:set>
+                                      <p:cBhvr>
+                                        <p:cTn id="26" dur="1" fill="hold">
+                                          <p:stCondLst>
+                                            <p:cond delay="0"/>
+                                          </p:stCondLst>
+                                        </p:cTn>
+                                        <p:tgtEl>
+                                          <p:spTgt spid="18"/>
+                                        </p:tgtEl>
+                                        <p:attrNameLst>
+                                          <p:attrName>style.visibility</p:attrName>
+                                        </p:attrNameLst>
+                                      </p:cBhvr>
+                                      <p:to>
+                                        <p:strVal val="visible"/>
+                                      </p:to>
+                                    </p:set>
+                                  </p:childTnLst>
+                                </p:cTn>
+                              </p:par>
+                              <p:par>
+                                <p:cTn id="27" presetID="1" presetClass="entr" presetSubtype="0" fill="hold" grpId="0" nodeType="withEffect">
+                                  <p:stCondLst>
+                                    <p:cond delay="0"/>
+                                  </p:stCondLst>
+                                  <p:childTnLst>
+                                    <p:set>
+                                      <p:cBhvr>
+                                        <p:cTn id="28" dur="1" fill="hold">
+                                          <p:stCondLst>
+                                            <p:cond delay="0"/>
+                                          </p:stCondLst>
+                                        </p:cTn>
+                                        <p:tgtEl>
+                                          <p:spTgt spid="28"/>
+                                        </p:tgtEl>
+                                        <p:attrNameLst>
+                                          <p:attrName>style.visibility</p:attrName>
+                                        </p:attrNameLst>
+                                      </p:cBhvr>
+                                      <p:to>
+                                        <p:strVal val="visible"/>
+                                      </p:to>
+                                    </p:set>
+                                  </p:childTnLst>
+                                </p:cTn>
+                              </p:par>
+                              <p:par>
+                                <p:cTn id="29" presetID="1" presetClass="entr" presetSubtype="0" fill="hold" grpId="0" nodeType="withEffect">
+                                  <p:stCondLst>
+                                    <p:cond delay="0"/>
+                                  </p:stCondLst>
+                                  <p:childTnLst>
+                                    <p:set>
+                                      <p:cBhvr>
+                                        <p:cTn id="30" dur="1" fill="hold">
+                                          <p:stCondLst>
+                                            <p:cond delay="0"/>
+                                          </p:stCondLst>
+                                        </p:cTn>
+                                        <p:tgtEl>
+                                          <p:spTgt spid="22"/>
+                                        </p:tgtEl>
+                                        <p:attrNameLst>
+                                          <p:attrName>style.visibility</p:attrName>
+                                        </p:attrNameLst>
+                                      </p:cBhvr>
+                                      <p:to>
+                                        <p:strVal val="visible"/>
+                                      </p:to>
+                                    </p:set>
+                                  </p:childTnLst>
+                                </p:cTn>
+                              </p:par>
+                            </p:childTnLst>
+                          </p:cTn>
+                        </p:par>
+                      </p:childTnLst>
+                    </p:cTn>
+                  </p:par>
+                </p:childTnLst>
+              </p:cTn>
+              <p:prevCondLst>
+                <p:cond evt="onPrev" delay="0">
+                  <p:tgtEl>
+                    <p:sldTgt/>
+                  </p:tgtEl>
+                </p:cond>
+              </p:prevCondLst>
+              <p:nextCondLst>
+                <p:cond evt="onNext" delay="0">
+                  <p:tgtEl>
+                    <p:sldTgt/>
+                  </p:tgtEl>
+                </p:cond>
+              </p:nextCondLst>
+            </p:seq>
+          </p:childTnLst>
+        </p:cTn>
+      </p:par>
+    </p:tnLst>
+    <p:bldLst>
+      <p:bldP spid="7" grpId="0" animBg="1"/>
+      <p:bldP spid="8" grpId="0" animBg="1"/>
+      <p:bldP spid="9" grpId="0"/>
+      <p:bldP spid="10" grpId="0"/>
+      <p:bldP spid="11" grpId="0" animBg="1"/>
+      <p:bldP spid="22" grpId="0" animBg="1"/>
+      <p:bldP spid="27" grpId="0"/>
+      <p:bldP spid="28" grpId="0"/>
+      <p:bldP spid="30" grpId="1" animBg="1"/>
     </p:bldLst>
   </p:timing>
 </p:sld>
